--- a/Технологическая практика/Презентация отчета.pptx
+++ b/Технологическая практика/Презентация отчета.pptx
@@ -1328,7 +1328,7 @@
             <a:fld id="{D3F45E69-51FF-4017-B855-FA6AEE2AB1D5}" type="datetimeFigureOut">
               <a:rPr lang="ru-RU" smtClean="0"/>
               <a:pPr/>
-              <a:t>13.03.2022</a:t>
+              <a:t>14.03.2022</a:t>
             </a:fld>
             <a:endParaRPr lang="ru-RU"/>
           </a:p>
@@ -1493,7 +1493,7 @@
             <a:fld id="{D3F45E69-51FF-4017-B855-FA6AEE2AB1D5}" type="datetimeFigureOut">
               <a:rPr lang="ru-RU" smtClean="0"/>
               <a:pPr/>
-              <a:t>13.03.2022</a:t>
+              <a:t>14.03.2022</a:t>
             </a:fld>
             <a:endParaRPr lang="ru-RU"/>
           </a:p>
@@ -1668,7 +1668,7 @@
             <a:fld id="{D3F45E69-51FF-4017-B855-FA6AEE2AB1D5}" type="datetimeFigureOut">
               <a:rPr lang="ru-RU" smtClean="0"/>
               <a:pPr/>
-              <a:t>13.03.2022</a:t>
+              <a:t>14.03.2022</a:t>
             </a:fld>
             <a:endParaRPr lang="ru-RU"/>
           </a:p>
@@ -1833,7 +1833,7 @@
             <a:fld id="{D3F45E69-51FF-4017-B855-FA6AEE2AB1D5}" type="datetimeFigureOut">
               <a:rPr lang="ru-RU" smtClean="0"/>
               <a:pPr/>
-              <a:t>13.03.2022</a:t>
+              <a:t>14.03.2022</a:t>
             </a:fld>
             <a:endParaRPr lang="ru-RU"/>
           </a:p>
@@ -2075,7 +2075,7 @@
             <a:fld id="{D3F45E69-51FF-4017-B855-FA6AEE2AB1D5}" type="datetimeFigureOut">
               <a:rPr lang="ru-RU" smtClean="0"/>
               <a:pPr/>
-              <a:t>13.03.2022</a:t>
+              <a:t>14.03.2022</a:t>
             </a:fld>
             <a:endParaRPr lang="ru-RU"/>
           </a:p>
@@ -2357,7 +2357,7 @@
             <a:fld id="{D3F45E69-51FF-4017-B855-FA6AEE2AB1D5}" type="datetimeFigureOut">
               <a:rPr lang="ru-RU" smtClean="0"/>
               <a:pPr/>
-              <a:t>13.03.2022</a:t>
+              <a:t>14.03.2022</a:t>
             </a:fld>
             <a:endParaRPr lang="ru-RU"/>
           </a:p>
@@ -2773,7 +2773,7 @@
             <a:fld id="{D3F45E69-51FF-4017-B855-FA6AEE2AB1D5}" type="datetimeFigureOut">
               <a:rPr lang="ru-RU" smtClean="0"/>
               <a:pPr/>
-              <a:t>13.03.2022</a:t>
+              <a:t>14.03.2022</a:t>
             </a:fld>
             <a:endParaRPr lang="ru-RU"/>
           </a:p>
@@ -2887,7 +2887,7 @@
             <a:fld id="{D3F45E69-51FF-4017-B855-FA6AEE2AB1D5}" type="datetimeFigureOut">
               <a:rPr lang="ru-RU" smtClean="0"/>
               <a:pPr/>
-              <a:t>13.03.2022</a:t>
+              <a:t>14.03.2022</a:t>
             </a:fld>
             <a:endParaRPr lang="ru-RU"/>
           </a:p>
@@ -2979,7 +2979,7 @@
             <a:fld id="{D3F45E69-51FF-4017-B855-FA6AEE2AB1D5}" type="datetimeFigureOut">
               <a:rPr lang="ru-RU" smtClean="0"/>
               <a:pPr/>
-              <a:t>13.03.2022</a:t>
+              <a:t>14.03.2022</a:t>
             </a:fld>
             <a:endParaRPr lang="ru-RU"/>
           </a:p>
@@ -3251,7 +3251,7 @@
             <a:fld id="{D3F45E69-51FF-4017-B855-FA6AEE2AB1D5}" type="datetimeFigureOut">
               <a:rPr lang="ru-RU" smtClean="0"/>
               <a:pPr/>
-              <a:t>13.03.2022</a:t>
+              <a:t>14.03.2022</a:t>
             </a:fld>
             <a:endParaRPr lang="ru-RU"/>
           </a:p>
@@ -3500,7 +3500,7 @@
             <a:fld id="{D3F45E69-51FF-4017-B855-FA6AEE2AB1D5}" type="datetimeFigureOut">
               <a:rPr lang="ru-RU" smtClean="0"/>
               <a:pPr/>
-              <a:t>13.03.2022</a:t>
+              <a:t>14.03.2022</a:t>
             </a:fld>
             <a:endParaRPr lang="ru-RU"/>
           </a:p>
@@ -3708,7 +3708,7 @@
             <a:fld id="{D3F45E69-51FF-4017-B855-FA6AEE2AB1D5}" type="datetimeFigureOut">
               <a:rPr lang="ru-RU" smtClean="0"/>
               <a:pPr/>
-              <a:t>13.03.2022</a:t>
+              <a:t>14.03.2022</a:t>
             </a:fld>
             <a:endParaRPr lang="ru-RU"/>
           </a:p>
@@ -5113,15 +5113,7 @@
             </a:r>
             <a:r>
               <a:rPr lang="ru-RU" sz="2000" dirty="0"/>
-              <a:t> повышение скорости </a:t>
-            </a:r>
-            <a:r>
-              <a:rPr lang="ru-RU" sz="2000"/>
-              <a:t>разработки приложений, </a:t>
-            </a:r>
-            <a:r>
-              <a:rPr lang="ru-RU" sz="2000" dirty="0"/>
-              <a:t>включающих в себя работу с различными почтовыми серверами и почтовыми ящиками</a:t>
+              <a:t> повышение скорости разработки приложений, включающих в себя работу с различными почтовыми серверами и почтовыми ящиками</a:t>
             </a:r>
           </a:p>
           <a:p>
@@ -7745,6 +7737,41 @@
           <a:p>
             <a:pPr algn="ctr"/>
             <a:endParaRPr lang="ru-RU"/>
+          </a:p>
+        </p:txBody>
+      </p:sp>
+      <p:sp>
+        <p:nvSpPr>
+          <p:cNvPr id="54" name="TextBox 53">
+            <a:extLst>
+              <a:ext uri="{FF2B5EF4-FFF2-40B4-BE49-F238E27FC236}">
+                <a16:creationId xmlns:a16="http://schemas.microsoft.com/office/drawing/2014/main" id="{5D8D2F8A-A4FD-4E2A-8F30-79D407887F3E}"/>
+              </a:ext>
+            </a:extLst>
+          </p:cNvPr>
+          <p:cNvSpPr txBox="1"/>
+          <p:nvPr/>
+        </p:nvSpPr>
+        <p:spPr>
+          <a:xfrm>
+            <a:off x="2640617" y="6006961"/>
+            <a:ext cx="4572000" cy="369332"/>
+          </a:xfrm>
+          <a:prstGeom prst="rect">
+            <a:avLst/>
+          </a:prstGeom>
+          <a:noFill/>
+        </p:spPr>
+        <p:txBody>
+          <a:bodyPr wrap="square">
+            <a:spAutoFit/>
+          </a:bodyPr>
+          <a:lstStyle/>
+          <a:p>
+            <a:r>
+              <a:rPr lang="ru-RU" dirty="0"/>
+              <a:t>Рис 1.</a:t>
+            </a:r>
           </a:p>
         </p:txBody>
       </p:sp>
@@ -19147,8 +19174,29 @@
             </a:r>
             <a:r>
               <a:rPr lang="ru-RU" dirty="0"/>
-              <a:t>» по задачам Счетной палаты РФ 25-26 февраля 2022 года</a:t>
+              <a:t>» по задачам Счетной палаты РФ 25-26 февраля 2022 года. Диплом</a:t>
             </a:r>
+            <a:r>
+              <a:rPr lang="en-US" dirty="0"/>
+              <a:t> </a:t>
+            </a:r>
+            <a:r>
+              <a:rPr lang="ru-RU" dirty="0"/>
+              <a:t>и </a:t>
+            </a:r>
+            <a:r>
+              <a:rPr lang="ru-RU" dirty="0" err="1"/>
+              <a:t>сертифакт</a:t>
+            </a:r>
+            <a:r>
+              <a:rPr lang="ru-RU" dirty="0"/>
+              <a:t> 3 степени</a:t>
+            </a:r>
+            <a:r>
+              <a:rPr lang="en-US" dirty="0"/>
+              <a:t>;</a:t>
+            </a:r>
+            <a:endParaRPr lang="ru-RU" dirty="0"/>
           </a:p>
           <a:p>
             <a:pPr marL="177800" indent="-177800">

--- a/Технологическая практика/Презентация отчета.pptx
+++ b/Технологическая практика/Презентация отчета.pptx
@@ -1328,7 +1328,7 @@
             <a:fld id="{D3F45E69-51FF-4017-B855-FA6AEE2AB1D5}" type="datetimeFigureOut">
               <a:rPr lang="ru-RU" smtClean="0"/>
               <a:pPr/>
-              <a:t>14.03.2022</a:t>
+              <a:t>19.03.2022</a:t>
             </a:fld>
             <a:endParaRPr lang="ru-RU"/>
           </a:p>
@@ -1493,7 +1493,7 @@
             <a:fld id="{D3F45E69-51FF-4017-B855-FA6AEE2AB1D5}" type="datetimeFigureOut">
               <a:rPr lang="ru-RU" smtClean="0"/>
               <a:pPr/>
-              <a:t>14.03.2022</a:t>
+              <a:t>19.03.2022</a:t>
             </a:fld>
             <a:endParaRPr lang="ru-RU"/>
           </a:p>
@@ -1668,7 +1668,7 @@
             <a:fld id="{D3F45E69-51FF-4017-B855-FA6AEE2AB1D5}" type="datetimeFigureOut">
               <a:rPr lang="ru-RU" smtClean="0"/>
               <a:pPr/>
-              <a:t>14.03.2022</a:t>
+              <a:t>19.03.2022</a:t>
             </a:fld>
             <a:endParaRPr lang="ru-RU"/>
           </a:p>
@@ -1833,7 +1833,7 @@
             <a:fld id="{D3F45E69-51FF-4017-B855-FA6AEE2AB1D5}" type="datetimeFigureOut">
               <a:rPr lang="ru-RU" smtClean="0"/>
               <a:pPr/>
-              <a:t>14.03.2022</a:t>
+              <a:t>19.03.2022</a:t>
             </a:fld>
             <a:endParaRPr lang="ru-RU"/>
           </a:p>
@@ -2075,7 +2075,7 @@
             <a:fld id="{D3F45E69-51FF-4017-B855-FA6AEE2AB1D5}" type="datetimeFigureOut">
               <a:rPr lang="ru-RU" smtClean="0"/>
               <a:pPr/>
-              <a:t>14.03.2022</a:t>
+              <a:t>19.03.2022</a:t>
             </a:fld>
             <a:endParaRPr lang="ru-RU"/>
           </a:p>
@@ -2357,7 +2357,7 @@
             <a:fld id="{D3F45E69-51FF-4017-B855-FA6AEE2AB1D5}" type="datetimeFigureOut">
               <a:rPr lang="ru-RU" smtClean="0"/>
               <a:pPr/>
-              <a:t>14.03.2022</a:t>
+              <a:t>19.03.2022</a:t>
             </a:fld>
             <a:endParaRPr lang="ru-RU"/>
           </a:p>
@@ -2773,7 +2773,7 @@
             <a:fld id="{D3F45E69-51FF-4017-B855-FA6AEE2AB1D5}" type="datetimeFigureOut">
               <a:rPr lang="ru-RU" smtClean="0"/>
               <a:pPr/>
-              <a:t>14.03.2022</a:t>
+              <a:t>19.03.2022</a:t>
             </a:fld>
             <a:endParaRPr lang="ru-RU"/>
           </a:p>
@@ -2887,7 +2887,7 @@
             <a:fld id="{D3F45E69-51FF-4017-B855-FA6AEE2AB1D5}" type="datetimeFigureOut">
               <a:rPr lang="ru-RU" smtClean="0"/>
               <a:pPr/>
-              <a:t>14.03.2022</a:t>
+              <a:t>19.03.2022</a:t>
             </a:fld>
             <a:endParaRPr lang="ru-RU"/>
           </a:p>
@@ -2979,7 +2979,7 @@
             <a:fld id="{D3F45E69-51FF-4017-B855-FA6AEE2AB1D5}" type="datetimeFigureOut">
               <a:rPr lang="ru-RU" smtClean="0"/>
               <a:pPr/>
-              <a:t>14.03.2022</a:t>
+              <a:t>19.03.2022</a:t>
             </a:fld>
             <a:endParaRPr lang="ru-RU"/>
           </a:p>
@@ -3251,7 +3251,7 @@
             <a:fld id="{D3F45E69-51FF-4017-B855-FA6AEE2AB1D5}" type="datetimeFigureOut">
               <a:rPr lang="ru-RU" smtClean="0"/>
               <a:pPr/>
-              <a:t>14.03.2022</a:t>
+              <a:t>19.03.2022</a:t>
             </a:fld>
             <a:endParaRPr lang="ru-RU"/>
           </a:p>
@@ -3500,7 +3500,7 @@
             <a:fld id="{D3F45E69-51FF-4017-B855-FA6AEE2AB1D5}" type="datetimeFigureOut">
               <a:rPr lang="ru-RU" smtClean="0"/>
               <a:pPr/>
-              <a:t>14.03.2022</a:t>
+              <a:t>19.03.2022</a:t>
             </a:fld>
             <a:endParaRPr lang="ru-RU"/>
           </a:p>
@@ -3708,7 +3708,7 @@
             <a:fld id="{D3F45E69-51FF-4017-B855-FA6AEE2AB1D5}" type="datetimeFigureOut">
               <a:rPr lang="ru-RU" smtClean="0"/>
               <a:pPr/>
-              <a:t>14.03.2022</a:t>
+              <a:t>19.03.2022</a:t>
             </a:fld>
             <a:endParaRPr lang="ru-RU"/>
           </a:p>
@@ -7754,8 +7754,8 @@
         </p:nvSpPr>
         <p:spPr>
           <a:xfrm>
-            <a:off x="2640617" y="6006961"/>
-            <a:ext cx="4572000" cy="369332"/>
+            <a:off x="741015" y="5870665"/>
+            <a:ext cx="6034435" cy="646331"/>
           </a:xfrm>
           <a:prstGeom prst="rect">
             <a:avLst/>
@@ -7770,8 +7770,20 @@
           <a:p>
             <a:r>
               <a:rPr lang="ru-RU" dirty="0"/>
-              <a:t>Рис 1.</a:t>
+              <a:t>Рис 1. </a:t>
             </a:r>
+            <a:r>
+              <a:rPr lang="ru-RU" sz="1800" dirty="0">
+                <a:solidFill>
+                  <a:srgbClr val="000000"/>
+                </a:solidFill>
+                <a:effectLst/>
+                <a:latin typeface="Times New Roman" panose="02020603050405020304" pitchFamily="18" charset="0"/>
+                <a:ea typeface="Times New Roman" panose="02020603050405020304" pitchFamily="18" charset="0"/>
+              </a:rPr>
+              <a:t>Иллюстрация принципа взаимодействие приложений с почтовыми серверами до и после введения ВС ДЭП</a:t>
+            </a:r>
+            <a:endParaRPr lang="ru-RU" dirty="0"/>
           </a:p>
         </p:txBody>
       </p:sp>
@@ -18948,7 +18960,7 @@
           </p:cNvPicPr>
           <p:nvPr/>
         </p:nvPicPr>
-        <p:blipFill>
+        <p:blipFill rotWithShape="1">
           <a:blip r:embed="rId2">
             <a:extLst>
               <a:ext uri="{28A0092B-C50C-407E-A947-70E740481C1C}">
@@ -18956,14 +18968,48 @@
               </a:ext>
             </a:extLst>
           </a:blip>
-          <a:stretch>
-            <a:fillRect/>
-          </a:stretch>
+          <a:srcRect l="15458" r="1"/>
+          <a:stretch/>
         </p:blipFill>
         <p:spPr>
           <a:xfrm>
-            <a:off x="359023" y="861256"/>
-            <a:ext cx="8605466" cy="5135487"/>
+            <a:off x="1689392" y="861256"/>
+            <a:ext cx="7275096" cy="5135487"/>
+          </a:xfrm>
+          <a:prstGeom prst="rect">
+            <a:avLst/>
+          </a:prstGeom>
+        </p:spPr>
+      </p:pic>
+      <p:pic>
+        <p:nvPicPr>
+          <p:cNvPr id="61" name="Рисунок 60">
+            <a:extLst>
+              <a:ext uri="{FF2B5EF4-FFF2-40B4-BE49-F238E27FC236}">
+                <a16:creationId xmlns:a16="http://schemas.microsoft.com/office/drawing/2014/main" id="{9270F3E8-3C51-48FE-8563-9B32F585A11B}"/>
+              </a:ext>
+            </a:extLst>
+          </p:cNvPr>
+          <p:cNvPicPr>
+            <a:picLocks noChangeAspect="1"/>
+          </p:cNvPicPr>
+          <p:nvPr/>
+        </p:nvPicPr>
+        <p:blipFill rotWithShape="1">
+          <a:blip r:embed="rId2">
+            <a:extLst>
+              <a:ext uri="{28A0092B-C50C-407E-A947-70E740481C1C}">
+                <a14:useLocalDpi xmlns:a14="http://schemas.microsoft.com/office/drawing/2010/main" val="0"/>
+              </a:ext>
+            </a:extLst>
+          </a:blip>
+          <a:srcRect l="-2385" t="2107" r="84839" b="-2107"/>
+          <a:stretch/>
+        </p:blipFill>
+        <p:spPr>
+          <a:xfrm>
+            <a:off x="179512" y="274323"/>
+            <a:ext cx="1509880" cy="5135487"/>
           </a:xfrm>
           <a:prstGeom prst="rect">
             <a:avLst/>
@@ -19182,15 +19228,7 @@
             </a:r>
             <a:r>
               <a:rPr lang="ru-RU" dirty="0"/>
-              <a:t>и </a:t>
-            </a:r>
-            <a:r>
-              <a:rPr lang="ru-RU" dirty="0" err="1"/>
-              <a:t>сертифакт</a:t>
-            </a:r>
-            <a:r>
-              <a:rPr lang="ru-RU" dirty="0"/>
-              <a:t> 3 степени</a:t>
+              <a:t>3 степени</a:t>
             </a:r>
             <a:r>
               <a:rPr lang="en-US" dirty="0"/>
@@ -19997,10 +20035,10 @@
       </p:graphicFrame>
       <p:pic>
         <p:nvPicPr>
-          <p:cNvPr id="3" name="Рисунок 2">
+          <p:cNvPr id="6" name="Рисунок 5">
             <a:extLst>
               <a:ext uri="{FF2B5EF4-FFF2-40B4-BE49-F238E27FC236}">
-                <a16:creationId xmlns:a16="http://schemas.microsoft.com/office/drawing/2014/main" id="{BD1E82A2-7A6E-442E-8C5E-A8CE6602173F}"/>
+                <a16:creationId xmlns:a16="http://schemas.microsoft.com/office/drawing/2014/main" id="{F23EE50F-1F4D-4B9C-B850-1CC0FEB82398}"/>
               </a:ext>
             </a:extLst>
           </p:cNvPr>
@@ -20017,8 +20055,8 @@
         </p:blipFill>
         <p:spPr>
           <a:xfrm>
-            <a:off x="3347864" y="2417987"/>
-            <a:ext cx="2196975" cy="3122017"/>
+            <a:off x="3203848" y="2102873"/>
+            <a:ext cx="2528693" cy="3414357"/>
           </a:xfrm>
           <a:prstGeom prst="rect">
             <a:avLst/>

--- a/Технологическая практика/Презентация отчета.pptx
+++ b/Технологическая практика/Презентация отчета.pptx
@@ -1328,7 +1328,7 @@
             <a:fld id="{D3F45E69-51FF-4017-B855-FA6AEE2AB1D5}" type="datetimeFigureOut">
               <a:rPr lang="ru-RU" smtClean="0"/>
               <a:pPr/>
-              <a:t>19.03.2022</a:t>
+              <a:t>21.03.2022</a:t>
             </a:fld>
             <a:endParaRPr lang="ru-RU"/>
           </a:p>
@@ -1493,7 +1493,7 @@
             <a:fld id="{D3F45E69-51FF-4017-B855-FA6AEE2AB1D5}" type="datetimeFigureOut">
               <a:rPr lang="ru-RU" smtClean="0"/>
               <a:pPr/>
-              <a:t>19.03.2022</a:t>
+              <a:t>21.03.2022</a:t>
             </a:fld>
             <a:endParaRPr lang="ru-RU"/>
           </a:p>
@@ -1668,7 +1668,7 @@
             <a:fld id="{D3F45E69-51FF-4017-B855-FA6AEE2AB1D5}" type="datetimeFigureOut">
               <a:rPr lang="ru-RU" smtClean="0"/>
               <a:pPr/>
-              <a:t>19.03.2022</a:t>
+              <a:t>21.03.2022</a:t>
             </a:fld>
             <a:endParaRPr lang="ru-RU"/>
           </a:p>
@@ -1833,7 +1833,7 @@
             <a:fld id="{D3F45E69-51FF-4017-B855-FA6AEE2AB1D5}" type="datetimeFigureOut">
               <a:rPr lang="ru-RU" smtClean="0"/>
               <a:pPr/>
-              <a:t>19.03.2022</a:t>
+              <a:t>21.03.2022</a:t>
             </a:fld>
             <a:endParaRPr lang="ru-RU"/>
           </a:p>
@@ -2075,7 +2075,7 @@
             <a:fld id="{D3F45E69-51FF-4017-B855-FA6AEE2AB1D5}" type="datetimeFigureOut">
               <a:rPr lang="ru-RU" smtClean="0"/>
               <a:pPr/>
-              <a:t>19.03.2022</a:t>
+              <a:t>21.03.2022</a:t>
             </a:fld>
             <a:endParaRPr lang="ru-RU"/>
           </a:p>
@@ -2357,7 +2357,7 @@
             <a:fld id="{D3F45E69-51FF-4017-B855-FA6AEE2AB1D5}" type="datetimeFigureOut">
               <a:rPr lang="ru-RU" smtClean="0"/>
               <a:pPr/>
-              <a:t>19.03.2022</a:t>
+              <a:t>21.03.2022</a:t>
             </a:fld>
             <a:endParaRPr lang="ru-RU"/>
           </a:p>
@@ -2773,7 +2773,7 @@
             <a:fld id="{D3F45E69-51FF-4017-B855-FA6AEE2AB1D5}" type="datetimeFigureOut">
               <a:rPr lang="ru-RU" smtClean="0"/>
               <a:pPr/>
-              <a:t>19.03.2022</a:t>
+              <a:t>21.03.2022</a:t>
             </a:fld>
             <a:endParaRPr lang="ru-RU"/>
           </a:p>
@@ -2887,7 +2887,7 @@
             <a:fld id="{D3F45E69-51FF-4017-B855-FA6AEE2AB1D5}" type="datetimeFigureOut">
               <a:rPr lang="ru-RU" smtClean="0"/>
               <a:pPr/>
-              <a:t>19.03.2022</a:t>
+              <a:t>21.03.2022</a:t>
             </a:fld>
             <a:endParaRPr lang="ru-RU"/>
           </a:p>
@@ -2979,7 +2979,7 @@
             <a:fld id="{D3F45E69-51FF-4017-B855-FA6AEE2AB1D5}" type="datetimeFigureOut">
               <a:rPr lang="ru-RU" smtClean="0"/>
               <a:pPr/>
-              <a:t>19.03.2022</a:t>
+              <a:t>21.03.2022</a:t>
             </a:fld>
             <a:endParaRPr lang="ru-RU"/>
           </a:p>
@@ -3251,7 +3251,7 @@
             <a:fld id="{D3F45E69-51FF-4017-B855-FA6AEE2AB1D5}" type="datetimeFigureOut">
               <a:rPr lang="ru-RU" smtClean="0"/>
               <a:pPr/>
-              <a:t>19.03.2022</a:t>
+              <a:t>21.03.2022</a:t>
             </a:fld>
             <a:endParaRPr lang="ru-RU"/>
           </a:p>
@@ -3500,7 +3500,7 @@
             <a:fld id="{D3F45E69-51FF-4017-B855-FA6AEE2AB1D5}" type="datetimeFigureOut">
               <a:rPr lang="ru-RU" smtClean="0"/>
               <a:pPr/>
-              <a:t>19.03.2022</a:t>
+              <a:t>21.03.2022</a:t>
             </a:fld>
             <a:endParaRPr lang="ru-RU"/>
           </a:p>
@@ -3708,7 +3708,7 @@
             <a:fld id="{D3F45E69-51FF-4017-B855-FA6AEE2AB1D5}" type="datetimeFigureOut">
               <a:rPr lang="ru-RU" smtClean="0"/>
               <a:pPr/>
-              <a:t>19.03.2022</a:t>
+              <a:t>21.03.2022</a:t>
             </a:fld>
             <a:endParaRPr lang="ru-RU"/>
           </a:p>
@@ -5088,7 +5088,7 @@
         <p:spPr bwMode="auto">
           <a:xfrm>
             <a:off x="611560" y="3212976"/>
-            <a:ext cx="8105911" cy="3339376"/>
+            <a:ext cx="8105911" cy="3954929"/>
           </a:xfrm>
           <a:prstGeom prst="rect">
             <a:avLst/>
@@ -5188,6 +5188,32 @@
             <a:r>
               <a:rPr lang="ru-RU" sz="2000" dirty="0"/>
               <a:t>разработка схем алгоритмов ВС ДЭП;</a:t>
+            </a:r>
+          </a:p>
+          <a:p>
+            <a:pPr marL="266700" indent="-266700">
+              <a:buFont typeface="Times New Roman" pitchFamily="18" charset="0"/>
+              <a:buChar char="•"/>
+              <a:tabLst>
+                <a:tab pos="266700" algn="l"/>
+              </a:tabLst>
+            </a:pPr>
+            <a:r>
+              <a:rPr lang="ru-RU" sz="2000" dirty="0"/>
+              <a:t>разработка пользовательского интерфейса ВС ДЭП;</a:t>
+            </a:r>
+          </a:p>
+          <a:p>
+            <a:pPr marL="266700" indent="-266700">
+              <a:buFont typeface="Times New Roman" pitchFamily="18" charset="0"/>
+              <a:buChar char="•"/>
+              <a:tabLst>
+                <a:tab pos="266700" algn="l"/>
+              </a:tabLst>
+            </a:pPr>
+            <a:r>
+              <a:rPr lang="ru-RU" sz="2000" dirty="0"/>
+              <a:t>разработка программной реализации ВС ДЭП.</a:t>
             </a:r>
           </a:p>
           <a:p>
@@ -10724,7 +10750,7 @@
           <p:nvPr>
             <p:extLst>
               <p:ext uri="{D42A27DB-BD31-4B8C-83A1-F6EECF244321}">
-                <p14:modId xmlns:p14="http://schemas.microsoft.com/office/powerpoint/2010/main" val="1647731027"/>
+                <p14:modId xmlns:p14="http://schemas.microsoft.com/office/powerpoint/2010/main" val="436738897"/>
               </p:ext>
             </p:extLst>
           </p:nvPr>
@@ -11743,9 +11769,10 @@
                     <a:p>
                       <a:pPr algn="l"/>
                       <a:r>
-                        <a:rPr lang="ru-RU" sz="1600" dirty="0"/>
-                        <a:t>Нет</a:t>
+                        <a:rPr lang="ru-RU" sz="1600"/>
+                        <a:t>Да</a:t>
                       </a:r>
+                      <a:endParaRPr lang="ru-RU" sz="1600" dirty="0"/>
                     </a:p>
                   </a:txBody>
                   <a:tcPr anchor="ctr" horzOverflow="overflow"/>
@@ -20272,8 +20299,8 @@
         </p:nvSpPr>
         <p:spPr bwMode="auto">
           <a:xfrm>
-            <a:off x="342900" y="1565521"/>
-            <a:ext cx="8333556" cy="2308324"/>
+            <a:off x="342900" y="1196189"/>
+            <a:ext cx="8333556" cy="3046988"/>
           </a:xfrm>
           <a:prstGeom prst="rect">
             <a:avLst/>
@@ -20354,6 +20381,32 @@
             <a:r>
               <a:rPr lang="ru-RU" sz="2400" dirty="0"/>
               <a:t> разработана схема алгоритма ВС ДЭП;</a:t>
+            </a:r>
+          </a:p>
+          <a:p>
+            <a:pPr>
+              <a:buFontTx/>
+              <a:buChar char="•"/>
+              <a:tabLst>
+                <a:tab pos="457200" algn="l"/>
+              </a:tabLst>
+            </a:pPr>
+            <a:r>
+              <a:rPr lang="ru-RU" sz="2400" dirty="0"/>
+              <a:t> разработан пользовательский интерфейс ВС ДЭП;</a:t>
+            </a:r>
+          </a:p>
+          <a:p>
+            <a:pPr>
+              <a:buFontTx/>
+              <a:buChar char="•"/>
+              <a:tabLst>
+                <a:tab pos="457200" algn="l"/>
+              </a:tabLst>
+            </a:pPr>
+            <a:r>
+              <a:rPr lang="ru-RU" sz="2400" dirty="0"/>
+              <a:t> выполнена программная реализация ВС ДЭП.</a:t>
             </a:r>
           </a:p>
           <a:p>

--- a/Технологическая практика/Презентация отчета.pptx
+++ b/Технологическая практика/Презентация отчета.pptx
@@ -12,8 +12,9 @@
     <p:sldId id="271" r:id="rId6"/>
     <p:sldId id="261" r:id="rId7"/>
     <p:sldId id="262" r:id="rId8"/>
-    <p:sldId id="269" r:id="rId9"/>
-    <p:sldId id="264" r:id="rId10"/>
+    <p:sldId id="272" r:id="rId9"/>
+    <p:sldId id="269" r:id="rId10"/>
+    <p:sldId id="264" r:id="rId11"/>
   </p:sldIdLst>
   <p:sldSz cx="9144000" cy="6858000" type="screen4x3"/>
   <p:notesSz cx="6797675" cy="9926638"/>
@@ -5087,7 +5088,7 @@
         </p:nvSpPr>
         <p:spPr bwMode="auto">
           <a:xfrm>
-            <a:off x="611560" y="3212976"/>
+            <a:off x="539552" y="2852936"/>
             <a:ext cx="8105911" cy="3954929"/>
           </a:xfrm>
           <a:prstGeom prst="rect">
@@ -5113,7 +5114,7 @@
             </a:r>
             <a:r>
               <a:rPr lang="ru-RU" sz="2000" dirty="0"/>
-              <a:t> повышение скорости разработки приложений, включающих в себя работу с различными почтовыми серверами и почтовыми ящиками</a:t>
+              <a:t> повышение скорости разработки веб-приложений, включающих работу с различными почтовыми серверами и почтовыми ящиками</a:t>
             </a:r>
           </a:p>
           <a:p>
@@ -5161,7 +5162,7 @@
             </a:pPr>
             <a:r>
               <a:rPr lang="ru-RU" sz="2000" dirty="0"/>
-              <a:t>выбор языка и среды программирования;</a:t>
+              <a:t>выбор языка программирования и среды разработки;</a:t>
             </a:r>
           </a:p>
           <a:p>
@@ -5200,7 +5201,7 @@
             </a:pPr>
             <a:r>
               <a:rPr lang="ru-RU" sz="2000" dirty="0"/>
-              <a:t>разработка пользовательского интерфейса ВС ДЭП;</a:t>
+              <a:t>программная реализация ВС ДЭП</a:t>
             </a:r>
           </a:p>
           <a:p>
@@ -5213,7 +5214,7 @@
             </a:pPr>
             <a:r>
               <a:rPr lang="ru-RU" sz="2000" dirty="0"/>
-              <a:t>разработка программной реализации ВС ДЭП.</a:t>
+              <a:t>разработка пользовательского интерфейса ВС ДЭП.</a:t>
             </a:r>
           </a:p>
           <a:p>
@@ -5236,6 +5237,1087 @@
           </a:p>
         </p:txBody>
       </p:sp>
+    </p:spTree>
+  </p:cSld>
+  <p:clrMapOvr>
+    <a:masterClrMapping/>
+  </p:clrMapOvr>
+</p:sld>
+</file>
+
+<file path=ppt/slides/slide10.xml><?xml version="1.0" encoding="utf-8"?>
+<p:sld xmlns:a="http://schemas.openxmlformats.org/drawingml/2006/main" xmlns:r="http://schemas.openxmlformats.org/officeDocument/2006/relationships" xmlns:p="http://schemas.openxmlformats.org/presentationml/2006/main">
+  <p:cSld>
+    <p:spTree>
+      <p:nvGrpSpPr>
+        <p:cNvPr id="1" name=""/>
+        <p:cNvGrpSpPr/>
+        <p:nvPr/>
+      </p:nvGrpSpPr>
+      <p:grpSpPr>
+        <a:xfrm>
+          <a:off x="0" y="0"/>
+          <a:ext cx="0" cy="0"/>
+          <a:chOff x="0" y="0"/>
+          <a:chExt cx="0" cy="0"/>
+        </a:xfrm>
+      </p:grpSpPr>
+      <p:sp>
+        <p:nvSpPr>
+          <p:cNvPr id="4" name="Rectangle 23"/>
+          <p:cNvSpPr>
+            <a:spLocks noChangeArrowheads="1"/>
+          </p:cNvSpPr>
+          <p:nvPr/>
+        </p:nvSpPr>
+        <p:spPr bwMode="auto">
+          <a:xfrm>
+            <a:off x="250825" y="260350"/>
+            <a:ext cx="8642350" cy="427038"/>
+          </a:xfrm>
+          <a:prstGeom prst="rect">
+            <a:avLst/>
+          </a:prstGeom>
+          <a:noFill/>
+          <a:ln w="9525">
+            <a:noFill/>
+            <a:miter lim="800000"/>
+            <a:headEnd/>
+            <a:tailEnd/>
+          </a:ln>
+        </p:spPr>
+        <p:txBody>
+          <a:bodyPr>
+            <a:spAutoFit/>
+          </a:bodyPr>
+          <a:lstStyle/>
+          <a:p>
+            <a:pPr algn="ctr"/>
+            <a:r>
+              <a:rPr lang="ru-RU" sz="2200" b="1" dirty="0"/>
+              <a:t>Результаты работы</a:t>
+            </a:r>
+          </a:p>
+        </p:txBody>
+      </p:sp>
+      <p:sp>
+        <p:nvSpPr>
+          <p:cNvPr id="5" name="Line 137"/>
+          <p:cNvSpPr>
+            <a:spLocks noChangeShapeType="1"/>
+          </p:cNvSpPr>
+          <p:nvPr/>
+        </p:nvSpPr>
+        <p:spPr bwMode="auto">
+          <a:xfrm>
+            <a:off x="193675" y="188913"/>
+            <a:ext cx="0" cy="6480175"/>
+          </a:xfrm>
+          <a:prstGeom prst="line">
+            <a:avLst/>
+          </a:prstGeom>
+          <a:noFill/>
+          <a:ln w="12700" cap="sq">
+            <a:solidFill>
+              <a:schemeClr val="tx1"/>
+            </a:solidFill>
+            <a:round/>
+            <a:headEnd/>
+            <a:tailEnd/>
+          </a:ln>
+        </p:spPr>
+        <p:txBody>
+          <a:bodyPr/>
+          <a:lstStyle/>
+          <a:p>
+            <a:endParaRPr lang="ru-RU"/>
+          </a:p>
+        </p:txBody>
+      </p:sp>
+      <p:sp>
+        <p:nvSpPr>
+          <p:cNvPr id="6" name="Line 138"/>
+          <p:cNvSpPr>
+            <a:spLocks noChangeShapeType="1"/>
+          </p:cNvSpPr>
+          <p:nvPr/>
+        </p:nvSpPr>
+        <p:spPr bwMode="auto">
+          <a:xfrm>
+            <a:off x="8978900" y="188913"/>
+            <a:ext cx="0" cy="6480175"/>
+          </a:xfrm>
+          <a:prstGeom prst="line">
+            <a:avLst/>
+          </a:prstGeom>
+          <a:noFill/>
+          <a:ln w="12700" cap="sq">
+            <a:solidFill>
+              <a:schemeClr val="tx1"/>
+            </a:solidFill>
+            <a:round/>
+            <a:headEnd/>
+            <a:tailEnd/>
+          </a:ln>
+        </p:spPr>
+        <p:txBody>
+          <a:bodyPr/>
+          <a:lstStyle/>
+          <a:p>
+            <a:endParaRPr lang="ru-RU"/>
+          </a:p>
+        </p:txBody>
+      </p:sp>
+      <p:sp>
+        <p:nvSpPr>
+          <p:cNvPr id="8" name="Line 158"/>
+          <p:cNvSpPr>
+            <a:spLocks noChangeShapeType="1"/>
+          </p:cNvSpPr>
+          <p:nvPr/>
+        </p:nvSpPr>
+        <p:spPr bwMode="auto">
+          <a:xfrm>
+            <a:off x="193675" y="188913"/>
+            <a:ext cx="8785225" cy="0"/>
+          </a:xfrm>
+          <a:prstGeom prst="line">
+            <a:avLst/>
+          </a:prstGeom>
+          <a:noFill/>
+          <a:ln w="12700" cap="sq">
+            <a:solidFill>
+              <a:schemeClr val="tx1"/>
+            </a:solidFill>
+            <a:round/>
+            <a:headEnd/>
+            <a:tailEnd/>
+          </a:ln>
+        </p:spPr>
+        <p:txBody>
+          <a:bodyPr/>
+          <a:lstStyle/>
+          <a:p>
+            <a:endParaRPr lang="ru-RU"/>
+          </a:p>
+        </p:txBody>
+      </p:sp>
+      <p:sp>
+        <p:nvSpPr>
+          <p:cNvPr id="9" name="Line 159"/>
+          <p:cNvSpPr>
+            <a:spLocks noChangeShapeType="1"/>
+          </p:cNvSpPr>
+          <p:nvPr/>
+        </p:nvSpPr>
+        <p:spPr bwMode="auto">
+          <a:xfrm>
+            <a:off x="193675" y="6669088"/>
+            <a:ext cx="8785225" cy="0"/>
+          </a:xfrm>
+          <a:prstGeom prst="line">
+            <a:avLst/>
+          </a:prstGeom>
+          <a:noFill/>
+          <a:ln w="12700" cap="sq">
+            <a:solidFill>
+              <a:schemeClr val="tx1"/>
+            </a:solidFill>
+            <a:round/>
+            <a:headEnd/>
+            <a:tailEnd/>
+          </a:ln>
+        </p:spPr>
+        <p:txBody>
+          <a:bodyPr/>
+          <a:lstStyle/>
+          <a:p>
+            <a:endParaRPr lang="ru-RU"/>
+          </a:p>
+        </p:txBody>
+      </p:sp>
+      <p:sp>
+        <p:nvSpPr>
+          <p:cNvPr id="10" name="Rectangle 25"/>
+          <p:cNvSpPr>
+            <a:spLocks noChangeArrowheads="1"/>
+          </p:cNvSpPr>
+          <p:nvPr/>
+        </p:nvSpPr>
+        <p:spPr bwMode="auto">
+          <a:xfrm>
+            <a:off x="342900" y="1196189"/>
+            <a:ext cx="8333556" cy="3046988"/>
+          </a:xfrm>
+          <a:prstGeom prst="rect">
+            <a:avLst/>
+          </a:prstGeom>
+          <a:noFill/>
+          <a:ln w="9525">
+            <a:noFill/>
+            <a:miter lim="800000"/>
+            <a:headEnd/>
+            <a:tailEnd/>
+          </a:ln>
+        </p:spPr>
+        <p:txBody>
+          <a:bodyPr wrap="square" anchor="ctr">
+            <a:spAutoFit/>
+          </a:bodyPr>
+          <a:lstStyle/>
+          <a:p>
+            <a:pPr>
+              <a:buFontTx/>
+              <a:buChar char="•"/>
+              <a:tabLst>
+                <a:tab pos="457200" algn="l"/>
+              </a:tabLst>
+            </a:pPr>
+            <a:r>
+              <a:rPr lang="ru-RU" sz="2400" dirty="0"/>
+              <a:t> исследована предметная область;</a:t>
+            </a:r>
+          </a:p>
+          <a:p>
+            <a:pPr>
+              <a:buFontTx/>
+              <a:buChar char="•"/>
+              <a:tabLst>
+                <a:tab pos="457200" algn="l"/>
+              </a:tabLst>
+            </a:pPr>
+            <a:r>
+              <a:rPr lang="ru-RU" sz="2400" dirty="0"/>
+              <a:t> проведён обзор существующих аналогичных решений;</a:t>
+            </a:r>
+          </a:p>
+          <a:p>
+            <a:pPr>
+              <a:buFontTx/>
+              <a:buChar char="•"/>
+              <a:tabLst>
+                <a:tab pos="457200" algn="l"/>
+              </a:tabLst>
+            </a:pPr>
+            <a:r>
+              <a:rPr lang="ru-RU" sz="2400" dirty="0"/>
+              <a:t> выбраны язык и </a:t>
+            </a:r>
+            <a:r>
+              <a:rPr lang="ru-RU" sz="2400"/>
+              <a:t>среда разработки;</a:t>
+            </a:r>
+            <a:endParaRPr lang="ru-RU" sz="2400" dirty="0"/>
+          </a:p>
+          <a:p>
+            <a:pPr>
+              <a:buFontTx/>
+              <a:buChar char="•"/>
+              <a:tabLst>
+                <a:tab pos="457200" algn="l"/>
+              </a:tabLst>
+            </a:pPr>
+            <a:r>
+              <a:rPr lang="ru-RU" sz="2400" dirty="0"/>
+              <a:t> разработана схема данных ВС ДЭП;</a:t>
+            </a:r>
+          </a:p>
+          <a:p>
+            <a:pPr>
+              <a:buFontTx/>
+              <a:buChar char="•"/>
+              <a:tabLst>
+                <a:tab pos="457200" algn="l"/>
+              </a:tabLst>
+            </a:pPr>
+            <a:r>
+              <a:rPr lang="ru-RU" sz="2400" dirty="0"/>
+              <a:t> разработана схема алгоритма ВС ДЭП; </a:t>
+            </a:r>
+          </a:p>
+          <a:p>
+            <a:pPr>
+              <a:buFontTx/>
+              <a:buChar char="•"/>
+              <a:tabLst>
+                <a:tab pos="457200" algn="l"/>
+              </a:tabLst>
+            </a:pPr>
+            <a:r>
+              <a:rPr lang="ru-RU" sz="2400" dirty="0"/>
+              <a:t> выполнена программная реализация ВС ДЭП;</a:t>
+            </a:r>
+          </a:p>
+          <a:p>
+            <a:pPr>
+              <a:buFontTx/>
+              <a:buChar char="•"/>
+              <a:tabLst>
+                <a:tab pos="457200" algn="l"/>
+              </a:tabLst>
+            </a:pPr>
+            <a:r>
+              <a:rPr lang="ru-RU" sz="2400" dirty="0"/>
+              <a:t> разработан пользовательский интерфейс ВС ДЭП.</a:t>
+            </a:r>
+          </a:p>
+          <a:p>
+            <a:pPr>
+              <a:tabLst>
+                <a:tab pos="457200" algn="l"/>
+              </a:tabLst>
+            </a:pPr>
+            <a:endParaRPr lang="ru-RU" sz="2400" dirty="0"/>
+          </a:p>
+        </p:txBody>
+      </p:sp>
+      <p:graphicFrame>
+        <p:nvGraphicFramePr>
+          <p:cNvPr id="11" name="Group 10">
+            <a:extLst>
+              <a:ext uri="{FF2B5EF4-FFF2-40B4-BE49-F238E27FC236}">
+                <a16:creationId xmlns:a16="http://schemas.microsoft.com/office/drawing/2014/main" id="{E61E70AC-B958-4669-B1D3-6F708209FC5E}"/>
+              </a:ext>
+            </a:extLst>
+          </p:cNvPr>
+          <p:cNvGraphicFramePr>
+            <a:graphicFrameLocks noGrp="1"/>
+          </p:cNvGraphicFramePr>
+          <p:nvPr>
+            <p:extLst>
+              <p:ext uri="{D42A27DB-BD31-4B8C-83A1-F6EECF244321}">
+                <p14:modId xmlns:p14="http://schemas.microsoft.com/office/powerpoint/2010/main" val="1711969232"/>
+              </p:ext>
+            </p:extLst>
+          </p:nvPr>
+        </p:nvGraphicFramePr>
+        <p:xfrm>
+          <a:off x="6156325" y="6254750"/>
+          <a:ext cx="2822575" cy="412740"/>
+        </p:xfrm>
+        <a:graphic>
+          <a:graphicData uri="http://schemas.openxmlformats.org/drawingml/2006/table">
+            <a:tbl>
+              <a:tblPr/>
+              <a:tblGrid>
+                <a:gridCol w="792163">
+                  <a:extLst>
+                    <a:ext uri="{9D8B030D-6E8A-4147-A177-3AD203B41FA5}">
+                      <a16:colId xmlns:a16="http://schemas.microsoft.com/office/drawing/2014/main" val="20000"/>
+                    </a:ext>
+                  </a:extLst>
+                </a:gridCol>
+                <a:gridCol w="1008062">
+                  <a:extLst>
+                    <a:ext uri="{9D8B030D-6E8A-4147-A177-3AD203B41FA5}">
+                      <a16:colId xmlns:a16="http://schemas.microsoft.com/office/drawing/2014/main" val="20001"/>
+                    </a:ext>
+                  </a:extLst>
+                </a:gridCol>
+                <a:gridCol w="649288">
+                  <a:extLst>
+                    <a:ext uri="{9D8B030D-6E8A-4147-A177-3AD203B41FA5}">
+                      <a16:colId xmlns:a16="http://schemas.microsoft.com/office/drawing/2014/main" val="20002"/>
+                    </a:ext>
+                  </a:extLst>
+                </a:gridCol>
+                <a:gridCol w="373062">
+                  <a:extLst>
+                    <a:ext uri="{9D8B030D-6E8A-4147-A177-3AD203B41FA5}">
+                      <a16:colId xmlns:a16="http://schemas.microsoft.com/office/drawing/2014/main" val="20003"/>
+                    </a:ext>
+                  </a:extLst>
+                </a:gridCol>
+              </a:tblGrid>
+              <a:tr h="0">
+                <a:tc>
+                  <a:txBody>
+                    <a:bodyPr/>
+                    <a:lstStyle/>
+                    <a:p>
+                      <a:pPr marL="0" marR="0" lvl="0" indent="0" algn="l" defTabSz="914400" rtl="0" eaLnBrk="1" fontAlgn="base" latinLnBrk="0" hangingPunct="1">
+                        <a:lnSpc>
+                          <a:spcPct val="100000"/>
+                        </a:lnSpc>
+                        <a:spcBef>
+                          <a:spcPct val="0"/>
+                        </a:spcBef>
+                        <a:spcAft>
+                          <a:spcPct val="0"/>
+                        </a:spcAft>
+                        <a:buClrTx/>
+                        <a:buSzTx/>
+                        <a:buFontTx/>
+                        <a:buNone/>
+                        <a:tabLst/>
+                      </a:pPr>
+                      <a:r>
+                        <a:rPr kumimoji="0" lang="ru-RU" sz="1000" b="0" i="0" u="none" strike="noStrike" cap="none" normalizeH="0" baseline="0" dirty="0">
+                          <a:ln>
+                            <a:noFill/>
+                          </a:ln>
+                          <a:solidFill>
+                            <a:schemeClr val="tx1"/>
+                          </a:solidFill>
+                          <a:effectLst/>
+                          <a:latin typeface="Times New Roman" pitchFamily="18" charset="0"/>
+                          <a:cs typeface="Times New Roman" pitchFamily="18" charset="0"/>
+                        </a:rPr>
+                        <a:t>Разработал</a:t>
+                      </a:r>
+                      <a:endParaRPr kumimoji="0" lang="ru-RU" sz="1000" b="0" i="0" u="none" strike="noStrike" cap="none" normalizeH="0" baseline="0" dirty="0">
+                        <a:ln>
+                          <a:noFill/>
+                        </a:ln>
+                        <a:solidFill>
+                          <a:schemeClr val="tx1"/>
+                        </a:solidFill>
+                        <a:effectLst/>
+                        <a:latin typeface="Arial" charset="0"/>
+                      </a:endParaRPr>
+                    </a:p>
+                  </a:txBody>
+                  <a:tcPr marL="71962" marR="71962" marT="17991" marB="35979" horzOverflow="overflow">
+                    <a:lnL w="12700" cap="flat" cmpd="sng" algn="ctr">
+                      <a:solidFill>
+                        <a:srgbClr val="000000"/>
+                      </a:solidFill>
+                      <a:prstDash val="solid"/>
+                      <a:round/>
+                      <a:headEnd type="none" w="med" len="med"/>
+                      <a:tailEnd type="none" w="med" len="med"/>
+                    </a:lnL>
+                    <a:lnR w="12700" cap="flat" cmpd="sng" algn="ctr">
+                      <a:solidFill>
+                        <a:srgbClr val="000000"/>
+                      </a:solidFill>
+                      <a:prstDash val="solid"/>
+                      <a:round/>
+                      <a:headEnd type="none" w="med" len="med"/>
+                      <a:tailEnd type="none" w="med" len="med"/>
+                    </a:lnR>
+                    <a:lnT w="12700" cap="flat" cmpd="sng" algn="ctr">
+                      <a:solidFill>
+                        <a:srgbClr val="000000"/>
+                      </a:solidFill>
+                      <a:prstDash val="solid"/>
+                      <a:round/>
+                      <a:headEnd type="none" w="med" len="med"/>
+                      <a:tailEnd type="none" w="med" len="med"/>
+                    </a:lnT>
+                    <a:lnB w="12700" cap="flat" cmpd="sng" algn="ctr">
+                      <a:solidFill>
+                        <a:srgbClr val="000000"/>
+                      </a:solidFill>
+                      <a:prstDash val="solid"/>
+                      <a:round/>
+                      <a:headEnd type="none" w="med" len="med"/>
+                      <a:tailEnd type="none" w="med" len="med"/>
+                    </a:lnB>
+                    <a:lnTlToBr>
+                      <a:noFill/>
+                    </a:lnTlToBr>
+                    <a:lnBlToTr>
+                      <a:noFill/>
+                    </a:lnBlToTr>
+                    <a:noFill/>
+                  </a:tcPr>
+                </a:tc>
+                <a:tc>
+                  <a:txBody>
+                    <a:bodyPr/>
+                    <a:lstStyle/>
+                    <a:p>
+                      <a:pPr marL="0" marR="0" lvl="0" indent="0" algn="l" defTabSz="914400" rtl="0" eaLnBrk="1" fontAlgn="base" latinLnBrk="0" hangingPunct="1">
+                        <a:lnSpc>
+                          <a:spcPct val="100000"/>
+                        </a:lnSpc>
+                        <a:spcBef>
+                          <a:spcPct val="0"/>
+                        </a:spcBef>
+                        <a:spcAft>
+                          <a:spcPct val="0"/>
+                        </a:spcAft>
+                        <a:buClrTx/>
+                        <a:buSzTx/>
+                        <a:buFontTx/>
+                        <a:buNone/>
+                        <a:tabLst/>
+                      </a:pPr>
+                      <a:r>
+                        <a:rPr kumimoji="0" lang="ru-RU" sz="1000" b="0" i="0" u="none" strike="noStrike" cap="none" normalizeH="0" baseline="0" dirty="0">
+                          <a:ln>
+                            <a:noFill/>
+                          </a:ln>
+                          <a:solidFill>
+                            <a:schemeClr val="tx1"/>
+                          </a:solidFill>
+                          <a:effectLst/>
+                          <a:latin typeface="Times New Roman" pitchFamily="18" charset="0"/>
+                          <a:cs typeface="Times New Roman" pitchFamily="18" charset="0"/>
+                        </a:rPr>
+                        <a:t>Мясников М.А.</a:t>
+                      </a:r>
+                    </a:p>
+                  </a:txBody>
+                  <a:tcPr marL="71962" marR="71962" marT="17991" marB="35979" horzOverflow="overflow">
+                    <a:lnL w="12700" cap="flat" cmpd="sng" algn="ctr">
+                      <a:solidFill>
+                        <a:srgbClr val="000000"/>
+                      </a:solidFill>
+                      <a:prstDash val="solid"/>
+                      <a:round/>
+                      <a:headEnd type="none" w="med" len="med"/>
+                      <a:tailEnd type="none" w="med" len="med"/>
+                    </a:lnL>
+                    <a:lnR w="12700" cap="flat" cmpd="sng" algn="ctr">
+                      <a:solidFill>
+                        <a:srgbClr val="000000"/>
+                      </a:solidFill>
+                      <a:prstDash val="solid"/>
+                      <a:round/>
+                      <a:headEnd type="none" w="med" len="med"/>
+                      <a:tailEnd type="none" w="med" len="med"/>
+                    </a:lnR>
+                    <a:lnT w="12700" cap="flat" cmpd="sng" algn="ctr">
+                      <a:solidFill>
+                        <a:srgbClr val="000000"/>
+                      </a:solidFill>
+                      <a:prstDash val="solid"/>
+                      <a:round/>
+                      <a:headEnd type="none" w="med" len="med"/>
+                      <a:tailEnd type="none" w="med" len="med"/>
+                    </a:lnT>
+                    <a:lnB w="12700" cap="flat" cmpd="sng" algn="ctr">
+                      <a:solidFill>
+                        <a:srgbClr val="000000"/>
+                      </a:solidFill>
+                      <a:prstDash val="solid"/>
+                      <a:round/>
+                      <a:headEnd type="none" w="med" len="med"/>
+                      <a:tailEnd type="none" w="med" len="med"/>
+                    </a:lnB>
+                    <a:lnTlToBr>
+                      <a:noFill/>
+                    </a:lnTlToBr>
+                    <a:lnBlToTr>
+                      <a:noFill/>
+                    </a:lnBlToTr>
+                    <a:noFill/>
+                  </a:tcPr>
+                </a:tc>
+                <a:tc>
+                  <a:txBody>
+                    <a:bodyPr/>
+                    <a:lstStyle/>
+                    <a:p>
+                      <a:pPr marL="0" marR="0" lvl="0" indent="0" algn="l" defTabSz="914400" rtl="0" eaLnBrk="1" fontAlgn="base" latinLnBrk="0" hangingPunct="1">
+                        <a:lnSpc>
+                          <a:spcPct val="100000"/>
+                        </a:lnSpc>
+                        <a:spcBef>
+                          <a:spcPct val="20000"/>
+                        </a:spcBef>
+                        <a:spcAft>
+                          <a:spcPct val="0"/>
+                        </a:spcAft>
+                        <a:buClrTx/>
+                        <a:buSzTx/>
+                        <a:buFontTx/>
+                        <a:buNone/>
+                        <a:tabLst/>
+                      </a:pPr>
+                      <a:endParaRPr kumimoji="0" lang="ru-RU" sz="1000" b="0" i="0" u="none" strike="noStrike" cap="none" normalizeH="0" baseline="0">
+                        <a:ln>
+                          <a:noFill/>
+                        </a:ln>
+                        <a:solidFill>
+                          <a:schemeClr val="tx1"/>
+                        </a:solidFill>
+                        <a:effectLst/>
+                        <a:latin typeface="Arial" charset="0"/>
+                      </a:endParaRPr>
+                    </a:p>
+                  </a:txBody>
+                  <a:tcPr marL="71962" marR="71962" marT="17991" marB="35979" horzOverflow="overflow">
+                    <a:lnL w="12700" cap="flat" cmpd="sng" algn="ctr">
+                      <a:solidFill>
+                        <a:srgbClr val="000000"/>
+                      </a:solidFill>
+                      <a:prstDash val="solid"/>
+                      <a:round/>
+                      <a:headEnd type="none" w="med" len="med"/>
+                      <a:tailEnd type="none" w="med" len="med"/>
+                    </a:lnL>
+                    <a:lnR w="12700" cap="flat" cmpd="sng" algn="ctr">
+                      <a:solidFill>
+                        <a:srgbClr val="000000"/>
+                      </a:solidFill>
+                      <a:prstDash val="solid"/>
+                      <a:round/>
+                      <a:headEnd type="none" w="med" len="med"/>
+                      <a:tailEnd type="none" w="med" len="med"/>
+                    </a:lnR>
+                    <a:lnT w="12700" cap="flat" cmpd="sng" algn="ctr">
+                      <a:solidFill>
+                        <a:srgbClr val="000000"/>
+                      </a:solidFill>
+                      <a:prstDash val="solid"/>
+                      <a:round/>
+                      <a:headEnd type="none" w="med" len="med"/>
+                      <a:tailEnd type="none" w="med" len="med"/>
+                    </a:lnT>
+                    <a:lnB w="12700" cap="flat" cmpd="sng" algn="ctr">
+                      <a:solidFill>
+                        <a:srgbClr val="000000"/>
+                      </a:solidFill>
+                      <a:prstDash val="solid"/>
+                      <a:round/>
+                      <a:headEnd type="none" w="med" len="med"/>
+                      <a:tailEnd type="none" w="med" len="med"/>
+                    </a:lnB>
+                    <a:lnTlToBr>
+                      <a:noFill/>
+                    </a:lnTlToBr>
+                    <a:lnBlToTr>
+                      <a:noFill/>
+                    </a:lnBlToTr>
+                    <a:noFill/>
+                  </a:tcPr>
+                </a:tc>
+                <a:tc>
+                  <a:txBody>
+                    <a:bodyPr/>
+                    <a:lstStyle/>
+                    <a:p>
+                      <a:pPr marL="0" marR="0" lvl="0" indent="0" algn="l" defTabSz="914400" rtl="0" eaLnBrk="1" fontAlgn="base" latinLnBrk="0" hangingPunct="1">
+                        <a:lnSpc>
+                          <a:spcPct val="100000"/>
+                        </a:lnSpc>
+                        <a:spcBef>
+                          <a:spcPct val="20000"/>
+                        </a:spcBef>
+                        <a:spcAft>
+                          <a:spcPct val="0"/>
+                        </a:spcAft>
+                        <a:buClrTx/>
+                        <a:buSzTx/>
+                        <a:buFontTx/>
+                        <a:buNone/>
+                        <a:tabLst/>
+                      </a:pPr>
+                      <a:r>
+                        <a:rPr kumimoji="0" lang="ru-RU" sz="1000" b="0" i="0" u="none" strike="noStrike" cap="none" normalizeH="0" baseline="0" dirty="0">
+                          <a:ln>
+                            <a:noFill/>
+                          </a:ln>
+                          <a:solidFill>
+                            <a:schemeClr val="tx1"/>
+                          </a:solidFill>
+                          <a:effectLst/>
+                          <a:latin typeface="Times New Roman" pitchFamily="18" charset="0"/>
+                        </a:rPr>
+                        <a:t>10</a:t>
+                      </a:r>
+                    </a:p>
+                  </a:txBody>
+                  <a:tcPr marL="71962" marR="71962" marT="17991" marB="35979" horzOverflow="overflow">
+                    <a:lnL w="12700" cap="flat" cmpd="sng" algn="ctr">
+                      <a:solidFill>
+                        <a:srgbClr val="000000"/>
+                      </a:solidFill>
+                      <a:prstDash val="solid"/>
+                      <a:round/>
+                      <a:headEnd type="none" w="med" len="med"/>
+                      <a:tailEnd type="none" w="med" len="med"/>
+                    </a:lnL>
+                    <a:lnR w="12700" cap="flat" cmpd="sng" algn="ctr">
+                      <a:solidFill>
+                        <a:srgbClr val="000000"/>
+                      </a:solidFill>
+                      <a:prstDash val="solid"/>
+                      <a:round/>
+                      <a:headEnd type="none" w="med" len="med"/>
+                      <a:tailEnd type="none" w="med" len="med"/>
+                    </a:lnR>
+                    <a:lnT w="12700" cap="flat" cmpd="sng" algn="ctr">
+                      <a:solidFill>
+                        <a:srgbClr val="000000"/>
+                      </a:solidFill>
+                      <a:prstDash val="solid"/>
+                      <a:round/>
+                      <a:headEnd type="none" w="med" len="med"/>
+                      <a:tailEnd type="none" w="med" len="med"/>
+                    </a:lnT>
+                    <a:lnB w="12700" cap="flat" cmpd="sng" algn="ctr">
+                      <a:solidFill>
+                        <a:srgbClr val="000000"/>
+                      </a:solidFill>
+                      <a:prstDash val="solid"/>
+                      <a:round/>
+                      <a:headEnd type="none" w="med" len="med"/>
+                      <a:tailEnd type="none" w="med" len="med"/>
+                    </a:lnB>
+                    <a:lnTlToBr>
+                      <a:noFill/>
+                    </a:lnTlToBr>
+                    <a:lnBlToTr>
+                      <a:noFill/>
+                    </a:lnBlToTr>
+                    <a:noFill/>
+                  </a:tcPr>
+                </a:tc>
+                <a:extLst>
+                  <a:ext uri="{0D108BD9-81ED-4DB2-BD59-A6C34878D82A}">
+                    <a16:rowId xmlns:a16="http://schemas.microsoft.com/office/drawing/2014/main" val="10000"/>
+                  </a:ext>
+                </a:extLst>
+              </a:tr>
+              <a:tr h="0">
+                <a:tc>
+                  <a:txBody>
+                    <a:bodyPr/>
+                    <a:lstStyle/>
+                    <a:p>
+                      <a:pPr marL="0" marR="0" lvl="0" indent="0" algn="l" defTabSz="914400" rtl="0" eaLnBrk="1" fontAlgn="base" latinLnBrk="0" hangingPunct="1">
+                        <a:lnSpc>
+                          <a:spcPct val="100000"/>
+                        </a:lnSpc>
+                        <a:spcBef>
+                          <a:spcPct val="0"/>
+                        </a:spcBef>
+                        <a:spcAft>
+                          <a:spcPct val="0"/>
+                        </a:spcAft>
+                        <a:buClrTx/>
+                        <a:buSzTx/>
+                        <a:buFontTx/>
+                        <a:buNone/>
+                        <a:tabLst/>
+                      </a:pPr>
+                      <a:r>
+                        <a:rPr kumimoji="0" lang="ru-RU" sz="1000" b="0" i="0" u="none" strike="noStrike" cap="none" normalizeH="0" baseline="0">
+                          <a:ln>
+                            <a:noFill/>
+                          </a:ln>
+                          <a:solidFill>
+                            <a:schemeClr val="tx1"/>
+                          </a:solidFill>
+                          <a:effectLst/>
+                          <a:latin typeface="Times New Roman" pitchFamily="18" charset="0"/>
+                          <a:cs typeface="Times New Roman" pitchFamily="18" charset="0"/>
+                        </a:rPr>
+                        <a:t>Утвердил</a:t>
+                      </a:r>
+                      <a:endParaRPr kumimoji="0" lang="ru-RU" sz="1000" b="0" i="0" u="none" strike="noStrike" cap="none" normalizeH="0" baseline="0">
+                        <a:ln>
+                          <a:noFill/>
+                        </a:ln>
+                        <a:solidFill>
+                          <a:schemeClr val="tx1"/>
+                        </a:solidFill>
+                        <a:effectLst/>
+                        <a:latin typeface="Arial" charset="0"/>
+                      </a:endParaRPr>
+                    </a:p>
+                  </a:txBody>
+                  <a:tcPr marL="71962" marR="71962" marT="17991" marB="35979" horzOverflow="overflow">
+                    <a:lnL w="12700" cap="flat" cmpd="sng" algn="ctr">
+                      <a:solidFill>
+                        <a:srgbClr val="000000"/>
+                      </a:solidFill>
+                      <a:prstDash val="solid"/>
+                      <a:round/>
+                      <a:headEnd type="none" w="med" len="med"/>
+                      <a:tailEnd type="none" w="med" len="med"/>
+                    </a:lnL>
+                    <a:lnR w="12700" cap="flat" cmpd="sng" algn="ctr">
+                      <a:solidFill>
+                        <a:srgbClr val="000000"/>
+                      </a:solidFill>
+                      <a:prstDash val="solid"/>
+                      <a:round/>
+                      <a:headEnd type="none" w="med" len="med"/>
+                      <a:tailEnd type="none" w="med" len="med"/>
+                    </a:lnR>
+                    <a:lnT w="12700" cap="flat" cmpd="sng" algn="ctr">
+                      <a:solidFill>
+                        <a:srgbClr val="000000"/>
+                      </a:solidFill>
+                      <a:prstDash val="solid"/>
+                      <a:round/>
+                      <a:headEnd type="none" w="med" len="med"/>
+                      <a:tailEnd type="none" w="med" len="med"/>
+                    </a:lnT>
+                    <a:lnB w="12700" cap="flat" cmpd="sng" algn="ctr">
+                      <a:solidFill>
+                        <a:srgbClr val="000000"/>
+                      </a:solidFill>
+                      <a:prstDash val="solid"/>
+                      <a:round/>
+                      <a:headEnd type="none" w="med" len="med"/>
+                      <a:tailEnd type="none" w="med" len="med"/>
+                    </a:lnB>
+                    <a:lnTlToBr>
+                      <a:noFill/>
+                    </a:lnTlToBr>
+                    <a:lnBlToTr>
+                      <a:noFill/>
+                    </a:lnBlToTr>
+                    <a:noFill/>
+                  </a:tcPr>
+                </a:tc>
+                <a:tc>
+                  <a:txBody>
+                    <a:bodyPr/>
+                    <a:lstStyle/>
+                    <a:p>
+                      <a:pPr marL="0" marR="0" lvl="0" indent="0" algn="l" defTabSz="914400" rtl="0" eaLnBrk="1" fontAlgn="base" latinLnBrk="0" hangingPunct="1">
+                        <a:lnSpc>
+                          <a:spcPct val="100000"/>
+                        </a:lnSpc>
+                        <a:spcBef>
+                          <a:spcPct val="0"/>
+                        </a:spcBef>
+                        <a:spcAft>
+                          <a:spcPct val="0"/>
+                        </a:spcAft>
+                        <a:buClrTx/>
+                        <a:buSzTx/>
+                        <a:buFontTx/>
+                        <a:buNone/>
+                        <a:tabLst/>
+                      </a:pPr>
+                      <a:r>
+                        <a:rPr kumimoji="0" lang="ru-RU" sz="1000" b="0" i="0" u="none" strike="noStrike" cap="none" normalizeH="0" baseline="0" dirty="0">
+                          <a:ln>
+                            <a:noFill/>
+                          </a:ln>
+                          <a:solidFill>
+                            <a:schemeClr val="tx1"/>
+                          </a:solidFill>
+                          <a:effectLst/>
+                          <a:latin typeface="Times New Roman" pitchFamily="18" charset="0"/>
+                          <a:cs typeface="Times New Roman" pitchFamily="18" charset="0"/>
+                        </a:rPr>
+                        <a:t>Гагарина Л.Г.</a:t>
+                      </a:r>
+                    </a:p>
+                  </a:txBody>
+                  <a:tcPr marL="71962" marR="71962" marT="17991" marB="35979" horzOverflow="overflow">
+                    <a:lnL w="12700" cap="flat" cmpd="sng" algn="ctr">
+                      <a:solidFill>
+                        <a:srgbClr val="000000"/>
+                      </a:solidFill>
+                      <a:prstDash val="solid"/>
+                      <a:round/>
+                      <a:headEnd type="none" w="med" len="med"/>
+                      <a:tailEnd type="none" w="med" len="med"/>
+                    </a:lnL>
+                    <a:lnR w="12700" cap="flat" cmpd="sng" algn="ctr">
+                      <a:solidFill>
+                        <a:srgbClr val="000000"/>
+                      </a:solidFill>
+                      <a:prstDash val="solid"/>
+                      <a:round/>
+                      <a:headEnd type="none" w="med" len="med"/>
+                      <a:tailEnd type="none" w="med" len="med"/>
+                    </a:lnR>
+                    <a:lnT w="12700" cap="flat" cmpd="sng" algn="ctr">
+                      <a:solidFill>
+                        <a:srgbClr val="000000"/>
+                      </a:solidFill>
+                      <a:prstDash val="solid"/>
+                      <a:round/>
+                      <a:headEnd type="none" w="med" len="med"/>
+                      <a:tailEnd type="none" w="med" len="med"/>
+                    </a:lnT>
+                    <a:lnB w="12700" cap="flat" cmpd="sng" algn="ctr">
+                      <a:solidFill>
+                        <a:srgbClr val="000000"/>
+                      </a:solidFill>
+                      <a:prstDash val="solid"/>
+                      <a:round/>
+                      <a:headEnd type="none" w="med" len="med"/>
+                      <a:tailEnd type="none" w="med" len="med"/>
+                    </a:lnB>
+                    <a:lnTlToBr>
+                      <a:noFill/>
+                    </a:lnTlToBr>
+                    <a:lnBlToTr>
+                      <a:noFill/>
+                    </a:lnBlToTr>
+                    <a:noFill/>
+                  </a:tcPr>
+                </a:tc>
+                <a:tc>
+                  <a:txBody>
+                    <a:bodyPr/>
+                    <a:lstStyle/>
+                    <a:p>
+                      <a:pPr marL="0" marR="0" lvl="0" indent="0" algn="l" defTabSz="914400" rtl="0" eaLnBrk="1" fontAlgn="base" latinLnBrk="0" hangingPunct="1">
+                        <a:lnSpc>
+                          <a:spcPct val="100000"/>
+                        </a:lnSpc>
+                        <a:spcBef>
+                          <a:spcPct val="20000"/>
+                        </a:spcBef>
+                        <a:spcAft>
+                          <a:spcPct val="0"/>
+                        </a:spcAft>
+                        <a:buClrTx/>
+                        <a:buSzTx/>
+                        <a:buFontTx/>
+                        <a:buNone/>
+                        <a:tabLst/>
+                      </a:pPr>
+                      <a:endParaRPr kumimoji="0" lang="ru-RU" sz="1000" b="0" i="0" u="none" strike="noStrike" cap="none" normalizeH="0" baseline="0">
+                        <a:ln>
+                          <a:noFill/>
+                        </a:ln>
+                        <a:solidFill>
+                          <a:schemeClr val="tx1"/>
+                        </a:solidFill>
+                        <a:effectLst/>
+                        <a:latin typeface="Arial" charset="0"/>
+                      </a:endParaRPr>
+                    </a:p>
+                  </a:txBody>
+                  <a:tcPr marL="71962" marR="71962" marT="17991" marB="35979" horzOverflow="overflow">
+                    <a:lnL w="12700" cap="flat" cmpd="sng" algn="ctr">
+                      <a:solidFill>
+                        <a:srgbClr val="000000"/>
+                      </a:solidFill>
+                      <a:prstDash val="solid"/>
+                      <a:round/>
+                      <a:headEnd type="none" w="med" len="med"/>
+                      <a:tailEnd type="none" w="med" len="med"/>
+                    </a:lnL>
+                    <a:lnR w="12700" cap="flat" cmpd="sng" algn="ctr">
+                      <a:solidFill>
+                        <a:srgbClr val="000000"/>
+                      </a:solidFill>
+                      <a:prstDash val="solid"/>
+                      <a:round/>
+                      <a:headEnd type="none" w="med" len="med"/>
+                      <a:tailEnd type="none" w="med" len="med"/>
+                    </a:lnR>
+                    <a:lnT w="12700" cap="flat" cmpd="sng" algn="ctr">
+                      <a:solidFill>
+                        <a:srgbClr val="000000"/>
+                      </a:solidFill>
+                      <a:prstDash val="solid"/>
+                      <a:round/>
+                      <a:headEnd type="none" w="med" len="med"/>
+                      <a:tailEnd type="none" w="med" len="med"/>
+                    </a:lnT>
+                    <a:lnB w="12700" cap="flat" cmpd="sng" algn="ctr">
+                      <a:solidFill>
+                        <a:srgbClr val="000000"/>
+                      </a:solidFill>
+                      <a:prstDash val="solid"/>
+                      <a:round/>
+                      <a:headEnd type="none" w="med" len="med"/>
+                      <a:tailEnd type="none" w="med" len="med"/>
+                    </a:lnB>
+                    <a:lnTlToBr>
+                      <a:noFill/>
+                    </a:lnTlToBr>
+                    <a:lnBlToTr>
+                      <a:noFill/>
+                    </a:lnBlToTr>
+                    <a:noFill/>
+                  </a:tcPr>
+                </a:tc>
+                <a:tc>
+                  <a:txBody>
+                    <a:bodyPr/>
+                    <a:lstStyle/>
+                    <a:p>
+                      <a:pPr marL="0" marR="0" lvl="0" indent="0" algn="l" defTabSz="914400" rtl="0" eaLnBrk="1" fontAlgn="base" latinLnBrk="0" hangingPunct="1">
+                        <a:lnSpc>
+                          <a:spcPct val="100000"/>
+                        </a:lnSpc>
+                        <a:spcBef>
+                          <a:spcPct val="20000"/>
+                        </a:spcBef>
+                        <a:spcAft>
+                          <a:spcPct val="0"/>
+                        </a:spcAft>
+                        <a:buClrTx/>
+                        <a:buSzTx/>
+                        <a:buFontTx/>
+                        <a:buNone/>
+                        <a:tabLst/>
+                      </a:pPr>
+                      <a:endParaRPr kumimoji="0" lang="ru-RU" sz="1000" b="0" i="0" u="none" strike="noStrike" cap="none" normalizeH="0" baseline="0" dirty="0">
+                        <a:ln>
+                          <a:noFill/>
+                        </a:ln>
+                        <a:solidFill>
+                          <a:schemeClr val="tx1"/>
+                        </a:solidFill>
+                        <a:effectLst/>
+                        <a:latin typeface="Arial" charset="0"/>
+                      </a:endParaRPr>
+                    </a:p>
+                  </a:txBody>
+                  <a:tcPr marL="71962" marR="71962" marT="17991" marB="35979" horzOverflow="overflow">
+                    <a:lnL w="12700" cap="flat" cmpd="sng" algn="ctr">
+                      <a:solidFill>
+                        <a:srgbClr val="000000"/>
+                      </a:solidFill>
+                      <a:prstDash val="solid"/>
+                      <a:round/>
+                      <a:headEnd type="none" w="med" len="med"/>
+                      <a:tailEnd type="none" w="med" len="med"/>
+                    </a:lnL>
+                    <a:lnR w="12700" cap="flat" cmpd="sng" algn="ctr">
+                      <a:solidFill>
+                        <a:srgbClr val="000000"/>
+                      </a:solidFill>
+                      <a:prstDash val="solid"/>
+                      <a:round/>
+                      <a:headEnd type="none" w="med" len="med"/>
+                      <a:tailEnd type="none" w="med" len="med"/>
+                    </a:lnR>
+                    <a:lnT w="12700" cap="flat" cmpd="sng" algn="ctr">
+                      <a:solidFill>
+                        <a:srgbClr val="000000"/>
+                      </a:solidFill>
+                      <a:prstDash val="solid"/>
+                      <a:round/>
+                      <a:headEnd type="none" w="med" len="med"/>
+                      <a:tailEnd type="none" w="med" len="med"/>
+                    </a:lnT>
+                    <a:lnB w="12700" cap="flat" cmpd="sng" algn="ctr">
+                      <a:solidFill>
+                        <a:srgbClr val="000000"/>
+                      </a:solidFill>
+                      <a:prstDash val="solid"/>
+                      <a:round/>
+                      <a:headEnd type="none" w="med" len="med"/>
+                      <a:tailEnd type="none" w="med" len="med"/>
+                    </a:lnB>
+                    <a:lnTlToBr>
+                      <a:noFill/>
+                    </a:lnTlToBr>
+                    <a:lnBlToTr>
+                      <a:noFill/>
+                    </a:lnBlToTr>
+                    <a:noFill/>
+                  </a:tcPr>
+                </a:tc>
+                <a:extLst>
+                  <a:ext uri="{0D108BD9-81ED-4DB2-BD59-A6C34878D82A}">
+                    <a16:rowId xmlns:a16="http://schemas.microsoft.com/office/drawing/2014/main" val="10001"/>
+                  </a:ext>
+                </a:extLst>
+              </a:tr>
+            </a:tbl>
+          </a:graphicData>
+        </a:graphic>
+      </p:graphicFrame>
     </p:spTree>
   </p:cSld>
   <p:clrMapOvr>
@@ -7763,53 +8845,6 @@
           <a:p>
             <a:pPr algn="ctr"/>
             <a:endParaRPr lang="ru-RU"/>
-          </a:p>
-        </p:txBody>
-      </p:sp>
-      <p:sp>
-        <p:nvSpPr>
-          <p:cNvPr id="54" name="TextBox 53">
-            <a:extLst>
-              <a:ext uri="{FF2B5EF4-FFF2-40B4-BE49-F238E27FC236}">
-                <a16:creationId xmlns:a16="http://schemas.microsoft.com/office/drawing/2014/main" id="{5D8D2F8A-A4FD-4E2A-8F30-79D407887F3E}"/>
-              </a:ext>
-            </a:extLst>
-          </p:cNvPr>
-          <p:cNvSpPr txBox="1"/>
-          <p:nvPr/>
-        </p:nvSpPr>
-        <p:spPr>
-          <a:xfrm>
-            <a:off x="741015" y="5870665"/>
-            <a:ext cx="6034435" cy="646331"/>
-          </a:xfrm>
-          <a:prstGeom prst="rect">
-            <a:avLst/>
-          </a:prstGeom>
-          <a:noFill/>
-        </p:spPr>
-        <p:txBody>
-          <a:bodyPr wrap="square">
-            <a:spAutoFit/>
-          </a:bodyPr>
-          <a:lstStyle/>
-          <a:p>
-            <a:r>
-              <a:rPr lang="ru-RU" dirty="0"/>
-              <a:t>Рис 1. </a:t>
-            </a:r>
-            <a:r>
-              <a:rPr lang="ru-RU" sz="1800" dirty="0">
-                <a:solidFill>
-                  <a:srgbClr val="000000"/>
-                </a:solidFill>
-                <a:effectLst/>
-                <a:latin typeface="Times New Roman" panose="02020603050405020304" pitchFamily="18" charset="0"/>
-                <a:ea typeface="Times New Roman" panose="02020603050405020304" pitchFamily="18" charset="0"/>
-              </a:rPr>
-              <a:t>Иллюстрация принципа взаимодействие приложений с почтовыми серверами до и после введения ВС ДЭП</a:t>
-            </a:r>
-            <a:endParaRPr lang="ru-RU" dirty="0"/>
           </a:p>
         </p:txBody>
       </p:sp>
@@ -17867,23 +18902,19 @@
                 <a:tabLst/>
               </a:pPr>
               <a:r>
-                <a:rPr lang="uk-UA" sz="800" i="1" dirty="0">
-                  <a:latin typeface="Times New Roman" pitchFamily="18" charset="0"/>
+                <a:rPr kumimoji="0" lang="ru-RU" sz="800" b="0" i="0" u="none" strike="noStrike" cap="none" normalizeH="0" baseline="0" dirty="0">
+                  <a:ln>
+                    <a:noFill/>
+                  </a:ln>
+                  <a:solidFill>
+                    <a:schemeClr val="tx1"/>
+                  </a:solidFill>
+                  <a:effectLst/>
+                  <a:latin typeface="Arial" pitchFamily="34" charset="0"/>
                   <a:cs typeface="Arial" pitchFamily="34" charset="0"/>
                 </a:rPr>
-                <a:t>9</a:t>
+                <a:t>10</a:t>
               </a:r>
-              <a:endParaRPr kumimoji="0" lang="ru-RU" sz="800" b="0" i="0" u="none" strike="noStrike" cap="none" normalizeH="0" baseline="0" dirty="0">
-                <a:ln>
-                  <a:noFill/>
-                </a:ln>
-                <a:solidFill>
-                  <a:schemeClr val="tx1"/>
-                </a:solidFill>
-                <a:effectLst/>
-                <a:latin typeface="Arial" pitchFamily="34" charset="0"/>
-                <a:cs typeface="Arial" pitchFamily="34" charset="0"/>
-              </a:endParaRPr>
             </a:p>
           </p:txBody>
         </p:sp>
@@ -19070,6 +20101,86 @@
       </p:grpSpPr>
       <p:sp>
         <p:nvSpPr>
+          <p:cNvPr id="2" name="Заголовок 1">
+            <a:extLst>
+              <a:ext uri="{FF2B5EF4-FFF2-40B4-BE49-F238E27FC236}">
+                <a16:creationId xmlns:a16="http://schemas.microsoft.com/office/drawing/2014/main" id="{478BD7F8-C5BF-4176-94FD-915CD0597BB4}"/>
+              </a:ext>
+            </a:extLst>
+          </p:cNvPr>
+          <p:cNvSpPr>
+            <a:spLocks noGrp="1"/>
+          </p:cNvSpPr>
+          <p:nvPr>
+            <p:ph type="title"/>
+          </p:nvPr>
+        </p:nvSpPr>
+        <p:spPr/>
+        <p:txBody>
+          <a:bodyPr/>
+          <a:lstStyle/>
+          <a:p>
+            <a:endParaRPr lang="ru-RU"/>
+          </a:p>
+        </p:txBody>
+      </p:sp>
+      <p:sp>
+        <p:nvSpPr>
+          <p:cNvPr id="3" name="Объект 2">
+            <a:extLst>
+              <a:ext uri="{FF2B5EF4-FFF2-40B4-BE49-F238E27FC236}">
+                <a16:creationId xmlns:a16="http://schemas.microsoft.com/office/drawing/2014/main" id="{4F7C4C38-21A7-4032-ABE4-2168962DCD10}"/>
+              </a:ext>
+            </a:extLst>
+          </p:cNvPr>
+          <p:cNvSpPr>
+            <a:spLocks noGrp="1"/>
+          </p:cNvSpPr>
+          <p:nvPr>
+            <p:ph idx="1"/>
+          </p:nvPr>
+        </p:nvSpPr>
+        <p:spPr/>
+        <p:txBody>
+          <a:bodyPr/>
+          <a:lstStyle/>
+          <a:p>
+            <a:endParaRPr lang="ru-RU"/>
+          </a:p>
+        </p:txBody>
+      </p:sp>
+    </p:spTree>
+    <p:extLst>
+      <p:ext uri="{BB962C8B-B14F-4D97-AF65-F5344CB8AC3E}">
+        <p14:creationId xmlns:p14="http://schemas.microsoft.com/office/powerpoint/2010/main" val="4208945475"/>
+      </p:ext>
+    </p:extLst>
+  </p:cSld>
+  <p:clrMapOvr>
+    <a:masterClrMapping/>
+  </p:clrMapOvr>
+</p:sld>
+</file>
+
+<file path=ppt/slides/slide9.xml><?xml version="1.0" encoding="utf-8"?>
+<p:sld xmlns:a="http://schemas.openxmlformats.org/drawingml/2006/main" xmlns:r="http://schemas.openxmlformats.org/officeDocument/2006/relationships" xmlns:p="http://schemas.openxmlformats.org/presentationml/2006/main">
+  <p:cSld>
+    <p:spTree>
+      <p:nvGrpSpPr>
+        <p:cNvPr id="1" name=""/>
+        <p:cNvGrpSpPr/>
+        <p:nvPr/>
+      </p:nvGrpSpPr>
+      <p:grpSpPr>
+        <a:xfrm>
+          <a:off x="0" y="0"/>
+          <a:ext cx="0" cy="0"/>
+          <a:chOff x="0" y="0"/>
+          <a:chExt cx="0" cy="0"/>
+        </a:xfrm>
+      </p:grpSpPr>
+      <p:sp>
+        <p:nvSpPr>
           <p:cNvPr id="4" name="Line 137"/>
           <p:cNvSpPr>
             <a:spLocks noChangeShapeType="1"/>
@@ -19328,7 +20439,7 @@
           <p:nvPr>
             <p:extLst>
               <p:ext uri="{D42A27DB-BD31-4B8C-83A1-F6EECF244321}">
-                <p14:modId xmlns:p14="http://schemas.microsoft.com/office/powerpoint/2010/main" val="51389376"/>
+                <p14:modId xmlns:p14="http://schemas.microsoft.com/office/powerpoint/2010/main" val="1917867"/>
               </p:ext>
             </p:extLst>
           </p:nvPr>
@@ -19659,7 +20770,7 @@
                           <a:effectLst/>
                           <a:latin typeface="Times New Roman" pitchFamily="18" charset="0"/>
                         </a:rPr>
-                        <a:t>8</a:t>
+                        <a:t>9</a:t>
                       </a:r>
                     </a:p>
                   </a:txBody>
@@ -20090,1082 +21201,6 @@
           </a:prstGeom>
         </p:spPr>
       </p:pic>
-    </p:spTree>
-  </p:cSld>
-  <p:clrMapOvr>
-    <a:masterClrMapping/>
-  </p:clrMapOvr>
-</p:sld>
-</file>
-
-<file path=ppt/slides/slide9.xml><?xml version="1.0" encoding="utf-8"?>
-<p:sld xmlns:a="http://schemas.openxmlformats.org/drawingml/2006/main" xmlns:r="http://schemas.openxmlformats.org/officeDocument/2006/relationships" xmlns:p="http://schemas.openxmlformats.org/presentationml/2006/main">
-  <p:cSld>
-    <p:spTree>
-      <p:nvGrpSpPr>
-        <p:cNvPr id="1" name=""/>
-        <p:cNvGrpSpPr/>
-        <p:nvPr/>
-      </p:nvGrpSpPr>
-      <p:grpSpPr>
-        <a:xfrm>
-          <a:off x="0" y="0"/>
-          <a:ext cx="0" cy="0"/>
-          <a:chOff x="0" y="0"/>
-          <a:chExt cx="0" cy="0"/>
-        </a:xfrm>
-      </p:grpSpPr>
-      <p:sp>
-        <p:nvSpPr>
-          <p:cNvPr id="4" name="Rectangle 23"/>
-          <p:cNvSpPr>
-            <a:spLocks noChangeArrowheads="1"/>
-          </p:cNvSpPr>
-          <p:nvPr/>
-        </p:nvSpPr>
-        <p:spPr bwMode="auto">
-          <a:xfrm>
-            <a:off x="250825" y="260350"/>
-            <a:ext cx="8642350" cy="427038"/>
-          </a:xfrm>
-          <a:prstGeom prst="rect">
-            <a:avLst/>
-          </a:prstGeom>
-          <a:noFill/>
-          <a:ln w="9525">
-            <a:noFill/>
-            <a:miter lim="800000"/>
-            <a:headEnd/>
-            <a:tailEnd/>
-          </a:ln>
-        </p:spPr>
-        <p:txBody>
-          <a:bodyPr>
-            <a:spAutoFit/>
-          </a:bodyPr>
-          <a:lstStyle/>
-          <a:p>
-            <a:pPr algn="ctr"/>
-            <a:r>
-              <a:rPr lang="ru-RU" sz="2200" b="1" dirty="0"/>
-              <a:t>Результаты работы</a:t>
-            </a:r>
-          </a:p>
-        </p:txBody>
-      </p:sp>
-      <p:sp>
-        <p:nvSpPr>
-          <p:cNvPr id="5" name="Line 137"/>
-          <p:cNvSpPr>
-            <a:spLocks noChangeShapeType="1"/>
-          </p:cNvSpPr>
-          <p:nvPr/>
-        </p:nvSpPr>
-        <p:spPr bwMode="auto">
-          <a:xfrm>
-            <a:off x="193675" y="188913"/>
-            <a:ext cx="0" cy="6480175"/>
-          </a:xfrm>
-          <a:prstGeom prst="line">
-            <a:avLst/>
-          </a:prstGeom>
-          <a:noFill/>
-          <a:ln w="12700" cap="sq">
-            <a:solidFill>
-              <a:schemeClr val="tx1"/>
-            </a:solidFill>
-            <a:round/>
-            <a:headEnd/>
-            <a:tailEnd/>
-          </a:ln>
-        </p:spPr>
-        <p:txBody>
-          <a:bodyPr/>
-          <a:lstStyle/>
-          <a:p>
-            <a:endParaRPr lang="ru-RU"/>
-          </a:p>
-        </p:txBody>
-      </p:sp>
-      <p:sp>
-        <p:nvSpPr>
-          <p:cNvPr id="6" name="Line 138"/>
-          <p:cNvSpPr>
-            <a:spLocks noChangeShapeType="1"/>
-          </p:cNvSpPr>
-          <p:nvPr/>
-        </p:nvSpPr>
-        <p:spPr bwMode="auto">
-          <a:xfrm>
-            <a:off x="8978900" y="188913"/>
-            <a:ext cx="0" cy="6480175"/>
-          </a:xfrm>
-          <a:prstGeom prst="line">
-            <a:avLst/>
-          </a:prstGeom>
-          <a:noFill/>
-          <a:ln w="12700" cap="sq">
-            <a:solidFill>
-              <a:schemeClr val="tx1"/>
-            </a:solidFill>
-            <a:round/>
-            <a:headEnd/>
-            <a:tailEnd/>
-          </a:ln>
-        </p:spPr>
-        <p:txBody>
-          <a:bodyPr/>
-          <a:lstStyle/>
-          <a:p>
-            <a:endParaRPr lang="ru-RU"/>
-          </a:p>
-        </p:txBody>
-      </p:sp>
-      <p:sp>
-        <p:nvSpPr>
-          <p:cNvPr id="8" name="Line 158"/>
-          <p:cNvSpPr>
-            <a:spLocks noChangeShapeType="1"/>
-          </p:cNvSpPr>
-          <p:nvPr/>
-        </p:nvSpPr>
-        <p:spPr bwMode="auto">
-          <a:xfrm>
-            <a:off x="193675" y="188913"/>
-            <a:ext cx="8785225" cy="0"/>
-          </a:xfrm>
-          <a:prstGeom prst="line">
-            <a:avLst/>
-          </a:prstGeom>
-          <a:noFill/>
-          <a:ln w="12700" cap="sq">
-            <a:solidFill>
-              <a:schemeClr val="tx1"/>
-            </a:solidFill>
-            <a:round/>
-            <a:headEnd/>
-            <a:tailEnd/>
-          </a:ln>
-        </p:spPr>
-        <p:txBody>
-          <a:bodyPr/>
-          <a:lstStyle/>
-          <a:p>
-            <a:endParaRPr lang="ru-RU"/>
-          </a:p>
-        </p:txBody>
-      </p:sp>
-      <p:sp>
-        <p:nvSpPr>
-          <p:cNvPr id="9" name="Line 159"/>
-          <p:cNvSpPr>
-            <a:spLocks noChangeShapeType="1"/>
-          </p:cNvSpPr>
-          <p:nvPr/>
-        </p:nvSpPr>
-        <p:spPr bwMode="auto">
-          <a:xfrm>
-            <a:off x="193675" y="6669088"/>
-            <a:ext cx="8785225" cy="0"/>
-          </a:xfrm>
-          <a:prstGeom prst="line">
-            <a:avLst/>
-          </a:prstGeom>
-          <a:noFill/>
-          <a:ln w="12700" cap="sq">
-            <a:solidFill>
-              <a:schemeClr val="tx1"/>
-            </a:solidFill>
-            <a:round/>
-            <a:headEnd/>
-            <a:tailEnd/>
-          </a:ln>
-        </p:spPr>
-        <p:txBody>
-          <a:bodyPr/>
-          <a:lstStyle/>
-          <a:p>
-            <a:endParaRPr lang="ru-RU"/>
-          </a:p>
-        </p:txBody>
-      </p:sp>
-      <p:sp>
-        <p:nvSpPr>
-          <p:cNvPr id="10" name="Rectangle 25"/>
-          <p:cNvSpPr>
-            <a:spLocks noChangeArrowheads="1"/>
-          </p:cNvSpPr>
-          <p:nvPr/>
-        </p:nvSpPr>
-        <p:spPr bwMode="auto">
-          <a:xfrm>
-            <a:off x="342900" y="1196189"/>
-            <a:ext cx="8333556" cy="3046988"/>
-          </a:xfrm>
-          <a:prstGeom prst="rect">
-            <a:avLst/>
-          </a:prstGeom>
-          <a:noFill/>
-          <a:ln w="9525">
-            <a:noFill/>
-            <a:miter lim="800000"/>
-            <a:headEnd/>
-            <a:tailEnd/>
-          </a:ln>
-        </p:spPr>
-        <p:txBody>
-          <a:bodyPr wrap="square" anchor="ctr">
-            <a:spAutoFit/>
-          </a:bodyPr>
-          <a:lstStyle/>
-          <a:p>
-            <a:pPr>
-              <a:buFontTx/>
-              <a:buChar char="•"/>
-              <a:tabLst>
-                <a:tab pos="457200" algn="l"/>
-              </a:tabLst>
-            </a:pPr>
-            <a:r>
-              <a:rPr lang="ru-RU" sz="2400" dirty="0"/>
-              <a:t> исследована предметная область;</a:t>
-            </a:r>
-          </a:p>
-          <a:p>
-            <a:pPr>
-              <a:buFontTx/>
-              <a:buChar char="•"/>
-              <a:tabLst>
-                <a:tab pos="457200" algn="l"/>
-              </a:tabLst>
-            </a:pPr>
-            <a:r>
-              <a:rPr lang="ru-RU" sz="2400" dirty="0"/>
-              <a:t> проведён обзор существующих программных решений;</a:t>
-            </a:r>
-          </a:p>
-          <a:p>
-            <a:pPr>
-              <a:buFontTx/>
-              <a:buChar char="•"/>
-              <a:tabLst>
-                <a:tab pos="457200" algn="l"/>
-              </a:tabLst>
-            </a:pPr>
-            <a:r>
-              <a:rPr lang="ru-RU" sz="2400" dirty="0"/>
-              <a:t> выбраны язык и среда программирования;</a:t>
-            </a:r>
-          </a:p>
-          <a:p>
-            <a:pPr>
-              <a:buFontTx/>
-              <a:buChar char="•"/>
-              <a:tabLst>
-                <a:tab pos="457200" algn="l"/>
-              </a:tabLst>
-            </a:pPr>
-            <a:r>
-              <a:rPr lang="ru-RU" sz="2400" dirty="0"/>
-              <a:t> разработана схема данных ВС ДЭП;</a:t>
-            </a:r>
-          </a:p>
-          <a:p>
-            <a:pPr>
-              <a:buFontTx/>
-              <a:buChar char="•"/>
-              <a:tabLst>
-                <a:tab pos="457200" algn="l"/>
-              </a:tabLst>
-            </a:pPr>
-            <a:r>
-              <a:rPr lang="ru-RU" sz="2400" dirty="0"/>
-              <a:t> разработана схема алгоритма ВС ДЭП;</a:t>
-            </a:r>
-          </a:p>
-          <a:p>
-            <a:pPr>
-              <a:buFontTx/>
-              <a:buChar char="•"/>
-              <a:tabLst>
-                <a:tab pos="457200" algn="l"/>
-              </a:tabLst>
-            </a:pPr>
-            <a:r>
-              <a:rPr lang="ru-RU" sz="2400" dirty="0"/>
-              <a:t> разработан пользовательский интерфейс ВС ДЭП;</a:t>
-            </a:r>
-          </a:p>
-          <a:p>
-            <a:pPr>
-              <a:buFontTx/>
-              <a:buChar char="•"/>
-              <a:tabLst>
-                <a:tab pos="457200" algn="l"/>
-              </a:tabLst>
-            </a:pPr>
-            <a:r>
-              <a:rPr lang="ru-RU" sz="2400" dirty="0"/>
-              <a:t> выполнена программная реализация ВС ДЭП.</a:t>
-            </a:r>
-          </a:p>
-          <a:p>
-            <a:pPr>
-              <a:tabLst>
-                <a:tab pos="457200" algn="l"/>
-              </a:tabLst>
-            </a:pPr>
-            <a:endParaRPr lang="ru-RU" sz="2400" dirty="0"/>
-          </a:p>
-        </p:txBody>
-      </p:sp>
-      <p:graphicFrame>
-        <p:nvGraphicFramePr>
-          <p:cNvPr id="11" name="Group 10">
-            <a:extLst>
-              <a:ext uri="{FF2B5EF4-FFF2-40B4-BE49-F238E27FC236}">
-                <a16:creationId xmlns:a16="http://schemas.microsoft.com/office/drawing/2014/main" id="{E61E70AC-B958-4669-B1D3-6F708209FC5E}"/>
-              </a:ext>
-            </a:extLst>
-          </p:cNvPr>
-          <p:cNvGraphicFramePr>
-            <a:graphicFrameLocks noGrp="1"/>
-          </p:cNvGraphicFramePr>
-          <p:nvPr>
-            <p:extLst>
-              <p:ext uri="{D42A27DB-BD31-4B8C-83A1-F6EECF244321}">
-                <p14:modId xmlns:p14="http://schemas.microsoft.com/office/powerpoint/2010/main" val="3724083767"/>
-              </p:ext>
-            </p:extLst>
-          </p:nvPr>
-        </p:nvGraphicFramePr>
-        <p:xfrm>
-          <a:off x="6156325" y="6254750"/>
-          <a:ext cx="2822575" cy="412740"/>
-        </p:xfrm>
-        <a:graphic>
-          <a:graphicData uri="http://schemas.openxmlformats.org/drawingml/2006/table">
-            <a:tbl>
-              <a:tblPr/>
-              <a:tblGrid>
-                <a:gridCol w="792163">
-                  <a:extLst>
-                    <a:ext uri="{9D8B030D-6E8A-4147-A177-3AD203B41FA5}">
-                      <a16:colId xmlns:a16="http://schemas.microsoft.com/office/drawing/2014/main" val="20000"/>
-                    </a:ext>
-                  </a:extLst>
-                </a:gridCol>
-                <a:gridCol w="1008062">
-                  <a:extLst>
-                    <a:ext uri="{9D8B030D-6E8A-4147-A177-3AD203B41FA5}">
-                      <a16:colId xmlns:a16="http://schemas.microsoft.com/office/drawing/2014/main" val="20001"/>
-                    </a:ext>
-                  </a:extLst>
-                </a:gridCol>
-                <a:gridCol w="649288">
-                  <a:extLst>
-                    <a:ext uri="{9D8B030D-6E8A-4147-A177-3AD203B41FA5}">
-                      <a16:colId xmlns:a16="http://schemas.microsoft.com/office/drawing/2014/main" val="20002"/>
-                    </a:ext>
-                  </a:extLst>
-                </a:gridCol>
-                <a:gridCol w="373062">
-                  <a:extLst>
-                    <a:ext uri="{9D8B030D-6E8A-4147-A177-3AD203B41FA5}">
-                      <a16:colId xmlns:a16="http://schemas.microsoft.com/office/drawing/2014/main" val="20003"/>
-                    </a:ext>
-                  </a:extLst>
-                </a:gridCol>
-              </a:tblGrid>
-              <a:tr h="0">
-                <a:tc>
-                  <a:txBody>
-                    <a:bodyPr/>
-                    <a:lstStyle/>
-                    <a:p>
-                      <a:pPr marL="0" marR="0" lvl="0" indent="0" algn="l" defTabSz="914400" rtl="0" eaLnBrk="1" fontAlgn="base" latinLnBrk="0" hangingPunct="1">
-                        <a:lnSpc>
-                          <a:spcPct val="100000"/>
-                        </a:lnSpc>
-                        <a:spcBef>
-                          <a:spcPct val="0"/>
-                        </a:spcBef>
-                        <a:spcAft>
-                          <a:spcPct val="0"/>
-                        </a:spcAft>
-                        <a:buClrTx/>
-                        <a:buSzTx/>
-                        <a:buFontTx/>
-                        <a:buNone/>
-                        <a:tabLst/>
-                      </a:pPr>
-                      <a:r>
-                        <a:rPr kumimoji="0" lang="ru-RU" sz="1000" b="0" i="0" u="none" strike="noStrike" cap="none" normalizeH="0" baseline="0" dirty="0">
-                          <a:ln>
-                            <a:noFill/>
-                          </a:ln>
-                          <a:solidFill>
-                            <a:schemeClr val="tx1"/>
-                          </a:solidFill>
-                          <a:effectLst/>
-                          <a:latin typeface="Times New Roman" pitchFamily="18" charset="0"/>
-                          <a:cs typeface="Times New Roman" pitchFamily="18" charset="0"/>
-                        </a:rPr>
-                        <a:t>Разработал</a:t>
-                      </a:r>
-                      <a:endParaRPr kumimoji="0" lang="ru-RU" sz="1000" b="0" i="0" u="none" strike="noStrike" cap="none" normalizeH="0" baseline="0" dirty="0">
-                        <a:ln>
-                          <a:noFill/>
-                        </a:ln>
-                        <a:solidFill>
-                          <a:schemeClr val="tx1"/>
-                        </a:solidFill>
-                        <a:effectLst/>
-                        <a:latin typeface="Arial" charset="0"/>
-                      </a:endParaRPr>
-                    </a:p>
-                  </a:txBody>
-                  <a:tcPr marL="71962" marR="71962" marT="17991" marB="35979" horzOverflow="overflow">
-                    <a:lnL w="12700" cap="flat" cmpd="sng" algn="ctr">
-                      <a:solidFill>
-                        <a:srgbClr val="000000"/>
-                      </a:solidFill>
-                      <a:prstDash val="solid"/>
-                      <a:round/>
-                      <a:headEnd type="none" w="med" len="med"/>
-                      <a:tailEnd type="none" w="med" len="med"/>
-                    </a:lnL>
-                    <a:lnR w="12700" cap="flat" cmpd="sng" algn="ctr">
-                      <a:solidFill>
-                        <a:srgbClr val="000000"/>
-                      </a:solidFill>
-                      <a:prstDash val="solid"/>
-                      <a:round/>
-                      <a:headEnd type="none" w="med" len="med"/>
-                      <a:tailEnd type="none" w="med" len="med"/>
-                    </a:lnR>
-                    <a:lnT w="12700" cap="flat" cmpd="sng" algn="ctr">
-                      <a:solidFill>
-                        <a:srgbClr val="000000"/>
-                      </a:solidFill>
-                      <a:prstDash val="solid"/>
-                      <a:round/>
-                      <a:headEnd type="none" w="med" len="med"/>
-                      <a:tailEnd type="none" w="med" len="med"/>
-                    </a:lnT>
-                    <a:lnB w="12700" cap="flat" cmpd="sng" algn="ctr">
-                      <a:solidFill>
-                        <a:srgbClr val="000000"/>
-                      </a:solidFill>
-                      <a:prstDash val="solid"/>
-                      <a:round/>
-                      <a:headEnd type="none" w="med" len="med"/>
-                      <a:tailEnd type="none" w="med" len="med"/>
-                    </a:lnB>
-                    <a:lnTlToBr>
-                      <a:noFill/>
-                    </a:lnTlToBr>
-                    <a:lnBlToTr>
-                      <a:noFill/>
-                    </a:lnBlToTr>
-                    <a:noFill/>
-                  </a:tcPr>
-                </a:tc>
-                <a:tc>
-                  <a:txBody>
-                    <a:bodyPr/>
-                    <a:lstStyle/>
-                    <a:p>
-                      <a:pPr marL="0" marR="0" lvl="0" indent="0" algn="l" defTabSz="914400" rtl="0" eaLnBrk="1" fontAlgn="base" latinLnBrk="0" hangingPunct="1">
-                        <a:lnSpc>
-                          <a:spcPct val="100000"/>
-                        </a:lnSpc>
-                        <a:spcBef>
-                          <a:spcPct val="0"/>
-                        </a:spcBef>
-                        <a:spcAft>
-                          <a:spcPct val="0"/>
-                        </a:spcAft>
-                        <a:buClrTx/>
-                        <a:buSzTx/>
-                        <a:buFontTx/>
-                        <a:buNone/>
-                        <a:tabLst/>
-                      </a:pPr>
-                      <a:r>
-                        <a:rPr kumimoji="0" lang="ru-RU" sz="1000" b="0" i="0" u="none" strike="noStrike" cap="none" normalizeH="0" baseline="0" dirty="0">
-                          <a:ln>
-                            <a:noFill/>
-                          </a:ln>
-                          <a:solidFill>
-                            <a:schemeClr val="tx1"/>
-                          </a:solidFill>
-                          <a:effectLst/>
-                          <a:latin typeface="Times New Roman" pitchFamily="18" charset="0"/>
-                          <a:cs typeface="Times New Roman" pitchFamily="18" charset="0"/>
-                        </a:rPr>
-                        <a:t>Мясников М.А.</a:t>
-                      </a:r>
-                    </a:p>
-                  </a:txBody>
-                  <a:tcPr marL="71962" marR="71962" marT="17991" marB="35979" horzOverflow="overflow">
-                    <a:lnL w="12700" cap="flat" cmpd="sng" algn="ctr">
-                      <a:solidFill>
-                        <a:srgbClr val="000000"/>
-                      </a:solidFill>
-                      <a:prstDash val="solid"/>
-                      <a:round/>
-                      <a:headEnd type="none" w="med" len="med"/>
-                      <a:tailEnd type="none" w="med" len="med"/>
-                    </a:lnL>
-                    <a:lnR w="12700" cap="flat" cmpd="sng" algn="ctr">
-                      <a:solidFill>
-                        <a:srgbClr val="000000"/>
-                      </a:solidFill>
-                      <a:prstDash val="solid"/>
-                      <a:round/>
-                      <a:headEnd type="none" w="med" len="med"/>
-                      <a:tailEnd type="none" w="med" len="med"/>
-                    </a:lnR>
-                    <a:lnT w="12700" cap="flat" cmpd="sng" algn="ctr">
-                      <a:solidFill>
-                        <a:srgbClr val="000000"/>
-                      </a:solidFill>
-                      <a:prstDash val="solid"/>
-                      <a:round/>
-                      <a:headEnd type="none" w="med" len="med"/>
-                      <a:tailEnd type="none" w="med" len="med"/>
-                    </a:lnT>
-                    <a:lnB w="12700" cap="flat" cmpd="sng" algn="ctr">
-                      <a:solidFill>
-                        <a:srgbClr val="000000"/>
-                      </a:solidFill>
-                      <a:prstDash val="solid"/>
-                      <a:round/>
-                      <a:headEnd type="none" w="med" len="med"/>
-                      <a:tailEnd type="none" w="med" len="med"/>
-                    </a:lnB>
-                    <a:lnTlToBr>
-                      <a:noFill/>
-                    </a:lnTlToBr>
-                    <a:lnBlToTr>
-                      <a:noFill/>
-                    </a:lnBlToTr>
-                    <a:noFill/>
-                  </a:tcPr>
-                </a:tc>
-                <a:tc>
-                  <a:txBody>
-                    <a:bodyPr/>
-                    <a:lstStyle/>
-                    <a:p>
-                      <a:pPr marL="0" marR="0" lvl="0" indent="0" algn="l" defTabSz="914400" rtl="0" eaLnBrk="1" fontAlgn="base" latinLnBrk="0" hangingPunct="1">
-                        <a:lnSpc>
-                          <a:spcPct val="100000"/>
-                        </a:lnSpc>
-                        <a:spcBef>
-                          <a:spcPct val="20000"/>
-                        </a:spcBef>
-                        <a:spcAft>
-                          <a:spcPct val="0"/>
-                        </a:spcAft>
-                        <a:buClrTx/>
-                        <a:buSzTx/>
-                        <a:buFontTx/>
-                        <a:buNone/>
-                        <a:tabLst/>
-                      </a:pPr>
-                      <a:endParaRPr kumimoji="0" lang="ru-RU" sz="1000" b="0" i="0" u="none" strike="noStrike" cap="none" normalizeH="0" baseline="0">
-                        <a:ln>
-                          <a:noFill/>
-                        </a:ln>
-                        <a:solidFill>
-                          <a:schemeClr val="tx1"/>
-                        </a:solidFill>
-                        <a:effectLst/>
-                        <a:latin typeface="Arial" charset="0"/>
-                      </a:endParaRPr>
-                    </a:p>
-                  </a:txBody>
-                  <a:tcPr marL="71962" marR="71962" marT="17991" marB="35979" horzOverflow="overflow">
-                    <a:lnL w="12700" cap="flat" cmpd="sng" algn="ctr">
-                      <a:solidFill>
-                        <a:srgbClr val="000000"/>
-                      </a:solidFill>
-                      <a:prstDash val="solid"/>
-                      <a:round/>
-                      <a:headEnd type="none" w="med" len="med"/>
-                      <a:tailEnd type="none" w="med" len="med"/>
-                    </a:lnL>
-                    <a:lnR w="12700" cap="flat" cmpd="sng" algn="ctr">
-                      <a:solidFill>
-                        <a:srgbClr val="000000"/>
-                      </a:solidFill>
-                      <a:prstDash val="solid"/>
-                      <a:round/>
-                      <a:headEnd type="none" w="med" len="med"/>
-                      <a:tailEnd type="none" w="med" len="med"/>
-                    </a:lnR>
-                    <a:lnT w="12700" cap="flat" cmpd="sng" algn="ctr">
-                      <a:solidFill>
-                        <a:srgbClr val="000000"/>
-                      </a:solidFill>
-                      <a:prstDash val="solid"/>
-                      <a:round/>
-                      <a:headEnd type="none" w="med" len="med"/>
-                      <a:tailEnd type="none" w="med" len="med"/>
-                    </a:lnT>
-                    <a:lnB w="12700" cap="flat" cmpd="sng" algn="ctr">
-                      <a:solidFill>
-                        <a:srgbClr val="000000"/>
-                      </a:solidFill>
-                      <a:prstDash val="solid"/>
-                      <a:round/>
-                      <a:headEnd type="none" w="med" len="med"/>
-                      <a:tailEnd type="none" w="med" len="med"/>
-                    </a:lnB>
-                    <a:lnTlToBr>
-                      <a:noFill/>
-                    </a:lnTlToBr>
-                    <a:lnBlToTr>
-                      <a:noFill/>
-                    </a:lnBlToTr>
-                    <a:noFill/>
-                  </a:tcPr>
-                </a:tc>
-                <a:tc>
-                  <a:txBody>
-                    <a:bodyPr/>
-                    <a:lstStyle/>
-                    <a:p>
-                      <a:pPr marL="0" marR="0" lvl="0" indent="0" algn="l" defTabSz="914400" rtl="0" eaLnBrk="1" fontAlgn="base" latinLnBrk="0" hangingPunct="1">
-                        <a:lnSpc>
-                          <a:spcPct val="100000"/>
-                        </a:lnSpc>
-                        <a:spcBef>
-                          <a:spcPct val="20000"/>
-                        </a:spcBef>
-                        <a:spcAft>
-                          <a:spcPct val="0"/>
-                        </a:spcAft>
-                        <a:buClrTx/>
-                        <a:buSzTx/>
-                        <a:buFontTx/>
-                        <a:buNone/>
-                        <a:tabLst/>
-                      </a:pPr>
-                      <a:r>
-                        <a:rPr kumimoji="0" lang="ru-RU" sz="1000" b="0" i="0" u="none" strike="noStrike" cap="none" normalizeH="0" baseline="0" dirty="0">
-                          <a:ln>
-                            <a:noFill/>
-                          </a:ln>
-                          <a:solidFill>
-                            <a:schemeClr val="tx1"/>
-                          </a:solidFill>
-                          <a:effectLst/>
-                          <a:latin typeface="Times New Roman" pitchFamily="18" charset="0"/>
-                        </a:rPr>
-                        <a:t>9</a:t>
-                      </a:r>
-                    </a:p>
-                  </a:txBody>
-                  <a:tcPr marL="71962" marR="71962" marT="17991" marB="35979" horzOverflow="overflow">
-                    <a:lnL w="12700" cap="flat" cmpd="sng" algn="ctr">
-                      <a:solidFill>
-                        <a:srgbClr val="000000"/>
-                      </a:solidFill>
-                      <a:prstDash val="solid"/>
-                      <a:round/>
-                      <a:headEnd type="none" w="med" len="med"/>
-                      <a:tailEnd type="none" w="med" len="med"/>
-                    </a:lnL>
-                    <a:lnR w="12700" cap="flat" cmpd="sng" algn="ctr">
-                      <a:solidFill>
-                        <a:srgbClr val="000000"/>
-                      </a:solidFill>
-                      <a:prstDash val="solid"/>
-                      <a:round/>
-                      <a:headEnd type="none" w="med" len="med"/>
-                      <a:tailEnd type="none" w="med" len="med"/>
-                    </a:lnR>
-                    <a:lnT w="12700" cap="flat" cmpd="sng" algn="ctr">
-                      <a:solidFill>
-                        <a:srgbClr val="000000"/>
-                      </a:solidFill>
-                      <a:prstDash val="solid"/>
-                      <a:round/>
-                      <a:headEnd type="none" w="med" len="med"/>
-                      <a:tailEnd type="none" w="med" len="med"/>
-                    </a:lnT>
-                    <a:lnB w="12700" cap="flat" cmpd="sng" algn="ctr">
-                      <a:solidFill>
-                        <a:srgbClr val="000000"/>
-                      </a:solidFill>
-                      <a:prstDash val="solid"/>
-                      <a:round/>
-                      <a:headEnd type="none" w="med" len="med"/>
-                      <a:tailEnd type="none" w="med" len="med"/>
-                    </a:lnB>
-                    <a:lnTlToBr>
-                      <a:noFill/>
-                    </a:lnTlToBr>
-                    <a:lnBlToTr>
-                      <a:noFill/>
-                    </a:lnBlToTr>
-                    <a:noFill/>
-                  </a:tcPr>
-                </a:tc>
-                <a:extLst>
-                  <a:ext uri="{0D108BD9-81ED-4DB2-BD59-A6C34878D82A}">
-                    <a16:rowId xmlns:a16="http://schemas.microsoft.com/office/drawing/2014/main" val="10000"/>
-                  </a:ext>
-                </a:extLst>
-              </a:tr>
-              <a:tr h="0">
-                <a:tc>
-                  <a:txBody>
-                    <a:bodyPr/>
-                    <a:lstStyle/>
-                    <a:p>
-                      <a:pPr marL="0" marR="0" lvl="0" indent="0" algn="l" defTabSz="914400" rtl="0" eaLnBrk="1" fontAlgn="base" latinLnBrk="0" hangingPunct="1">
-                        <a:lnSpc>
-                          <a:spcPct val="100000"/>
-                        </a:lnSpc>
-                        <a:spcBef>
-                          <a:spcPct val="0"/>
-                        </a:spcBef>
-                        <a:spcAft>
-                          <a:spcPct val="0"/>
-                        </a:spcAft>
-                        <a:buClrTx/>
-                        <a:buSzTx/>
-                        <a:buFontTx/>
-                        <a:buNone/>
-                        <a:tabLst/>
-                      </a:pPr>
-                      <a:r>
-                        <a:rPr kumimoji="0" lang="ru-RU" sz="1000" b="0" i="0" u="none" strike="noStrike" cap="none" normalizeH="0" baseline="0">
-                          <a:ln>
-                            <a:noFill/>
-                          </a:ln>
-                          <a:solidFill>
-                            <a:schemeClr val="tx1"/>
-                          </a:solidFill>
-                          <a:effectLst/>
-                          <a:latin typeface="Times New Roman" pitchFamily="18" charset="0"/>
-                          <a:cs typeface="Times New Roman" pitchFamily="18" charset="0"/>
-                        </a:rPr>
-                        <a:t>Утвердил</a:t>
-                      </a:r>
-                      <a:endParaRPr kumimoji="0" lang="ru-RU" sz="1000" b="0" i="0" u="none" strike="noStrike" cap="none" normalizeH="0" baseline="0">
-                        <a:ln>
-                          <a:noFill/>
-                        </a:ln>
-                        <a:solidFill>
-                          <a:schemeClr val="tx1"/>
-                        </a:solidFill>
-                        <a:effectLst/>
-                        <a:latin typeface="Arial" charset="0"/>
-                      </a:endParaRPr>
-                    </a:p>
-                  </a:txBody>
-                  <a:tcPr marL="71962" marR="71962" marT="17991" marB="35979" horzOverflow="overflow">
-                    <a:lnL w="12700" cap="flat" cmpd="sng" algn="ctr">
-                      <a:solidFill>
-                        <a:srgbClr val="000000"/>
-                      </a:solidFill>
-                      <a:prstDash val="solid"/>
-                      <a:round/>
-                      <a:headEnd type="none" w="med" len="med"/>
-                      <a:tailEnd type="none" w="med" len="med"/>
-                    </a:lnL>
-                    <a:lnR w="12700" cap="flat" cmpd="sng" algn="ctr">
-                      <a:solidFill>
-                        <a:srgbClr val="000000"/>
-                      </a:solidFill>
-                      <a:prstDash val="solid"/>
-                      <a:round/>
-                      <a:headEnd type="none" w="med" len="med"/>
-                      <a:tailEnd type="none" w="med" len="med"/>
-                    </a:lnR>
-                    <a:lnT w="12700" cap="flat" cmpd="sng" algn="ctr">
-                      <a:solidFill>
-                        <a:srgbClr val="000000"/>
-                      </a:solidFill>
-                      <a:prstDash val="solid"/>
-                      <a:round/>
-                      <a:headEnd type="none" w="med" len="med"/>
-                      <a:tailEnd type="none" w="med" len="med"/>
-                    </a:lnT>
-                    <a:lnB w="12700" cap="flat" cmpd="sng" algn="ctr">
-                      <a:solidFill>
-                        <a:srgbClr val="000000"/>
-                      </a:solidFill>
-                      <a:prstDash val="solid"/>
-                      <a:round/>
-                      <a:headEnd type="none" w="med" len="med"/>
-                      <a:tailEnd type="none" w="med" len="med"/>
-                    </a:lnB>
-                    <a:lnTlToBr>
-                      <a:noFill/>
-                    </a:lnTlToBr>
-                    <a:lnBlToTr>
-                      <a:noFill/>
-                    </a:lnBlToTr>
-                    <a:noFill/>
-                  </a:tcPr>
-                </a:tc>
-                <a:tc>
-                  <a:txBody>
-                    <a:bodyPr/>
-                    <a:lstStyle/>
-                    <a:p>
-                      <a:pPr marL="0" marR="0" lvl="0" indent="0" algn="l" defTabSz="914400" rtl="0" eaLnBrk="1" fontAlgn="base" latinLnBrk="0" hangingPunct="1">
-                        <a:lnSpc>
-                          <a:spcPct val="100000"/>
-                        </a:lnSpc>
-                        <a:spcBef>
-                          <a:spcPct val="0"/>
-                        </a:spcBef>
-                        <a:spcAft>
-                          <a:spcPct val="0"/>
-                        </a:spcAft>
-                        <a:buClrTx/>
-                        <a:buSzTx/>
-                        <a:buFontTx/>
-                        <a:buNone/>
-                        <a:tabLst/>
-                      </a:pPr>
-                      <a:r>
-                        <a:rPr kumimoji="0" lang="ru-RU" sz="1000" b="0" i="0" u="none" strike="noStrike" cap="none" normalizeH="0" baseline="0" dirty="0">
-                          <a:ln>
-                            <a:noFill/>
-                          </a:ln>
-                          <a:solidFill>
-                            <a:schemeClr val="tx1"/>
-                          </a:solidFill>
-                          <a:effectLst/>
-                          <a:latin typeface="Times New Roman" pitchFamily="18" charset="0"/>
-                          <a:cs typeface="Times New Roman" pitchFamily="18" charset="0"/>
-                        </a:rPr>
-                        <a:t>Гагарина Л.Г.</a:t>
-                      </a:r>
-                    </a:p>
-                  </a:txBody>
-                  <a:tcPr marL="71962" marR="71962" marT="17991" marB="35979" horzOverflow="overflow">
-                    <a:lnL w="12700" cap="flat" cmpd="sng" algn="ctr">
-                      <a:solidFill>
-                        <a:srgbClr val="000000"/>
-                      </a:solidFill>
-                      <a:prstDash val="solid"/>
-                      <a:round/>
-                      <a:headEnd type="none" w="med" len="med"/>
-                      <a:tailEnd type="none" w="med" len="med"/>
-                    </a:lnL>
-                    <a:lnR w="12700" cap="flat" cmpd="sng" algn="ctr">
-                      <a:solidFill>
-                        <a:srgbClr val="000000"/>
-                      </a:solidFill>
-                      <a:prstDash val="solid"/>
-                      <a:round/>
-                      <a:headEnd type="none" w="med" len="med"/>
-                      <a:tailEnd type="none" w="med" len="med"/>
-                    </a:lnR>
-                    <a:lnT w="12700" cap="flat" cmpd="sng" algn="ctr">
-                      <a:solidFill>
-                        <a:srgbClr val="000000"/>
-                      </a:solidFill>
-                      <a:prstDash val="solid"/>
-                      <a:round/>
-                      <a:headEnd type="none" w="med" len="med"/>
-                      <a:tailEnd type="none" w="med" len="med"/>
-                    </a:lnT>
-                    <a:lnB w="12700" cap="flat" cmpd="sng" algn="ctr">
-                      <a:solidFill>
-                        <a:srgbClr val="000000"/>
-                      </a:solidFill>
-                      <a:prstDash val="solid"/>
-                      <a:round/>
-                      <a:headEnd type="none" w="med" len="med"/>
-                      <a:tailEnd type="none" w="med" len="med"/>
-                    </a:lnB>
-                    <a:lnTlToBr>
-                      <a:noFill/>
-                    </a:lnTlToBr>
-                    <a:lnBlToTr>
-                      <a:noFill/>
-                    </a:lnBlToTr>
-                    <a:noFill/>
-                  </a:tcPr>
-                </a:tc>
-                <a:tc>
-                  <a:txBody>
-                    <a:bodyPr/>
-                    <a:lstStyle/>
-                    <a:p>
-                      <a:pPr marL="0" marR="0" lvl="0" indent="0" algn="l" defTabSz="914400" rtl="0" eaLnBrk="1" fontAlgn="base" latinLnBrk="0" hangingPunct="1">
-                        <a:lnSpc>
-                          <a:spcPct val="100000"/>
-                        </a:lnSpc>
-                        <a:spcBef>
-                          <a:spcPct val="20000"/>
-                        </a:spcBef>
-                        <a:spcAft>
-                          <a:spcPct val="0"/>
-                        </a:spcAft>
-                        <a:buClrTx/>
-                        <a:buSzTx/>
-                        <a:buFontTx/>
-                        <a:buNone/>
-                        <a:tabLst/>
-                      </a:pPr>
-                      <a:endParaRPr kumimoji="0" lang="ru-RU" sz="1000" b="0" i="0" u="none" strike="noStrike" cap="none" normalizeH="0" baseline="0">
-                        <a:ln>
-                          <a:noFill/>
-                        </a:ln>
-                        <a:solidFill>
-                          <a:schemeClr val="tx1"/>
-                        </a:solidFill>
-                        <a:effectLst/>
-                        <a:latin typeface="Arial" charset="0"/>
-                      </a:endParaRPr>
-                    </a:p>
-                  </a:txBody>
-                  <a:tcPr marL="71962" marR="71962" marT="17991" marB="35979" horzOverflow="overflow">
-                    <a:lnL w="12700" cap="flat" cmpd="sng" algn="ctr">
-                      <a:solidFill>
-                        <a:srgbClr val="000000"/>
-                      </a:solidFill>
-                      <a:prstDash val="solid"/>
-                      <a:round/>
-                      <a:headEnd type="none" w="med" len="med"/>
-                      <a:tailEnd type="none" w="med" len="med"/>
-                    </a:lnL>
-                    <a:lnR w="12700" cap="flat" cmpd="sng" algn="ctr">
-                      <a:solidFill>
-                        <a:srgbClr val="000000"/>
-                      </a:solidFill>
-                      <a:prstDash val="solid"/>
-                      <a:round/>
-                      <a:headEnd type="none" w="med" len="med"/>
-                      <a:tailEnd type="none" w="med" len="med"/>
-                    </a:lnR>
-                    <a:lnT w="12700" cap="flat" cmpd="sng" algn="ctr">
-                      <a:solidFill>
-                        <a:srgbClr val="000000"/>
-                      </a:solidFill>
-                      <a:prstDash val="solid"/>
-                      <a:round/>
-                      <a:headEnd type="none" w="med" len="med"/>
-                      <a:tailEnd type="none" w="med" len="med"/>
-                    </a:lnT>
-                    <a:lnB w="12700" cap="flat" cmpd="sng" algn="ctr">
-                      <a:solidFill>
-                        <a:srgbClr val="000000"/>
-                      </a:solidFill>
-                      <a:prstDash val="solid"/>
-                      <a:round/>
-                      <a:headEnd type="none" w="med" len="med"/>
-                      <a:tailEnd type="none" w="med" len="med"/>
-                    </a:lnB>
-                    <a:lnTlToBr>
-                      <a:noFill/>
-                    </a:lnTlToBr>
-                    <a:lnBlToTr>
-                      <a:noFill/>
-                    </a:lnBlToTr>
-                    <a:noFill/>
-                  </a:tcPr>
-                </a:tc>
-                <a:tc>
-                  <a:txBody>
-                    <a:bodyPr/>
-                    <a:lstStyle/>
-                    <a:p>
-                      <a:pPr marL="0" marR="0" lvl="0" indent="0" algn="l" defTabSz="914400" rtl="0" eaLnBrk="1" fontAlgn="base" latinLnBrk="0" hangingPunct="1">
-                        <a:lnSpc>
-                          <a:spcPct val="100000"/>
-                        </a:lnSpc>
-                        <a:spcBef>
-                          <a:spcPct val="20000"/>
-                        </a:spcBef>
-                        <a:spcAft>
-                          <a:spcPct val="0"/>
-                        </a:spcAft>
-                        <a:buClrTx/>
-                        <a:buSzTx/>
-                        <a:buFontTx/>
-                        <a:buNone/>
-                        <a:tabLst/>
-                      </a:pPr>
-                      <a:endParaRPr kumimoji="0" lang="ru-RU" sz="1000" b="0" i="0" u="none" strike="noStrike" cap="none" normalizeH="0" baseline="0" dirty="0">
-                        <a:ln>
-                          <a:noFill/>
-                        </a:ln>
-                        <a:solidFill>
-                          <a:schemeClr val="tx1"/>
-                        </a:solidFill>
-                        <a:effectLst/>
-                        <a:latin typeface="Arial" charset="0"/>
-                      </a:endParaRPr>
-                    </a:p>
-                  </a:txBody>
-                  <a:tcPr marL="71962" marR="71962" marT="17991" marB="35979" horzOverflow="overflow">
-                    <a:lnL w="12700" cap="flat" cmpd="sng" algn="ctr">
-                      <a:solidFill>
-                        <a:srgbClr val="000000"/>
-                      </a:solidFill>
-                      <a:prstDash val="solid"/>
-                      <a:round/>
-                      <a:headEnd type="none" w="med" len="med"/>
-                      <a:tailEnd type="none" w="med" len="med"/>
-                    </a:lnL>
-                    <a:lnR w="12700" cap="flat" cmpd="sng" algn="ctr">
-                      <a:solidFill>
-                        <a:srgbClr val="000000"/>
-                      </a:solidFill>
-                      <a:prstDash val="solid"/>
-                      <a:round/>
-                      <a:headEnd type="none" w="med" len="med"/>
-                      <a:tailEnd type="none" w="med" len="med"/>
-                    </a:lnR>
-                    <a:lnT w="12700" cap="flat" cmpd="sng" algn="ctr">
-                      <a:solidFill>
-                        <a:srgbClr val="000000"/>
-                      </a:solidFill>
-                      <a:prstDash val="solid"/>
-                      <a:round/>
-                      <a:headEnd type="none" w="med" len="med"/>
-                      <a:tailEnd type="none" w="med" len="med"/>
-                    </a:lnT>
-                    <a:lnB w="12700" cap="flat" cmpd="sng" algn="ctr">
-                      <a:solidFill>
-                        <a:srgbClr val="000000"/>
-                      </a:solidFill>
-                      <a:prstDash val="solid"/>
-                      <a:round/>
-                      <a:headEnd type="none" w="med" len="med"/>
-                      <a:tailEnd type="none" w="med" len="med"/>
-                    </a:lnB>
-                    <a:lnTlToBr>
-                      <a:noFill/>
-                    </a:lnTlToBr>
-                    <a:lnBlToTr>
-                      <a:noFill/>
-                    </a:lnBlToTr>
-                    <a:noFill/>
-                  </a:tcPr>
-                </a:tc>
-                <a:extLst>
-                  <a:ext uri="{0D108BD9-81ED-4DB2-BD59-A6C34878D82A}">
-                    <a16:rowId xmlns:a16="http://schemas.microsoft.com/office/drawing/2014/main" val="10001"/>
-                  </a:ext>
-                </a:extLst>
-              </a:tr>
-            </a:tbl>
-          </a:graphicData>
-        </a:graphic>
-      </p:graphicFrame>
     </p:spTree>
   </p:cSld>
   <p:clrMapOvr>

--- a/Технологическая практика/Презентация отчета.pptx
+++ b/Технологическая практика/Презентация отчета.pptx
@@ -12,7 +12,7 @@
     <p:sldId id="271" r:id="rId6"/>
     <p:sldId id="261" r:id="rId7"/>
     <p:sldId id="262" r:id="rId8"/>
-    <p:sldId id="272" r:id="rId9"/>
+    <p:sldId id="273" r:id="rId9"/>
     <p:sldId id="269" r:id="rId10"/>
     <p:sldId id="264" r:id="rId11"/>
   </p:sldIdLst>
@@ -1329,7 +1329,7 @@
             <a:fld id="{D3F45E69-51FF-4017-B855-FA6AEE2AB1D5}" type="datetimeFigureOut">
               <a:rPr lang="ru-RU" smtClean="0"/>
               <a:pPr/>
-              <a:t>21.03.2022</a:t>
+              <a:t>23.03.2022</a:t>
             </a:fld>
             <a:endParaRPr lang="ru-RU"/>
           </a:p>
@@ -1494,7 +1494,7 @@
             <a:fld id="{D3F45E69-51FF-4017-B855-FA6AEE2AB1D5}" type="datetimeFigureOut">
               <a:rPr lang="ru-RU" smtClean="0"/>
               <a:pPr/>
-              <a:t>21.03.2022</a:t>
+              <a:t>23.03.2022</a:t>
             </a:fld>
             <a:endParaRPr lang="ru-RU"/>
           </a:p>
@@ -1669,7 +1669,7 @@
             <a:fld id="{D3F45E69-51FF-4017-B855-FA6AEE2AB1D5}" type="datetimeFigureOut">
               <a:rPr lang="ru-RU" smtClean="0"/>
               <a:pPr/>
-              <a:t>21.03.2022</a:t>
+              <a:t>23.03.2022</a:t>
             </a:fld>
             <a:endParaRPr lang="ru-RU"/>
           </a:p>
@@ -1834,7 +1834,7 @@
             <a:fld id="{D3F45E69-51FF-4017-B855-FA6AEE2AB1D5}" type="datetimeFigureOut">
               <a:rPr lang="ru-RU" smtClean="0"/>
               <a:pPr/>
-              <a:t>21.03.2022</a:t>
+              <a:t>23.03.2022</a:t>
             </a:fld>
             <a:endParaRPr lang="ru-RU"/>
           </a:p>
@@ -2076,7 +2076,7 @@
             <a:fld id="{D3F45E69-51FF-4017-B855-FA6AEE2AB1D5}" type="datetimeFigureOut">
               <a:rPr lang="ru-RU" smtClean="0"/>
               <a:pPr/>
-              <a:t>21.03.2022</a:t>
+              <a:t>23.03.2022</a:t>
             </a:fld>
             <a:endParaRPr lang="ru-RU"/>
           </a:p>
@@ -2358,7 +2358,7 @@
             <a:fld id="{D3F45E69-51FF-4017-B855-FA6AEE2AB1D5}" type="datetimeFigureOut">
               <a:rPr lang="ru-RU" smtClean="0"/>
               <a:pPr/>
-              <a:t>21.03.2022</a:t>
+              <a:t>23.03.2022</a:t>
             </a:fld>
             <a:endParaRPr lang="ru-RU"/>
           </a:p>
@@ -2774,7 +2774,7 @@
             <a:fld id="{D3F45E69-51FF-4017-B855-FA6AEE2AB1D5}" type="datetimeFigureOut">
               <a:rPr lang="ru-RU" smtClean="0"/>
               <a:pPr/>
-              <a:t>21.03.2022</a:t>
+              <a:t>23.03.2022</a:t>
             </a:fld>
             <a:endParaRPr lang="ru-RU"/>
           </a:p>
@@ -2888,7 +2888,7 @@
             <a:fld id="{D3F45E69-51FF-4017-B855-FA6AEE2AB1D5}" type="datetimeFigureOut">
               <a:rPr lang="ru-RU" smtClean="0"/>
               <a:pPr/>
-              <a:t>21.03.2022</a:t>
+              <a:t>23.03.2022</a:t>
             </a:fld>
             <a:endParaRPr lang="ru-RU"/>
           </a:p>
@@ -2980,7 +2980,7 @@
             <a:fld id="{D3F45E69-51FF-4017-B855-FA6AEE2AB1D5}" type="datetimeFigureOut">
               <a:rPr lang="ru-RU" smtClean="0"/>
               <a:pPr/>
-              <a:t>21.03.2022</a:t>
+              <a:t>23.03.2022</a:t>
             </a:fld>
             <a:endParaRPr lang="ru-RU"/>
           </a:p>
@@ -3252,7 +3252,7 @@
             <a:fld id="{D3F45E69-51FF-4017-B855-FA6AEE2AB1D5}" type="datetimeFigureOut">
               <a:rPr lang="ru-RU" smtClean="0"/>
               <a:pPr/>
-              <a:t>21.03.2022</a:t>
+              <a:t>23.03.2022</a:t>
             </a:fld>
             <a:endParaRPr lang="ru-RU"/>
           </a:p>
@@ -3501,7 +3501,7 @@
             <a:fld id="{D3F45E69-51FF-4017-B855-FA6AEE2AB1D5}" type="datetimeFigureOut">
               <a:rPr lang="ru-RU" smtClean="0"/>
               <a:pPr/>
-              <a:t>21.03.2022</a:t>
+              <a:t>23.03.2022</a:t>
             </a:fld>
             <a:endParaRPr lang="ru-RU"/>
           </a:p>
@@ -3709,7 +3709,7 @@
             <a:fld id="{D3F45E69-51FF-4017-B855-FA6AEE2AB1D5}" type="datetimeFigureOut">
               <a:rPr lang="ru-RU" smtClean="0"/>
               <a:pPr/>
-              <a:t>21.03.2022</a:t>
+              <a:t>23.03.2022</a:t>
             </a:fld>
             <a:endParaRPr lang="ru-RU"/>
           </a:p>
@@ -5501,13 +5501,8 @@
             </a:pPr>
             <a:r>
               <a:rPr lang="ru-RU" sz="2400" dirty="0"/>
-              <a:t> выбраны язык и </a:t>
+              <a:t> выбраны язык программирования и среда разработки;</a:t>
             </a:r>
-            <a:r>
-              <a:rPr lang="ru-RU" sz="2400"/>
-              <a:t>среда разработки;</a:t>
-            </a:r>
-            <a:endParaRPr lang="ru-RU" sz="2400" dirty="0"/>
           </a:p>
           <a:p>
             <a:pPr>
@@ -11785,14 +11780,14 @@
           <p:nvPr>
             <p:extLst>
               <p:ext uri="{D42A27DB-BD31-4B8C-83A1-F6EECF244321}">
-                <p14:modId xmlns:p14="http://schemas.microsoft.com/office/powerpoint/2010/main" val="436738897"/>
+                <p14:modId xmlns:p14="http://schemas.microsoft.com/office/powerpoint/2010/main" val="1186117010"/>
               </p:ext>
             </p:extLst>
           </p:nvPr>
         </p:nvGraphicFramePr>
         <p:xfrm>
           <a:off x="467544" y="764704"/>
-          <a:ext cx="8280918" cy="3627120"/>
+          <a:ext cx="8280918" cy="3596640"/>
         </p:xfrm>
         <a:graphic>
           <a:graphicData uri="http://schemas.openxmlformats.org/drawingml/2006/table">
@@ -11874,7 +11869,7 @@
                         <a:tabLst/>
                       </a:pPr>
                       <a:r>
-                        <a:rPr kumimoji="0" lang="ru-RU" sz="1100" u="none" strike="noStrike" cap="none" normalizeH="0" baseline="0" dirty="0">
+                        <a:rPr kumimoji="0" lang="ru-RU" sz="1200" u="none" strike="noStrike" cap="none" normalizeH="0" baseline="0" dirty="0">
                           <a:ln>
                             <a:noFill/>
                           </a:ln>
@@ -11882,7 +11877,7 @@
                         </a:rPr>
                         <a:t>Критерий</a:t>
                       </a:r>
-                      <a:endParaRPr kumimoji="0" lang="ru-RU" sz="1600" b="0" i="0" u="none" strike="noStrike" cap="none" normalizeH="0" baseline="0" dirty="0">
+                      <a:endParaRPr kumimoji="0" lang="ru-RU" sz="1400" b="0" i="0" u="none" strike="noStrike" cap="none" normalizeH="0" baseline="0" dirty="0">
                         <a:ln>
                           <a:noFill/>
                         </a:ln>
@@ -11918,7 +11913,7 @@
                         <a:tabLst/>
                       </a:pPr>
                       <a:r>
-                        <a:rPr kumimoji="0" lang="en-US" sz="1400" u="none" strike="noStrike" cap="none" normalizeH="0" baseline="0" dirty="0">
+                        <a:rPr kumimoji="0" lang="en-US" sz="1200" u="none" strike="noStrike" cap="none" normalizeH="0" baseline="0" dirty="0">
                           <a:ln>
                             <a:noFill/>
                           </a:ln>
@@ -11927,7 +11922,7 @@
                         <a:t>Java</a:t>
                       </a:r>
                       <a:r>
-                        <a:rPr kumimoji="0" lang="ru-RU" sz="1400" u="none" strike="noStrike" cap="none" normalizeH="0" baseline="0" dirty="0">
+                        <a:rPr kumimoji="0" lang="ru-RU" sz="1200" u="none" strike="noStrike" cap="none" normalizeH="0" baseline="0" dirty="0">
                           <a:ln>
                             <a:noFill/>
                           </a:ln>
@@ -11936,7 +11931,7 @@
                         <a:t> </a:t>
                       </a:r>
                       <a:r>
-                        <a:rPr kumimoji="0" lang="en-US" sz="1400" b="1" u="none" strike="noStrike" kern="1200" cap="none" normalizeH="0" baseline="30000" dirty="0">
+                        <a:rPr kumimoji="0" lang="en-US" sz="1200" b="1" u="none" strike="noStrike" kern="1200" cap="none" normalizeH="0" baseline="30000" dirty="0">
                           <a:ln>
                             <a:noFill/>
                           </a:ln>
@@ -11976,7 +11971,7 @@
                         <a:tabLst/>
                       </a:pPr>
                       <a:r>
-                        <a:rPr kumimoji="0" lang="en-US" sz="1400" b="1" u="none" strike="noStrike" kern="1200" cap="none" normalizeH="0" baseline="0" dirty="0">
+                        <a:rPr kumimoji="0" lang="en-US" sz="1200" b="1" u="none" strike="noStrike" kern="1200" cap="none" normalizeH="0" baseline="0" dirty="0">
                           <a:ln>
                             <a:noFill/>
                           </a:ln>
@@ -11991,7 +11986,7 @@
                         <a:t>C#</a:t>
                       </a:r>
                       <a:r>
-                        <a:rPr kumimoji="0" lang="ru-RU" sz="1400" b="1" u="none" strike="noStrike" kern="1200" cap="none" normalizeH="0" baseline="0" dirty="0">
+                        <a:rPr kumimoji="0" lang="ru-RU" sz="1200" b="1" u="none" strike="noStrike" kern="1200" cap="none" normalizeH="0" baseline="0" dirty="0">
                           <a:ln>
                             <a:noFill/>
                           </a:ln>
@@ -12006,7 +12001,7 @@
                         <a:t> </a:t>
                       </a:r>
                       <a:r>
-                        <a:rPr kumimoji="0" lang="en-US" sz="1400" b="1" u="none" strike="noStrike" kern="1200" cap="none" normalizeH="0" baseline="30000" dirty="0">
+                        <a:rPr kumimoji="0" lang="en-US" sz="1200" b="1" u="none" strike="noStrike" kern="1200" cap="none" normalizeH="0" baseline="30000" dirty="0">
                           <a:ln>
                             <a:noFill/>
                           </a:ln>
@@ -12021,7 +12016,7 @@
                         <a:t>[</a:t>
                       </a:r>
                       <a:r>
-                        <a:rPr kumimoji="0" lang="ru-RU" sz="1400" b="1" u="none" strike="noStrike" kern="1200" cap="none" normalizeH="0" baseline="30000" dirty="0">
+                        <a:rPr kumimoji="0" lang="ru-RU" sz="1200" b="1" u="none" strike="noStrike" kern="1200" cap="none" normalizeH="0" baseline="30000" dirty="0">
                           <a:ln>
                             <a:noFill/>
                           </a:ln>
@@ -12036,7 +12031,7 @@
                         <a:t>2</a:t>
                       </a:r>
                       <a:r>
-                        <a:rPr kumimoji="0" lang="en-US" sz="1400" b="1" u="none" strike="noStrike" kern="1200" cap="none" normalizeH="0" baseline="30000" dirty="0">
+                        <a:rPr kumimoji="0" lang="en-US" sz="1200" b="1" u="none" strike="noStrike" kern="1200" cap="none" normalizeH="0" baseline="30000" dirty="0">
                           <a:ln>
                             <a:noFill/>
                           </a:ln>
@@ -12050,7 +12045,7 @@
                         </a:rPr>
                         <a:t>]</a:t>
                       </a:r>
-                      <a:endParaRPr kumimoji="0" lang="en-US" sz="1400" b="1" u="none" strike="noStrike" kern="1200" cap="none" normalizeH="0" baseline="0" dirty="0">
+                      <a:endParaRPr kumimoji="0" lang="en-US" sz="1200" b="1" u="none" strike="noStrike" kern="1200" cap="none" normalizeH="0" baseline="0" dirty="0">
                         <a:ln>
                           <a:noFill/>
                         </a:ln>
@@ -12092,7 +12087,7 @@
                         <a:tabLst/>
                       </a:pPr>
                       <a:r>
-                        <a:rPr kumimoji="0" lang="en-US" sz="1400" u="none" strike="noStrike" cap="none" normalizeH="0" baseline="0" dirty="0">
+                        <a:rPr kumimoji="0" lang="en-US" sz="1200" u="none" strike="noStrike" cap="none" normalizeH="0" baseline="0" dirty="0">
                           <a:ln>
                             <a:noFill/>
                           </a:ln>
@@ -12101,7 +12096,7 @@
                         <a:t>JavaScript</a:t>
                       </a:r>
                       <a:r>
-                        <a:rPr kumimoji="0" lang="ru-RU" sz="1400" u="none" strike="noStrike" cap="none" normalizeH="0" baseline="0" dirty="0">
+                        <a:rPr kumimoji="0" lang="ru-RU" sz="1200" u="none" strike="noStrike" cap="none" normalizeH="0" baseline="0" dirty="0">
                           <a:ln>
                             <a:noFill/>
                           </a:ln>
@@ -12110,7 +12105,7 @@
                         <a:t> </a:t>
                       </a:r>
                       <a:r>
-                        <a:rPr kumimoji="0" lang="en-US" sz="1400" u="none" strike="noStrike" cap="none" normalizeH="0" baseline="30000" dirty="0">
+                        <a:rPr kumimoji="0" lang="en-US" sz="1200" u="none" strike="noStrike" cap="none" normalizeH="0" baseline="30000" dirty="0">
                           <a:ln>
                             <a:noFill/>
                           </a:ln>
@@ -12118,7 +12113,7 @@
                         </a:rPr>
                         <a:t>[3]</a:t>
                       </a:r>
-                      <a:endParaRPr kumimoji="0" lang="en-US" sz="2000" b="0" i="0" u="none" strike="noStrike" cap="none" normalizeH="0" baseline="30000" dirty="0">
+                      <a:endParaRPr kumimoji="0" lang="en-US" sz="1800" b="0" i="0" u="none" strike="noStrike" cap="none" normalizeH="0" baseline="30000" dirty="0">
                         <a:ln>
                           <a:noFill/>
                         </a:ln>
@@ -12155,7 +12150,7 @@
                         <a:defRPr/>
                       </a:pPr>
                       <a:r>
-                        <a:rPr kumimoji="0" lang="en-US" sz="1400" u="none" strike="noStrike" cap="none" normalizeH="0" baseline="0" dirty="0">
+                        <a:rPr kumimoji="0" lang="en-US" sz="1200" u="none" strike="noStrike" cap="none" normalizeH="0" baseline="0" dirty="0">
                           <a:ln>
                             <a:noFill/>
                           </a:ln>
@@ -12164,7 +12159,7 @@
                         <a:t>Python</a:t>
                       </a:r>
                       <a:r>
-                        <a:rPr kumimoji="0" lang="ru-RU" sz="1400" u="none" strike="noStrike" cap="none" normalizeH="0" baseline="0" dirty="0">
+                        <a:rPr kumimoji="0" lang="ru-RU" sz="1200" u="none" strike="noStrike" cap="none" normalizeH="0" baseline="0" dirty="0">
                           <a:ln>
                             <a:noFill/>
                           </a:ln>
@@ -12173,7 +12168,7 @@
                         <a:t> </a:t>
                       </a:r>
                       <a:r>
-                        <a:rPr kumimoji="0" lang="en-US" sz="1400" b="1" u="none" strike="noStrike" kern="1200" cap="none" normalizeH="0" baseline="30000" dirty="0">
+                        <a:rPr kumimoji="0" lang="en-US" sz="1200" b="1" u="none" strike="noStrike" kern="1200" cap="none" normalizeH="0" baseline="30000" dirty="0">
                           <a:ln>
                             <a:noFill/>
                           </a:ln>
@@ -12214,7 +12209,7 @@
                         <a:defRPr/>
                       </a:pPr>
                       <a:r>
-                        <a:rPr kumimoji="0" lang="en-US" sz="1400" u="none" strike="noStrike" cap="none" normalizeH="0" baseline="0" dirty="0">
+                        <a:rPr kumimoji="0" lang="en-US" sz="1200" u="none" strike="noStrike" cap="none" normalizeH="0" baseline="0" dirty="0">
                           <a:ln>
                             <a:noFill/>
                           </a:ln>
@@ -12223,7 +12218,7 @@
                         <a:t>Php</a:t>
                       </a:r>
                       <a:r>
-                        <a:rPr kumimoji="0" lang="ru-RU" sz="1400" u="none" strike="noStrike" cap="none" normalizeH="0" baseline="0" dirty="0">
+                        <a:rPr kumimoji="0" lang="ru-RU" sz="1200" u="none" strike="noStrike" cap="none" normalizeH="0" baseline="0" dirty="0">
                           <a:ln>
                             <a:noFill/>
                           </a:ln>
@@ -12232,7 +12227,7 @@
                         <a:t> </a:t>
                       </a:r>
                       <a:r>
-                        <a:rPr kumimoji="0" lang="en-US" sz="1400" b="1" u="none" strike="noStrike" kern="1200" cap="none" normalizeH="0" baseline="30000" dirty="0">
+                        <a:rPr kumimoji="0" lang="en-US" sz="1200" b="1" u="none" strike="noStrike" kern="1200" cap="none" normalizeH="0" baseline="30000" dirty="0">
                           <a:ln>
                             <a:noFill/>
                           </a:ln>
@@ -12273,7 +12268,7 @@
                         <a:defRPr/>
                       </a:pPr>
                       <a:r>
-                        <a:rPr kumimoji="0" lang="en-US" sz="1400" u="none" strike="noStrike" cap="none" normalizeH="0" baseline="0" dirty="0">
+                        <a:rPr kumimoji="0" lang="en-US" sz="1200" u="none" strike="noStrike" cap="none" normalizeH="0" baseline="0" dirty="0">
                           <a:ln>
                             <a:noFill/>
                           </a:ln>
@@ -12282,7 +12277,7 @@
                         <a:t>Ruby</a:t>
                       </a:r>
                       <a:r>
-                        <a:rPr kumimoji="0" lang="ru-RU" sz="1400" u="none" strike="noStrike" cap="none" normalizeH="0" baseline="0" dirty="0">
+                        <a:rPr kumimoji="0" lang="ru-RU" sz="1200" u="none" strike="noStrike" cap="none" normalizeH="0" baseline="0" dirty="0">
                           <a:ln>
                             <a:noFill/>
                           </a:ln>
@@ -12291,7 +12286,7 @@
                         <a:t> </a:t>
                       </a:r>
                       <a:r>
-                        <a:rPr kumimoji="0" lang="en-US" sz="1400" b="1" u="none" strike="noStrike" kern="1200" cap="none" normalizeH="0" baseline="30000" dirty="0">
+                        <a:rPr kumimoji="0" lang="en-US" sz="1200" b="1" u="none" strike="noStrike" kern="1200" cap="none" normalizeH="0" baseline="30000" dirty="0">
                           <a:ln>
                             <a:noFill/>
                           </a:ln>
@@ -14500,8 +14495,8 @@
         </p:nvSpPr>
         <p:spPr bwMode="auto">
           <a:xfrm>
-            <a:off x="107503" y="5728320"/>
-            <a:ext cx="3384225" cy="861774"/>
+            <a:off x="107503" y="5651376"/>
+            <a:ext cx="3384225" cy="1015663"/>
           </a:xfrm>
           <a:prstGeom prst="rect">
             <a:avLst/>
@@ -14633,6 +14628,31 @@
               </a:rPr>
               <a:t>https://ru.wikipedia.org/wiki/SharpDevelop</a:t>
             </a:r>
+            <a:endParaRPr lang="en-US" sz="1000" dirty="0">
+              <a:cs typeface="Arial" charset="0"/>
+            </a:endParaRPr>
+          </a:p>
+          <a:p>
+            <a:pPr indent="450850" algn="just" eaLnBrk="0" hangingPunct="0"/>
+            <a:r>
+              <a:rPr lang="en-US" sz="1000" dirty="0">
+                <a:cs typeface="Arial" charset="0"/>
+              </a:rPr>
+              <a:t>[5] </a:t>
+            </a:r>
+            <a:r>
+              <a:rPr lang="en-US" sz="1000" dirty="0">
+                <a:cs typeface="Arial" charset="0"/>
+                <a:hlinkClick r:id="rId6"/>
+              </a:rPr>
+              <a:t>https://github.com/eclipse/aCute</a:t>
+            </a:r>
+            <a:r>
+              <a:rPr lang="en-US" sz="1000" dirty="0">
+                <a:cs typeface="Arial" charset="0"/>
+              </a:rPr>
+              <a:t> </a:t>
+            </a:r>
             <a:r>
               <a:rPr lang="ru-RU" sz="1000" dirty="0">
                 <a:cs typeface="Arial" charset="0"/>
@@ -14654,14 +14674,14 @@
           <p:nvPr>
             <p:extLst>
               <p:ext uri="{D42A27DB-BD31-4B8C-83A1-F6EECF244321}">
-                <p14:modId xmlns:p14="http://schemas.microsoft.com/office/powerpoint/2010/main" val="1438870300"/>
+                <p14:modId xmlns:p14="http://schemas.microsoft.com/office/powerpoint/2010/main" val="3882017170"/>
               </p:ext>
             </p:extLst>
           </p:nvPr>
         </p:nvGraphicFramePr>
         <p:xfrm>
           <a:off x="467544" y="766652"/>
-          <a:ext cx="8280920" cy="4450080"/>
+          <a:ext cx="8280917" cy="4053840"/>
         </p:xfrm>
         <a:graphic>
           <a:graphicData uri="http://schemas.openxmlformats.org/drawingml/2006/table">
@@ -14670,38 +14690,45 @@
                 <a:tableStyleId>{D7AC3CCA-C797-4891-BE02-D94E43425B78}</a:tableStyleId>
               </a:tblPr>
               <a:tblGrid>
-                <a:gridCol w="2397108">
+                <a:gridCol w="2088232">
                   <a:extLst>
                     <a:ext uri="{9D8B030D-6E8A-4147-A177-3AD203B41FA5}">
                       <a16:colId xmlns:a16="http://schemas.microsoft.com/office/drawing/2014/main" val="20000"/>
                     </a:ext>
                   </a:extLst>
                 </a:gridCol>
-                <a:gridCol w="1491324">
+                <a:gridCol w="1238537">
                   <a:extLst>
                     <a:ext uri="{9D8B030D-6E8A-4147-A177-3AD203B41FA5}">
                       <a16:colId xmlns:a16="http://schemas.microsoft.com/office/drawing/2014/main" val="20001"/>
                     </a:ext>
                   </a:extLst>
                 </a:gridCol>
-                <a:gridCol w="1296144">
+                <a:gridCol w="1238537">
                   <a:extLst>
                     <a:ext uri="{9D8B030D-6E8A-4147-A177-3AD203B41FA5}">
                       <a16:colId xmlns:a16="http://schemas.microsoft.com/office/drawing/2014/main" val="20002"/>
                     </a:ext>
                   </a:extLst>
                 </a:gridCol>
-                <a:gridCol w="1425632">
+                <a:gridCol w="1238537">
                   <a:extLst>
                     <a:ext uri="{9D8B030D-6E8A-4147-A177-3AD203B41FA5}">
                       <a16:colId xmlns:a16="http://schemas.microsoft.com/office/drawing/2014/main" val="20003"/>
                     </a:ext>
                   </a:extLst>
                 </a:gridCol>
-                <a:gridCol w="1670712">
+                <a:gridCol w="1238537">
                   <a:extLst>
                     <a:ext uri="{9D8B030D-6E8A-4147-A177-3AD203B41FA5}">
                       <a16:colId xmlns:a16="http://schemas.microsoft.com/office/drawing/2014/main" val="1505116884"/>
+                    </a:ext>
+                  </a:extLst>
+                </a:gridCol>
+                <a:gridCol w="1238537">
+                  <a:extLst>
+                    <a:ext uri="{9D8B030D-6E8A-4147-A177-3AD203B41FA5}">
+                      <a16:colId xmlns:a16="http://schemas.microsoft.com/office/drawing/2014/main" val="59124449"/>
                     </a:ext>
                   </a:extLst>
                 </a:gridCol>
@@ -14729,7 +14756,7 @@
                         <a:tabLst/>
                       </a:pPr>
                       <a:r>
-                        <a:rPr kumimoji="0" lang="ru-RU" sz="1100" u="none" strike="noStrike" cap="none" normalizeH="0" baseline="0" dirty="0">
+                        <a:rPr kumimoji="0" lang="ru-RU" sz="1200" u="none" strike="noStrike" cap="none" normalizeH="0" baseline="0" dirty="0">
                           <a:ln>
                             <a:noFill/>
                           </a:ln>
@@ -14737,7 +14764,7 @@
                         </a:rPr>
                         <a:t>Критерий</a:t>
                       </a:r>
-                      <a:endParaRPr kumimoji="0" lang="ru-RU" sz="1600" b="0" i="0" u="none" strike="noStrike" cap="none" normalizeH="0" baseline="0" dirty="0">
+                      <a:endParaRPr kumimoji="0" lang="ru-RU" sz="1400" b="0" i="0" u="none" strike="noStrike" cap="none" normalizeH="0" baseline="0" dirty="0">
                         <a:ln>
                           <a:noFill/>
                         </a:ln>
@@ -14773,7 +14800,7 @@
                         <a:tabLst/>
                       </a:pPr>
                       <a:r>
-                        <a:rPr kumimoji="0" lang="en-US" sz="1400" b="1" u="none" strike="noStrike" kern="1200" cap="none" normalizeH="0" baseline="0" dirty="0">
+                        <a:rPr kumimoji="0" lang="en-US" sz="1200" b="1" u="none" strike="noStrike" kern="1200" cap="none" normalizeH="0" baseline="0" dirty="0">
                           <a:ln>
                             <a:noFill/>
                           </a:ln>
@@ -14788,7 +14815,7 @@
                         <a:t>Visual Studio</a:t>
                       </a:r>
                       <a:r>
-                        <a:rPr kumimoji="0" lang="en-US" sz="1400" b="1" u="none" strike="noStrike" kern="1200" cap="none" normalizeH="0" baseline="30000" dirty="0">
+                        <a:rPr kumimoji="0" lang="en-US" sz="1200" b="1" u="none" strike="noStrike" kern="1200" cap="none" normalizeH="0" baseline="30000" dirty="0">
                           <a:ln>
                             <a:noFill/>
                           </a:ln>
@@ -14832,7 +14859,7 @@
                         <a:tabLst/>
                       </a:pPr>
                       <a:r>
-                        <a:rPr kumimoji="0" lang="en-US" sz="1400" b="1" u="none" strike="noStrike" kern="1200" cap="none" normalizeH="0" baseline="0" dirty="0">
+                        <a:rPr kumimoji="0" lang="en-US" sz="1200" b="1" u="none" strike="noStrike" kern="1200" cap="none" normalizeH="0" baseline="0" dirty="0">
                           <a:ln>
                             <a:noFill/>
                           </a:ln>
@@ -14847,7 +14874,7 @@
                         <a:t>Rider</a:t>
                       </a:r>
                       <a:r>
-                        <a:rPr kumimoji="0" lang="en-US" sz="1400" b="1" u="none" strike="noStrike" kern="1200" cap="none" normalizeH="0" baseline="30000" dirty="0">
+                        <a:rPr kumimoji="0" lang="en-US" sz="1200" b="1" u="none" strike="noStrike" kern="1200" cap="none" normalizeH="0" baseline="30000" dirty="0">
                           <a:ln>
                             <a:noFill/>
                           </a:ln>
@@ -14887,7 +14914,7 @@
                         <a:tabLst/>
                       </a:pPr>
                       <a:r>
-                        <a:rPr kumimoji="0" lang="en-US" sz="1400" b="1" u="none" strike="noStrike" kern="1200" cap="none" normalizeH="0" baseline="0" dirty="0" err="1">
+                        <a:rPr kumimoji="0" lang="en-US" sz="1200" b="1" u="none" strike="noStrike" kern="1200" cap="none" normalizeH="0" baseline="0" dirty="0" err="1">
                           <a:ln>
                             <a:noFill/>
                           </a:ln>
@@ -14902,7 +14929,7 @@
                         <a:t>MonoDevelop</a:t>
                       </a:r>
                       <a:r>
-                        <a:rPr kumimoji="0" lang="en-US" sz="1400" b="1" u="none" strike="noStrike" kern="1200" cap="none" normalizeH="0" baseline="30000" dirty="0">
+                        <a:rPr kumimoji="0" lang="en-US" sz="1200" b="1" u="none" strike="noStrike" kern="1200" cap="none" normalizeH="0" baseline="30000" dirty="0">
                           <a:ln>
                             <a:noFill/>
                           </a:ln>
@@ -14942,7 +14969,7 @@
                         <a:tabLst/>
                       </a:pPr>
                       <a:r>
-                        <a:rPr kumimoji="0" lang="en-US" sz="1400" b="1" u="none" strike="noStrike" kern="1200" cap="none" normalizeH="0" baseline="0" dirty="0" err="1">
+                        <a:rPr kumimoji="0" lang="en-US" sz="1200" b="1" u="none" strike="noStrike" kern="1200" cap="none" normalizeH="0" baseline="0" dirty="0" err="1">
                           <a:ln>
                             <a:noFill/>
                           </a:ln>
@@ -14957,7 +14984,7 @@
                         <a:t>SharpDevelop</a:t>
                       </a:r>
                       <a:r>
-                        <a:rPr kumimoji="0" lang="en-US" sz="1400" b="1" u="none" strike="noStrike" kern="1200" cap="none" normalizeH="0" baseline="30000" dirty="0">
+                        <a:rPr kumimoji="0" lang="en-US" sz="1200" b="1" u="none" strike="noStrike" kern="1200" cap="none" normalizeH="0" baseline="30000" dirty="0">
                           <a:ln>
                             <a:noFill/>
                           </a:ln>
@@ -14970,6 +14997,77 @@
                           <a:cs typeface="+mn-cs"/>
                         </a:rPr>
                         <a:t>[4]</a:t>
+                      </a:r>
+                    </a:p>
+                  </a:txBody>
+                  <a:tcPr anchor="ctr" horzOverflow="overflow"/>
+                </a:tc>
+                <a:tc>
+                  <a:txBody>
+                    <a:bodyPr/>
+                    <a:lstStyle/>
+                    <a:p>
+                      <a:pPr marL="342900" marR="0" lvl="0" indent="-342900" algn="l" defTabSz="914400" rtl="0" eaLnBrk="1" fontAlgn="base" latinLnBrk="0" hangingPunct="1">
+                        <a:lnSpc>
+                          <a:spcPct val="100000"/>
+                        </a:lnSpc>
+                        <a:spcBef>
+                          <a:spcPct val="0"/>
+                        </a:spcBef>
+                        <a:spcAft>
+                          <a:spcPct val="0"/>
+                        </a:spcAft>
+                        <a:buClrTx/>
+                        <a:buSzTx/>
+                        <a:buFontTx/>
+                        <a:buNone/>
+                        <a:tabLst/>
+                        <a:defRPr/>
+                      </a:pPr>
+                      <a:r>
+                        <a:rPr kumimoji="0" lang="en-US" sz="1200" b="1" u="none" strike="noStrike" kern="1200" cap="none" normalizeH="0" baseline="0" dirty="0">
+                          <a:ln>
+                            <a:noFill/>
+                          </a:ln>
+                          <a:solidFill>
+                            <a:schemeClr val="dk1"/>
+                          </a:solidFill>
+                          <a:effectLst/>
+                          <a:latin typeface="+mn-lt"/>
+                          <a:ea typeface="+mn-ea"/>
+                          <a:cs typeface="+mn-cs"/>
+                        </a:rPr>
+                        <a:t>Eclipse </a:t>
+                      </a:r>
+                      <a:r>
+                        <a:rPr kumimoji="0" lang="en-US" sz="1200" b="1" u="none" strike="noStrike" kern="1200" cap="none" normalizeH="0" baseline="0" dirty="0" err="1">
+                          <a:ln>
+                            <a:noFill/>
+                          </a:ln>
+                          <a:solidFill>
+                            <a:schemeClr val="dk1"/>
+                          </a:solidFill>
+                          <a:effectLst/>
+                          <a:latin typeface="+mn-lt"/>
+                          <a:ea typeface="+mn-ea"/>
+                          <a:cs typeface="+mn-cs"/>
+                        </a:rPr>
+                        <a:t>aCute</a:t>
+                      </a:r>
+                      <a:r>
+                        <a:rPr kumimoji="0" lang="en-US" sz="1200" b="1" u="none" strike="noStrike" kern="1200" cap="none" normalizeH="0" baseline="30000" dirty="0">
+                          <a:ln>
+                            <a:noFill/>
+                          </a:ln>
+                          <a:solidFill>
+                            <a:schemeClr val="dk1"/>
+                          </a:solidFill>
+                          <a:effectLst/>
+                          <a:latin typeface="+mn-lt"/>
+                          <a:ea typeface="+mn-ea"/>
+                          <a:cs typeface="+mn-cs"/>
+                        </a:rPr>
+                        <a:t>[5]</a:t>
                       </a:r>
                     </a:p>
                   </a:txBody>
@@ -15001,7 +15099,7 @@
                     <a:lstStyle/>
                     <a:p>
                       <a:r>
-                        <a:rPr kumimoji="0" lang="ru-RU" sz="1600" b="1" u="none" strike="noStrike" kern="1200" cap="none" normalizeH="0" baseline="0" dirty="0">
+                        <a:rPr kumimoji="0" lang="ru-RU" sz="1400" b="1" u="none" strike="noStrike" kern="1200" cap="none" normalizeH="0" baseline="0" dirty="0">
                           <a:ln>
                             <a:noFill/>
                           </a:ln>
@@ -15029,7 +15127,7 @@
                     <a:lstStyle/>
                     <a:p>
                       <a:r>
-                        <a:rPr lang="ru-RU" sz="1600" dirty="0"/>
+                        <a:rPr lang="ru-RU" sz="1400" dirty="0"/>
                         <a:t>Бесплатно для студентов</a:t>
                       </a:r>
                     </a:p>
@@ -15042,7 +15140,7 @@
                     <a:lstStyle/>
                     <a:p>
                       <a:r>
-                        <a:rPr lang="ru-RU" sz="1600" dirty="0"/>
+                        <a:rPr lang="ru-RU" sz="1400" dirty="0"/>
                         <a:t>Да</a:t>
                       </a:r>
                     </a:p>
@@ -15055,7 +15153,20 @@
                     <a:lstStyle/>
                     <a:p>
                       <a:r>
-                        <a:rPr lang="ru-RU" sz="1600" dirty="0"/>
+                        <a:rPr lang="ru-RU" sz="1400" dirty="0"/>
+                        <a:t>Да</a:t>
+                      </a:r>
+                    </a:p>
+                  </a:txBody>
+                  <a:tcPr anchor="ctr" horzOverflow="overflow"/>
+                </a:tc>
+                <a:tc>
+                  <a:txBody>
+                    <a:bodyPr/>
+                    <a:lstStyle/>
+                    <a:p>
+                      <a:r>
+                        <a:rPr lang="ru-RU" sz="1400" dirty="0"/>
                         <a:t>Да</a:t>
                       </a:r>
                     </a:p>
@@ -15088,7 +15199,7 @@
                     <a:lstStyle/>
                     <a:p>
                       <a:r>
-                        <a:rPr kumimoji="0" lang="ru-RU" sz="1600" b="1" u="none" strike="noStrike" kern="1200" cap="none" normalizeH="0" baseline="0" dirty="0">
+                        <a:rPr kumimoji="0" lang="ru-RU" sz="1400" b="1" u="none" strike="noStrike" kern="1200" cap="none" normalizeH="0" baseline="0" dirty="0">
                           <a:ln>
                             <a:noFill/>
                           </a:ln>
@@ -15116,7 +15227,7 @@
                     <a:lstStyle/>
                     <a:p>
                       <a:r>
-                        <a:rPr lang="ru-RU" sz="1600" dirty="0"/>
+                        <a:rPr lang="ru-RU" sz="1400" dirty="0"/>
                         <a:t>Да</a:t>
                       </a:r>
                     </a:p>
@@ -15129,7 +15240,7 @@
                     <a:lstStyle/>
                     <a:p>
                       <a:r>
-                        <a:rPr lang="ru-RU" sz="1600" dirty="0"/>
+                        <a:rPr lang="ru-RU" sz="1400" dirty="0"/>
                         <a:t>Да</a:t>
                       </a:r>
                     </a:p>
@@ -15142,7 +15253,20 @@
                     <a:lstStyle/>
                     <a:p>
                       <a:r>
-                        <a:rPr lang="ru-RU" sz="1600" dirty="0"/>
+                        <a:rPr lang="ru-RU" sz="1400" dirty="0"/>
+                        <a:t>Да</a:t>
+                      </a:r>
+                    </a:p>
+                  </a:txBody>
+                  <a:tcPr anchor="ctr" horzOverflow="overflow"/>
+                </a:tc>
+                <a:tc>
+                  <a:txBody>
+                    <a:bodyPr/>
+                    <a:lstStyle/>
+                    <a:p>
+                      <a:r>
+                        <a:rPr lang="ru-RU" sz="1400" dirty="0"/>
                         <a:t>Да</a:t>
                       </a:r>
                     </a:p>
@@ -15175,7 +15299,7 @@
                     <a:lstStyle/>
                     <a:p>
                       <a:r>
-                        <a:rPr kumimoji="0" lang="ru-RU" sz="1600" b="1" u="none" strike="noStrike" kern="1200" cap="none" normalizeH="0" baseline="0" dirty="0">
+                        <a:rPr kumimoji="0" lang="ru-RU" sz="1400" b="1" u="none" strike="noStrike" kern="1200" cap="none" normalizeH="0" baseline="0" dirty="0">
                           <a:ln>
                             <a:noFill/>
                           </a:ln>
@@ -15203,7 +15327,7 @@
                     <a:lstStyle/>
                     <a:p>
                       <a:r>
-                        <a:rPr lang="ru-RU" sz="1600" dirty="0"/>
+                        <a:rPr lang="ru-RU" sz="1400" dirty="0"/>
                         <a:t>Да</a:t>
                       </a:r>
                     </a:p>
@@ -15216,7 +15340,7 @@
                     <a:lstStyle/>
                     <a:p>
                       <a:r>
-                        <a:rPr lang="ru-RU" sz="1600" dirty="0"/>
+                        <a:rPr lang="ru-RU" sz="1400" dirty="0"/>
                         <a:t>Да</a:t>
                       </a:r>
                     </a:p>
@@ -15229,7 +15353,20 @@
                     <a:lstStyle/>
                     <a:p>
                       <a:r>
-                        <a:rPr lang="ru-RU" sz="1600" dirty="0"/>
+                        <a:rPr lang="ru-RU" sz="1400" dirty="0"/>
+                        <a:t>Да</a:t>
+                      </a:r>
+                    </a:p>
+                  </a:txBody>
+                  <a:tcPr anchor="ctr" horzOverflow="overflow"/>
+                </a:tc>
+                <a:tc>
+                  <a:txBody>
+                    <a:bodyPr/>
+                    <a:lstStyle/>
+                    <a:p>
+                      <a:r>
+                        <a:rPr lang="ru-RU" sz="1400" dirty="0"/>
                         <a:t>Да</a:t>
                       </a:r>
                     </a:p>
@@ -15262,7 +15399,7 @@
                     <a:lstStyle/>
                     <a:p>
                       <a:r>
-                        <a:rPr kumimoji="0" lang="ru-RU" sz="1600" b="1" u="none" strike="noStrike" kern="1200" cap="none" normalizeH="0" baseline="0" dirty="0">
+                        <a:rPr kumimoji="0" lang="ru-RU" sz="1400" b="1" u="none" strike="noStrike" kern="1200" cap="none" normalizeH="0" baseline="0" dirty="0">
                           <a:ln>
                             <a:noFill/>
                           </a:ln>
@@ -15290,7 +15427,7 @@
                     <a:lstStyle/>
                     <a:p>
                       <a:r>
-                        <a:rPr lang="ru-RU" sz="1600" dirty="0"/>
+                        <a:rPr lang="ru-RU" sz="1400" dirty="0"/>
                         <a:t>Да</a:t>
                       </a:r>
                     </a:p>
@@ -15303,7 +15440,7 @@
                     <a:lstStyle/>
                     <a:p>
                       <a:r>
-                        <a:rPr lang="ru-RU" sz="1600" dirty="0"/>
+                        <a:rPr lang="ru-RU" sz="1400" dirty="0"/>
                         <a:t>Да</a:t>
                       </a:r>
                     </a:p>
@@ -15316,7 +15453,20 @@
                     <a:lstStyle/>
                     <a:p>
                       <a:r>
-                        <a:rPr lang="ru-RU" sz="1600" dirty="0"/>
+                        <a:rPr lang="ru-RU" sz="1400" dirty="0"/>
+                        <a:t>Да</a:t>
+                      </a:r>
+                    </a:p>
+                  </a:txBody>
+                  <a:tcPr anchor="ctr" horzOverflow="overflow"/>
+                </a:tc>
+                <a:tc>
+                  <a:txBody>
+                    <a:bodyPr/>
+                    <a:lstStyle/>
+                    <a:p>
+                      <a:r>
+                        <a:rPr lang="ru-RU" sz="1400" dirty="0"/>
                         <a:t>Да</a:t>
                       </a:r>
                     </a:p>
@@ -15349,7 +15499,7 @@
                     <a:lstStyle/>
                     <a:p>
                       <a:r>
-                        <a:rPr kumimoji="0" lang="ru-RU" sz="1600" b="1" u="none" strike="noStrike" kern="1200" cap="none" normalizeH="0" baseline="0" dirty="0">
+                        <a:rPr kumimoji="0" lang="ru-RU" sz="1400" b="1" u="none" strike="noStrike" kern="1200" cap="none" normalizeH="0" baseline="0" dirty="0">
                           <a:ln>
                             <a:noFill/>
                           </a:ln>
@@ -15377,7 +15527,7 @@
                     <a:lstStyle/>
                     <a:p>
                       <a:r>
-                        <a:rPr lang="ru-RU" sz="1600" dirty="0"/>
+                        <a:rPr lang="ru-RU" sz="1400" dirty="0"/>
                         <a:t>Да</a:t>
                       </a:r>
                     </a:p>
@@ -15390,7 +15540,7 @@
                     <a:lstStyle/>
                     <a:p>
                       <a:r>
-                        <a:rPr lang="ru-RU" sz="1600" dirty="0"/>
+                        <a:rPr lang="ru-RU" sz="1400" dirty="0"/>
                         <a:t>Да</a:t>
                       </a:r>
                     </a:p>
@@ -15403,7 +15553,20 @@
                     <a:lstStyle/>
                     <a:p>
                       <a:r>
-                        <a:rPr lang="ru-RU" sz="1600" dirty="0"/>
+                        <a:rPr lang="ru-RU" sz="1400" dirty="0"/>
+                        <a:t>Да</a:t>
+                      </a:r>
+                    </a:p>
+                  </a:txBody>
+                  <a:tcPr anchor="ctr" horzOverflow="overflow"/>
+                </a:tc>
+                <a:tc>
+                  <a:txBody>
+                    <a:bodyPr/>
+                    <a:lstStyle/>
+                    <a:p>
+                      <a:r>
+                        <a:rPr lang="ru-RU" sz="1400" dirty="0"/>
                         <a:t>Да</a:t>
                       </a:r>
                     </a:p>
@@ -15436,7 +15599,7 @@
                     <a:lstStyle/>
                     <a:p>
                       <a:r>
-                        <a:rPr kumimoji="0" lang="ru-RU" sz="1600" b="1" u="none" strike="noStrike" kern="1200" cap="none" normalizeH="0" baseline="0" dirty="0">
+                        <a:rPr kumimoji="0" lang="ru-RU" sz="1400" b="1" u="none" strike="noStrike" kern="1200" cap="none" normalizeH="0" baseline="0" dirty="0">
                           <a:ln>
                             <a:noFill/>
                           </a:ln>
@@ -15464,7 +15627,7 @@
                     <a:lstStyle/>
                     <a:p>
                       <a:r>
-                        <a:rPr lang="ru-RU" sz="1600" dirty="0"/>
+                        <a:rPr lang="ru-RU" sz="1400" dirty="0"/>
                         <a:t>Необходимы расширения</a:t>
                       </a:r>
                     </a:p>
@@ -15477,7 +15640,7 @@
                     <a:lstStyle/>
                     <a:p>
                       <a:r>
-                        <a:rPr lang="ru-RU" sz="1600" dirty="0"/>
+                        <a:rPr lang="ru-RU" sz="1400" dirty="0"/>
                         <a:t>Нет</a:t>
                       </a:r>
                     </a:p>
@@ -15490,8 +15653,38 @@
                     <a:lstStyle/>
                     <a:p>
                       <a:r>
-                        <a:rPr lang="ru-RU" sz="1600" dirty="0"/>
+                        <a:rPr lang="ru-RU" sz="1400" dirty="0"/>
                         <a:t>Да</a:t>
+                      </a:r>
+                    </a:p>
+                  </a:txBody>
+                  <a:tcPr anchor="ctr" horzOverflow="overflow"/>
+                </a:tc>
+                <a:tc>
+                  <a:txBody>
+                    <a:bodyPr/>
+                    <a:lstStyle/>
+                    <a:p>
+                      <a:pPr marL="0" marR="0" lvl="0" indent="0" algn="l" defTabSz="914400" rtl="0" eaLnBrk="1" fontAlgn="auto" latinLnBrk="0" hangingPunct="1">
+                        <a:lnSpc>
+                          <a:spcPct val="100000"/>
+                        </a:lnSpc>
+                        <a:spcBef>
+                          <a:spcPts val="0"/>
+                        </a:spcBef>
+                        <a:spcAft>
+                          <a:spcPts val="0"/>
+                        </a:spcAft>
+                        <a:buClrTx/>
+                        <a:buSzTx/>
+                        <a:buFontTx/>
+                        <a:buNone/>
+                        <a:tabLst/>
+                        <a:defRPr/>
+                      </a:pPr>
+                      <a:r>
+                        <a:rPr lang="ru-RU" sz="1400" dirty="0"/>
+                        <a:t>Необходимы расширения</a:t>
                       </a:r>
                     </a:p>
                   </a:txBody>
@@ -15523,7 +15716,7 @@
                     <a:lstStyle/>
                     <a:p>
                       <a:r>
-                        <a:rPr kumimoji="0" lang="ru-RU" sz="1600" b="1" u="none" strike="noStrike" kern="1200" cap="none" normalizeH="0" baseline="0" dirty="0">
+                        <a:rPr kumimoji="0" lang="ru-RU" sz="1400" b="1" u="none" strike="noStrike" kern="1200" cap="none" normalizeH="0" baseline="0" dirty="0">
                           <a:ln>
                             <a:noFill/>
                           </a:ln>
@@ -15551,7 +15744,7 @@
                     <a:lstStyle/>
                     <a:p>
                       <a:r>
-                        <a:rPr lang="ru-RU" sz="1600" dirty="0"/>
+                        <a:rPr lang="ru-RU" sz="1400" dirty="0"/>
                         <a:t>Да</a:t>
                       </a:r>
                     </a:p>
@@ -15564,7 +15757,7 @@
                     <a:lstStyle/>
                     <a:p>
                       <a:r>
-                        <a:rPr lang="ru-RU" sz="1600" dirty="0"/>
+                        <a:rPr lang="ru-RU" sz="1400" dirty="0"/>
                         <a:t>Нет</a:t>
                       </a:r>
                     </a:p>
@@ -15577,7 +15770,20 @@
                     <a:lstStyle/>
                     <a:p>
                       <a:r>
-                        <a:rPr lang="ru-RU" sz="1600" dirty="0"/>
+                        <a:rPr lang="ru-RU" sz="1400" dirty="0"/>
+                        <a:t>Нет</a:t>
+                      </a:r>
+                    </a:p>
+                  </a:txBody>
+                  <a:tcPr anchor="ctr" horzOverflow="overflow"/>
+                </a:tc>
+                <a:tc>
+                  <a:txBody>
+                    <a:bodyPr/>
+                    <a:lstStyle/>
+                    <a:p>
+                      <a:r>
+                        <a:rPr lang="ru-RU" sz="1400" dirty="0"/>
                         <a:t>Нет</a:t>
                       </a:r>
                     </a:p>
@@ -15610,7 +15816,7 @@
                     <a:lstStyle/>
                     <a:p>
                       <a:r>
-                        <a:rPr kumimoji="0" lang="ru-RU" sz="1600" b="1" u="none" strike="noStrike" kern="1200" cap="none" normalizeH="0" baseline="0" dirty="0">
+                        <a:rPr kumimoji="0" lang="ru-RU" sz="1400" b="1" u="none" strike="noStrike" kern="1200" cap="none" normalizeH="0" baseline="0" dirty="0">
                           <a:ln>
                             <a:noFill/>
                           </a:ln>
@@ -15638,7 +15844,7 @@
                     <a:lstStyle/>
                     <a:p>
                       <a:r>
-                        <a:rPr lang="ru-RU" sz="1600" dirty="0"/>
+                        <a:rPr lang="ru-RU" sz="1400" dirty="0"/>
                         <a:t>Да</a:t>
                       </a:r>
                     </a:p>
@@ -15651,7 +15857,7 @@
                     <a:lstStyle/>
                     <a:p>
                       <a:r>
-                        <a:rPr lang="ru-RU" sz="1600" dirty="0"/>
+                        <a:rPr lang="ru-RU" sz="1400" dirty="0"/>
                         <a:t>Да</a:t>
                       </a:r>
                     </a:p>
@@ -15664,8 +15870,21 @@
                     <a:lstStyle/>
                     <a:p>
                       <a:r>
-                        <a:rPr lang="ru-RU" sz="1600" dirty="0"/>
+                        <a:rPr lang="ru-RU" sz="1400" dirty="0"/>
                         <a:t>Нет</a:t>
+                      </a:r>
+                    </a:p>
+                  </a:txBody>
+                  <a:tcPr anchor="ctr" horzOverflow="overflow"/>
+                </a:tc>
+                <a:tc>
+                  <a:txBody>
+                    <a:bodyPr/>
+                    <a:lstStyle/>
+                    <a:p>
+                      <a:r>
+                        <a:rPr lang="ru-RU" sz="1400" dirty="0"/>
+                        <a:t>Да</a:t>
                       </a:r>
                     </a:p>
                   </a:txBody>
@@ -20101,21 +20320,68 @@
       </p:grpSpPr>
       <p:sp>
         <p:nvSpPr>
-          <p:cNvPr id="2" name="Заголовок 1">
-            <a:extLst>
-              <a:ext uri="{FF2B5EF4-FFF2-40B4-BE49-F238E27FC236}">
-                <a16:creationId xmlns:a16="http://schemas.microsoft.com/office/drawing/2014/main" id="{478BD7F8-C5BF-4176-94FD-915CD0597BB4}"/>
-              </a:ext>
-            </a:extLst>
-          </p:cNvPr>
+          <p:cNvPr id="4" name="Rectangle 23"/>
           <p:cNvSpPr>
-            <a:spLocks noGrp="1"/>
+            <a:spLocks noChangeArrowheads="1"/>
           </p:cNvSpPr>
-          <p:nvPr>
-            <p:ph type="title"/>
-          </p:nvPr>
+          <p:nvPr/>
         </p:nvSpPr>
-        <p:spPr/>
+        <p:spPr bwMode="auto">
+          <a:xfrm>
+            <a:off x="251520" y="260648"/>
+            <a:ext cx="8642350" cy="427038"/>
+          </a:xfrm>
+          <a:prstGeom prst="rect">
+            <a:avLst/>
+          </a:prstGeom>
+          <a:noFill/>
+          <a:ln w="9525">
+            <a:noFill/>
+            <a:miter lim="800000"/>
+            <a:headEnd/>
+            <a:tailEnd/>
+          </a:ln>
+        </p:spPr>
+        <p:txBody>
+          <a:bodyPr>
+            <a:spAutoFit/>
+          </a:bodyPr>
+          <a:lstStyle/>
+          <a:p>
+            <a:pPr algn="ctr"/>
+            <a:r>
+              <a:rPr lang="ru-RU" sz="2200" b="1" dirty="0"/>
+              <a:t>Пользовательский интерфейс. Экранные формы</a:t>
+            </a:r>
+          </a:p>
+        </p:txBody>
+      </p:sp>
+      <p:sp>
+        <p:nvSpPr>
+          <p:cNvPr id="5" name="Line 137"/>
+          <p:cNvSpPr>
+            <a:spLocks noChangeShapeType="1"/>
+          </p:cNvSpPr>
+          <p:nvPr/>
+        </p:nvSpPr>
+        <p:spPr bwMode="auto">
+          <a:xfrm>
+            <a:off x="193675" y="188913"/>
+            <a:ext cx="0" cy="6480175"/>
+          </a:xfrm>
+          <a:prstGeom prst="line">
+            <a:avLst/>
+          </a:prstGeom>
+          <a:noFill/>
+          <a:ln w="12700" cap="sq">
+            <a:solidFill>
+              <a:schemeClr val="tx1"/>
+            </a:solidFill>
+            <a:round/>
+            <a:headEnd/>
+            <a:tailEnd/>
+          </a:ln>
+        </p:spPr>
         <p:txBody>
           <a:bodyPr/>
           <a:lstStyle/>
@@ -20126,21 +20392,839 @@
       </p:sp>
       <p:sp>
         <p:nvSpPr>
-          <p:cNvPr id="3" name="Объект 2">
-            <a:extLst>
-              <a:ext uri="{FF2B5EF4-FFF2-40B4-BE49-F238E27FC236}">
-                <a16:creationId xmlns:a16="http://schemas.microsoft.com/office/drawing/2014/main" id="{4F7C4C38-21A7-4032-ABE4-2168962DCD10}"/>
-              </a:ext>
-            </a:extLst>
-          </p:cNvPr>
+          <p:cNvPr id="6" name="Line 138"/>
           <p:cNvSpPr>
-            <a:spLocks noGrp="1"/>
+            <a:spLocks noChangeShapeType="1"/>
           </p:cNvSpPr>
+          <p:nvPr/>
+        </p:nvSpPr>
+        <p:spPr bwMode="auto">
+          <a:xfrm>
+            <a:off x="8978900" y="188913"/>
+            <a:ext cx="0" cy="6480175"/>
+          </a:xfrm>
+          <a:prstGeom prst="line">
+            <a:avLst/>
+          </a:prstGeom>
+          <a:noFill/>
+          <a:ln w="12700" cap="sq">
+            <a:solidFill>
+              <a:schemeClr val="tx1"/>
+            </a:solidFill>
+            <a:round/>
+            <a:headEnd/>
+            <a:tailEnd/>
+          </a:ln>
+        </p:spPr>
+        <p:txBody>
+          <a:bodyPr/>
+          <a:lstStyle/>
+          <a:p>
+            <a:endParaRPr lang="ru-RU"/>
+          </a:p>
+        </p:txBody>
+      </p:sp>
+      <p:graphicFrame>
+        <p:nvGraphicFramePr>
+          <p:cNvPr id="7" name="Group 10"/>
+          <p:cNvGraphicFramePr>
+            <a:graphicFrameLocks noGrp="1"/>
+          </p:cNvGraphicFramePr>
           <p:nvPr>
-            <p:ph idx="1"/>
+            <p:extLst>
+              <p:ext uri="{D42A27DB-BD31-4B8C-83A1-F6EECF244321}">
+                <p14:modId xmlns:p14="http://schemas.microsoft.com/office/powerpoint/2010/main" val="3225531491"/>
+              </p:ext>
+            </p:extLst>
           </p:nvPr>
+        </p:nvGraphicFramePr>
+        <p:xfrm>
+          <a:off x="6156325" y="6254750"/>
+          <a:ext cx="2822575" cy="412740"/>
+        </p:xfrm>
+        <a:graphic>
+          <a:graphicData uri="http://schemas.openxmlformats.org/drawingml/2006/table">
+            <a:tbl>
+              <a:tblPr/>
+              <a:tblGrid>
+                <a:gridCol w="792163">
+                  <a:extLst>
+                    <a:ext uri="{9D8B030D-6E8A-4147-A177-3AD203B41FA5}">
+                      <a16:colId xmlns:a16="http://schemas.microsoft.com/office/drawing/2014/main" val="20000"/>
+                    </a:ext>
+                  </a:extLst>
+                </a:gridCol>
+                <a:gridCol w="1008062">
+                  <a:extLst>
+                    <a:ext uri="{9D8B030D-6E8A-4147-A177-3AD203B41FA5}">
+                      <a16:colId xmlns:a16="http://schemas.microsoft.com/office/drawing/2014/main" val="20001"/>
+                    </a:ext>
+                  </a:extLst>
+                </a:gridCol>
+                <a:gridCol w="649288">
+                  <a:extLst>
+                    <a:ext uri="{9D8B030D-6E8A-4147-A177-3AD203B41FA5}">
+                      <a16:colId xmlns:a16="http://schemas.microsoft.com/office/drawing/2014/main" val="20002"/>
+                    </a:ext>
+                  </a:extLst>
+                </a:gridCol>
+                <a:gridCol w="373062">
+                  <a:extLst>
+                    <a:ext uri="{9D8B030D-6E8A-4147-A177-3AD203B41FA5}">
+                      <a16:colId xmlns:a16="http://schemas.microsoft.com/office/drawing/2014/main" val="20003"/>
+                    </a:ext>
+                  </a:extLst>
+                </a:gridCol>
+              </a:tblGrid>
+              <a:tr h="0">
+                <a:tc>
+                  <a:txBody>
+                    <a:bodyPr/>
+                    <a:lstStyle/>
+                    <a:p>
+                      <a:pPr marL="0" marR="0" lvl="0" indent="0" algn="l" defTabSz="914400" rtl="0" eaLnBrk="1" fontAlgn="base" latinLnBrk="0" hangingPunct="1">
+                        <a:lnSpc>
+                          <a:spcPct val="100000"/>
+                        </a:lnSpc>
+                        <a:spcBef>
+                          <a:spcPct val="0"/>
+                        </a:spcBef>
+                        <a:spcAft>
+                          <a:spcPct val="0"/>
+                        </a:spcAft>
+                        <a:buClrTx/>
+                        <a:buSzTx/>
+                        <a:buFontTx/>
+                        <a:buNone/>
+                        <a:tabLst/>
+                      </a:pPr>
+                      <a:r>
+                        <a:rPr kumimoji="0" lang="ru-RU" sz="1000" b="0" i="0" u="none" strike="noStrike" cap="none" normalizeH="0" baseline="0" dirty="0">
+                          <a:ln>
+                            <a:noFill/>
+                          </a:ln>
+                          <a:solidFill>
+                            <a:schemeClr val="tx1"/>
+                          </a:solidFill>
+                          <a:effectLst/>
+                          <a:latin typeface="Times New Roman" pitchFamily="18" charset="0"/>
+                          <a:cs typeface="Times New Roman" pitchFamily="18" charset="0"/>
+                        </a:rPr>
+                        <a:t>Разработал</a:t>
+                      </a:r>
+                      <a:endParaRPr kumimoji="0" lang="ru-RU" sz="1000" b="0" i="0" u="none" strike="noStrike" cap="none" normalizeH="0" baseline="0" dirty="0">
+                        <a:ln>
+                          <a:noFill/>
+                        </a:ln>
+                        <a:solidFill>
+                          <a:schemeClr val="tx1"/>
+                        </a:solidFill>
+                        <a:effectLst/>
+                        <a:latin typeface="Arial" charset="0"/>
+                      </a:endParaRPr>
+                    </a:p>
+                  </a:txBody>
+                  <a:tcPr marL="71962" marR="71962" marT="17991" marB="35979" horzOverflow="overflow">
+                    <a:lnL w="12700" cap="flat" cmpd="sng" algn="ctr">
+                      <a:solidFill>
+                        <a:srgbClr val="000000"/>
+                      </a:solidFill>
+                      <a:prstDash val="solid"/>
+                      <a:round/>
+                      <a:headEnd type="none" w="med" len="med"/>
+                      <a:tailEnd type="none" w="med" len="med"/>
+                    </a:lnL>
+                    <a:lnR w="12700" cap="flat" cmpd="sng" algn="ctr">
+                      <a:solidFill>
+                        <a:srgbClr val="000000"/>
+                      </a:solidFill>
+                      <a:prstDash val="solid"/>
+                      <a:round/>
+                      <a:headEnd type="none" w="med" len="med"/>
+                      <a:tailEnd type="none" w="med" len="med"/>
+                    </a:lnR>
+                    <a:lnT w="12700" cap="flat" cmpd="sng" algn="ctr">
+                      <a:solidFill>
+                        <a:srgbClr val="000000"/>
+                      </a:solidFill>
+                      <a:prstDash val="solid"/>
+                      <a:round/>
+                      <a:headEnd type="none" w="med" len="med"/>
+                      <a:tailEnd type="none" w="med" len="med"/>
+                    </a:lnT>
+                    <a:lnB w="12700" cap="flat" cmpd="sng" algn="ctr">
+                      <a:solidFill>
+                        <a:srgbClr val="000000"/>
+                      </a:solidFill>
+                      <a:prstDash val="solid"/>
+                      <a:round/>
+                      <a:headEnd type="none" w="med" len="med"/>
+                      <a:tailEnd type="none" w="med" len="med"/>
+                    </a:lnB>
+                    <a:lnTlToBr>
+                      <a:noFill/>
+                    </a:lnTlToBr>
+                    <a:lnBlToTr>
+                      <a:noFill/>
+                    </a:lnBlToTr>
+                    <a:noFill/>
+                  </a:tcPr>
+                </a:tc>
+                <a:tc>
+                  <a:txBody>
+                    <a:bodyPr/>
+                    <a:lstStyle/>
+                    <a:p>
+                      <a:pPr marL="0" marR="0" lvl="0" indent="0" algn="l" defTabSz="914400" rtl="0" eaLnBrk="1" fontAlgn="base" latinLnBrk="0" hangingPunct="1">
+                        <a:lnSpc>
+                          <a:spcPct val="100000"/>
+                        </a:lnSpc>
+                        <a:spcBef>
+                          <a:spcPct val="0"/>
+                        </a:spcBef>
+                        <a:spcAft>
+                          <a:spcPct val="0"/>
+                        </a:spcAft>
+                        <a:buClrTx/>
+                        <a:buSzTx/>
+                        <a:buFontTx/>
+                        <a:buNone/>
+                        <a:tabLst/>
+                      </a:pPr>
+                      <a:r>
+                        <a:rPr kumimoji="0" lang="ru-RU" sz="1000" b="0" i="0" u="none" strike="noStrike" cap="none" normalizeH="0" baseline="0" dirty="0">
+                          <a:ln>
+                            <a:noFill/>
+                          </a:ln>
+                          <a:solidFill>
+                            <a:schemeClr val="tx1"/>
+                          </a:solidFill>
+                          <a:effectLst/>
+                          <a:latin typeface="Times New Roman" pitchFamily="18" charset="0"/>
+                          <a:cs typeface="Times New Roman" pitchFamily="18" charset="0"/>
+                        </a:rPr>
+                        <a:t>Мясников М.А.</a:t>
+                      </a:r>
+                    </a:p>
+                  </a:txBody>
+                  <a:tcPr marL="71962" marR="71962" marT="17991" marB="35979" horzOverflow="overflow">
+                    <a:lnL w="12700" cap="flat" cmpd="sng" algn="ctr">
+                      <a:solidFill>
+                        <a:srgbClr val="000000"/>
+                      </a:solidFill>
+                      <a:prstDash val="solid"/>
+                      <a:round/>
+                      <a:headEnd type="none" w="med" len="med"/>
+                      <a:tailEnd type="none" w="med" len="med"/>
+                    </a:lnL>
+                    <a:lnR w="12700" cap="flat" cmpd="sng" algn="ctr">
+                      <a:solidFill>
+                        <a:srgbClr val="000000"/>
+                      </a:solidFill>
+                      <a:prstDash val="solid"/>
+                      <a:round/>
+                      <a:headEnd type="none" w="med" len="med"/>
+                      <a:tailEnd type="none" w="med" len="med"/>
+                    </a:lnR>
+                    <a:lnT w="12700" cap="flat" cmpd="sng" algn="ctr">
+                      <a:solidFill>
+                        <a:srgbClr val="000000"/>
+                      </a:solidFill>
+                      <a:prstDash val="solid"/>
+                      <a:round/>
+                      <a:headEnd type="none" w="med" len="med"/>
+                      <a:tailEnd type="none" w="med" len="med"/>
+                    </a:lnT>
+                    <a:lnB w="12700" cap="flat" cmpd="sng" algn="ctr">
+                      <a:solidFill>
+                        <a:srgbClr val="000000"/>
+                      </a:solidFill>
+                      <a:prstDash val="solid"/>
+                      <a:round/>
+                      <a:headEnd type="none" w="med" len="med"/>
+                      <a:tailEnd type="none" w="med" len="med"/>
+                    </a:lnB>
+                    <a:lnTlToBr>
+                      <a:noFill/>
+                    </a:lnTlToBr>
+                    <a:lnBlToTr>
+                      <a:noFill/>
+                    </a:lnBlToTr>
+                    <a:noFill/>
+                  </a:tcPr>
+                </a:tc>
+                <a:tc>
+                  <a:txBody>
+                    <a:bodyPr/>
+                    <a:lstStyle/>
+                    <a:p>
+                      <a:pPr marL="0" marR="0" lvl="0" indent="0" algn="l" defTabSz="914400" rtl="0" eaLnBrk="1" fontAlgn="base" latinLnBrk="0" hangingPunct="1">
+                        <a:lnSpc>
+                          <a:spcPct val="100000"/>
+                        </a:lnSpc>
+                        <a:spcBef>
+                          <a:spcPct val="20000"/>
+                        </a:spcBef>
+                        <a:spcAft>
+                          <a:spcPct val="0"/>
+                        </a:spcAft>
+                        <a:buClrTx/>
+                        <a:buSzTx/>
+                        <a:buFontTx/>
+                        <a:buNone/>
+                        <a:tabLst/>
+                      </a:pPr>
+                      <a:endParaRPr kumimoji="0" lang="ru-RU" sz="1000" b="0" i="0" u="none" strike="noStrike" cap="none" normalizeH="0" baseline="0">
+                        <a:ln>
+                          <a:noFill/>
+                        </a:ln>
+                        <a:solidFill>
+                          <a:schemeClr val="tx1"/>
+                        </a:solidFill>
+                        <a:effectLst/>
+                        <a:latin typeface="Arial" charset="0"/>
+                      </a:endParaRPr>
+                    </a:p>
+                  </a:txBody>
+                  <a:tcPr marL="71962" marR="71962" marT="17991" marB="35979" horzOverflow="overflow">
+                    <a:lnL w="12700" cap="flat" cmpd="sng" algn="ctr">
+                      <a:solidFill>
+                        <a:srgbClr val="000000"/>
+                      </a:solidFill>
+                      <a:prstDash val="solid"/>
+                      <a:round/>
+                      <a:headEnd type="none" w="med" len="med"/>
+                      <a:tailEnd type="none" w="med" len="med"/>
+                    </a:lnL>
+                    <a:lnR w="12700" cap="flat" cmpd="sng" algn="ctr">
+                      <a:solidFill>
+                        <a:srgbClr val="000000"/>
+                      </a:solidFill>
+                      <a:prstDash val="solid"/>
+                      <a:round/>
+                      <a:headEnd type="none" w="med" len="med"/>
+                      <a:tailEnd type="none" w="med" len="med"/>
+                    </a:lnR>
+                    <a:lnT w="12700" cap="flat" cmpd="sng" algn="ctr">
+                      <a:solidFill>
+                        <a:srgbClr val="000000"/>
+                      </a:solidFill>
+                      <a:prstDash val="solid"/>
+                      <a:round/>
+                      <a:headEnd type="none" w="med" len="med"/>
+                      <a:tailEnd type="none" w="med" len="med"/>
+                    </a:lnT>
+                    <a:lnB w="12700" cap="flat" cmpd="sng" algn="ctr">
+                      <a:solidFill>
+                        <a:srgbClr val="000000"/>
+                      </a:solidFill>
+                      <a:prstDash val="solid"/>
+                      <a:round/>
+                      <a:headEnd type="none" w="med" len="med"/>
+                      <a:tailEnd type="none" w="med" len="med"/>
+                    </a:lnB>
+                    <a:lnTlToBr>
+                      <a:noFill/>
+                    </a:lnTlToBr>
+                    <a:lnBlToTr>
+                      <a:noFill/>
+                    </a:lnBlToTr>
+                    <a:noFill/>
+                  </a:tcPr>
+                </a:tc>
+                <a:tc>
+                  <a:txBody>
+                    <a:bodyPr/>
+                    <a:lstStyle/>
+                    <a:p>
+                      <a:pPr marL="0" marR="0" lvl="0" indent="0" algn="l" defTabSz="914400" rtl="0" eaLnBrk="1" fontAlgn="base" latinLnBrk="0" hangingPunct="1">
+                        <a:lnSpc>
+                          <a:spcPct val="100000"/>
+                        </a:lnSpc>
+                        <a:spcBef>
+                          <a:spcPct val="20000"/>
+                        </a:spcBef>
+                        <a:spcAft>
+                          <a:spcPct val="0"/>
+                        </a:spcAft>
+                        <a:buClrTx/>
+                        <a:buSzTx/>
+                        <a:buFontTx/>
+                        <a:buNone/>
+                        <a:tabLst/>
+                      </a:pPr>
+                      <a:r>
+                        <a:rPr kumimoji="0" lang="ru-RU" sz="1000" b="0" i="0" u="none" strike="noStrike" cap="none" normalizeH="0" baseline="0" dirty="0">
+                          <a:ln>
+                            <a:noFill/>
+                          </a:ln>
+                          <a:solidFill>
+                            <a:schemeClr val="tx1"/>
+                          </a:solidFill>
+                          <a:effectLst/>
+                          <a:latin typeface="Times New Roman" pitchFamily="18" charset="0"/>
+                        </a:rPr>
+                        <a:t>8</a:t>
+                      </a:r>
+                    </a:p>
+                  </a:txBody>
+                  <a:tcPr marL="71962" marR="71962" marT="17991" marB="35979" horzOverflow="overflow">
+                    <a:lnL w="12700" cap="flat" cmpd="sng" algn="ctr">
+                      <a:solidFill>
+                        <a:srgbClr val="000000"/>
+                      </a:solidFill>
+                      <a:prstDash val="solid"/>
+                      <a:round/>
+                      <a:headEnd type="none" w="med" len="med"/>
+                      <a:tailEnd type="none" w="med" len="med"/>
+                    </a:lnL>
+                    <a:lnR w="12700" cap="flat" cmpd="sng" algn="ctr">
+                      <a:solidFill>
+                        <a:srgbClr val="000000"/>
+                      </a:solidFill>
+                      <a:prstDash val="solid"/>
+                      <a:round/>
+                      <a:headEnd type="none" w="med" len="med"/>
+                      <a:tailEnd type="none" w="med" len="med"/>
+                    </a:lnR>
+                    <a:lnT w="12700" cap="flat" cmpd="sng" algn="ctr">
+                      <a:solidFill>
+                        <a:srgbClr val="000000"/>
+                      </a:solidFill>
+                      <a:prstDash val="solid"/>
+                      <a:round/>
+                      <a:headEnd type="none" w="med" len="med"/>
+                      <a:tailEnd type="none" w="med" len="med"/>
+                    </a:lnT>
+                    <a:lnB w="12700" cap="flat" cmpd="sng" algn="ctr">
+                      <a:solidFill>
+                        <a:srgbClr val="000000"/>
+                      </a:solidFill>
+                      <a:prstDash val="solid"/>
+                      <a:round/>
+                      <a:headEnd type="none" w="med" len="med"/>
+                      <a:tailEnd type="none" w="med" len="med"/>
+                    </a:lnB>
+                    <a:lnTlToBr>
+                      <a:noFill/>
+                    </a:lnTlToBr>
+                    <a:lnBlToTr>
+                      <a:noFill/>
+                    </a:lnBlToTr>
+                    <a:noFill/>
+                  </a:tcPr>
+                </a:tc>
+                <a:extLst>
+                  <a:ext uri="{0D108BD9-81ED-4DB2-BD59-A6C34878D82A}">
+                    <a16:rowId xmlns:a16="http://schemas.microsoft.com/office/drawing/2014/main" val="10000"/>
+                  </a:ext>
+                </a:extLst>
+              </a:tr>
+              <a:tr h="0">
+                <a:tc>
+                  <a:txBody>
+                    <a:bodyPr/>
+                    <a:lstStyle/>
+                    <a:p>
+                      <a:pPr marL="0" marR="0" lvl="0" indent="0" algn="l" defTabSz="914400" rtl="0" eaLnBrk="1" fontAlgn="base" latinLnBrk="0" hangingPunct="1">
+                        <a:lnSpc>
+                          <a:spcPct val="100000"/>
+                        </a:lnSpc>
+                        <a:spcBef>
+                          <a:spcPct val="0"/>
+                        </a:spcBef>
+                        <a:spcAft>
+                          <a:spcPct val="0"/>
+                        </a:spcAft>
+                        <a:buClrTx/>
+                        <a:buSzTx/>
+                        <a:buFontTx/>
+                        <a:buNone/>
+                        <a:tabLst/>
+                      </a:pPr>
+                      <a:r>
+                        <a:rPr kumimoji="0" lang="ru-RU" sz="1000" b="0" i="0" u="none" strike="noStrike" cap="none" normalizeH="0" baseline="0">
+                          <a:ln>
+                            <a:noFill/>
+                          </a:ln>
+                          <a:solidFill>
+                            <a:schemeClr val="tx1"/>
+                          </a:solidFill>
+                          <a:effectLst/>
+                          <a:latin typeface="Times New Roman" pitchFamily="18" charset="0"/>
+                          <a:cs typeface="Times New Roman" pitchFamily="18" charset="0"/>
+                        </a:rPr>
+                        <a:t>Утвердил</a:t>
+                      </a:r>
+                      <a:endParaRPr kumimoji="0" lang="ru-RU" sz="1000" b="0" i="0" u="none" strike="noStrike" cap="none" normalizeH="0" baseline="0">
+                        <a:ln>
+                          <a:noFill/>
+                        </a:ln>
+                        <a:solidFill>
+                          <a:schemeClr val="tx1"/>
+                        </a:solidFill>
+                        <a:effectLst/>
+                        <a:latin typeface="Arial" charset="0"/>
+                      </a:endParaRPr>
+                    </a:p>
+                  </a:txBody>
+                  <a:tcPr marL="71962" marR="71962" marT="17991" marB="35979" horzOverflow="overflow">
+                    <a:lnL w="12700" cap="flat" cmpd="sng" algn="ctr">
+                      <a:solidFill>
+                        <a:srgbClr val="000000"/>
+                      </a:solidFill>
+                      <a:prstDash val="solid"/>
+                      <a:round/>
+                      <a:headEnd type="none" w="med" len="med"/>
+                      <a:tailEnd type="none" w="med" len="med"/>
+                    </a:lnL>
+                    <a:lnR w="12700" cap="flat" cmpd="sng" algn="ctr">
+                      <a:solidFill>
+                        <a:srgbClr val="000000"/>
+                      </a:solidFill>
+                      <a:prstDash val="solid"/>
+                      <a:round/>
+                      <a:headEnd type="none" w="med" len="med"/>
+                      <a:tailEnd type="none" w="med" len="med"/>
+                    </a:lnR>
+                    <a:lnT w="12700" cap="flat" cmpd="sng" algn="ctr">
+                      <a:solidFill>
+                        <a:srgbClr val="000000"/>
+                      </a:solidFill>
+                      <a:prstDash val="solid"/>
+                      <a:round/>
+                      <a:headEnd type="none" w="med" len="med"/>
+                      <a:tailEnd type="none" w="med" len="med"/>
+                    </a:lnT>
+                    <a:lnB w="12700" cap="flat" cmpd="sng" algn="ctr">
+                      <a:solidFill>
+                        <a:srgbClr val="000000"/>
+                      </a:solidFill>
+                      <a:prstDash val="solid"/>
+                      <a:round/>
+                      <a:headEnd type="none" w="med" len="med"/>
+                      <a:tailEnd type="none" w="med" len="med"/>
+                    </a:lnB>
+                    <a:lnTlToBr>
+                      <a:noFill/>
+                    </a:lnTlToBr>
+                    <a:lnBlToTr>
+                      <a:noFill/>
+                    </a:lnBlToTr>
+                    <a:noFill/>
+                  </a:tcPr>
+                </a:tc>
+                <a:tc>
+                  <a:txBody>
+                    <a:bodyPr/>
+                    <a:lstStyle/>
+                    <a:p>
+                      <a:pPr marL="0" marR="0" lvl="0" indent="0" algn="l" defTabSz="914400" rtl="0" eaLnBrk="1" fontAlgn="base" latinLnBrk="0" hangingPunct="1">
+                        <a:lnSpc>
+                          <a:spcPct val="100000"/>
+                        </a:lnSpc>
+                        <a:spcBef>
+                          <a:spcPct val="0"/>
+                        </a:spcBef>
+                        <a:spcAft>
+                          <a:spcPct val="0"/>
+                        </a:spcAft>
+                        <a:buClrTx/>
+                        <a:buSzTx/>
+                        <a:buFontTx/>
+                        <a:buNone/>
+                        <a:tabLst/>
+                      </a:pPr>
+                      <a:r>
+                        <a:rPr kumimoji="0" lang="ru-RU" sz="1000" b="0" i="0" u="none" strike="noStrike" cap="none" normalizeH="0" baseline="0" dirty="0">
+                          <a:ln>
+                            <a:noFill/>
+                          </a:ln>
+                          <a:solidFill>
+                            <a:schemeClr val="tx1"/>
+                          </a:solidFill>
+                          <a:effectLst/>
+                          <a:latin typeface="Times New Roman" pitchFamily="18" charset="0"/>
+                          <a:cs typeface="Times New Roman" pitchFamily="18" charset="0"/>
+                        </a:rPr>
+                        <a:t>Гагарина Л.Г.</a:t>
+                      </a:r>
+                    </a:p>
+                  </a:txBody>
+                  <a:tcPr marL="71962" marR="71962" marT="17991" marB="35979" horzOverflow="overflow">
+                    <a:lnL w="12700" cap="flat" cmpd="sng" algn="ctr">
+                      <a:solidFill>
+                        <a:srgbClr val="000000"/>
+                      </a:solidFill>
+                      <a:prstDash val="solid"/>
+                      <a:round/>
+                      <a:headEnd type="none" w="med" len="med"/>
+                      <a:tailEnd type="none" w="med" len="med"/>
+                    </a:lnL>
+                    <a:lnR w="12700" cap="flat" cmpd="sng" algn="ctr">
+                      <a:solidFill>
+                        <a:srgbClr val="000000"/>
+                      </a:solidFill>
+                      <a:prstDash val="solid"/>
+                      <a:round/>
+                      <a:headEnd type="none" w="med" len="med"/>
+                      <a:tailEnd type="none" w="med" len="med"/>
+                    </a:lnR>
+                    <a:lnT w="12700" cap="flat" cmpd="sng" algn="ctr">
+                      <a:solidFill>
+                        <a:srgbClr val="000000"/>
+                      </a:solidFill>
+                      <a:prstDash val="solid"/>
+                      <a:round/>
+                      <a:headEnd type="none" w="med" len="med"/>
+                      <a:tailEnd type="none" w="med" len="med"/>
+                    </a:lnT>
+                    <a:lnB w="12700" cap="flat" cmpd="sng" algn="ctr">
+                      <a:solidFill>
+                        <a:srgbClr val="000000"/>
+                      </a:solidFill>
+                      <a:prstDash val="solid"/>
+                      <a:round/>
+                      <a:headEnd type="none" w="med" len="med"/>
+                      <a:tailEnd type="none" w="med" len="med"/>
+                    </a:lnB>
+                    <a:lnTlToBr>
+                      <a:noFill/>
+                    </a:lnTlToBr>
+                    <a:lnBlToTr>
+                      <a:noFill/>
+                    </a:lnBlToTr>
+                    <a:noFill/>
+                  </a:tcPr>
+                </a:tc>
+                <a:tc>
+                  <a:txBody>
+                    <a:bodyPr/>
+                    <a:lstStyle/>
+                    <a:p>
+                      <a:pPr marL="0" marR="0" lvl="0" indent="0" algn="l" defTabSz="914400" rtl="0" eaLnBrk="1" fontAlgn="base" latinLnBrk="0" hangingPunct="1">
+                        <a:lnSpc>
+                          <a:spcPct val="100000"/>
+                        </a:lnSpc>
+                        <a:spcBef>
+                          <a:spcPct val="20000"/>
+                        </a:spcBef>
+                        <a:spcAft>
+                          <a:spcPct val="0"/>
+                        </a:spcAft>
+                        <a:buClrTx/>
+                        <a:buSzTx/>
+                        <a:buFontTx/>
+                        <a:buNone/>
+                        <a:tabLst/>
+                      </a:pPr>
+                      <a:endParaRPr kumimoji="0" lang="ru-RU" sz="1000" b="0" i="0" u="none" strike="noStrike" cap="none" normalizeH="0" baseline="0">
+                        <a:ln>
+                          <a:noFill/>
+                        </a:ln>
+                        <a:solidFill>
+                          <a:schemeClr val="tx1"/>
+                        </a:solidFill>
+                        <a:effectLst/>
+                        <a:latin typeface="Arial" charset="0"/>
+                      </a:endParaRPr>
+                    </a:p>
+                  </a:txBody>
+                  <a:tcPr marL="71962" marR="71962" marT="17991" marB="35979" horzOverflow="overflow">
+                    <a:lnL w="12700" cap="flat" cmpd="sng" algn="ctr">
+                      <a:solidFill>
+                        <a:srgbClr val="000000"/>
+                      </a:solidFill>
+                      <a:prstDash val="solid"/>
+                      <a:round/>
+                      <a:headEnd type="none" w="med" len="med"/>
+                      <a:tailEnd type="none" w="med" len="med"/>
+                    </a:lnL>
+                    <a:lnR w="12700" cap="flat" cmpd="sng" algn="ctr">
+                      <a:solidFill>
+                        <a:srgbClr val="000000"/>
+                      </a:solidFill>
+                      <a:prstDash val="solid"/>
+                      <a:round/>
+                      <a:headEnd type="none" w="med" len="med"/>
+                      <a:tailEnd type="none" w="med" len="med"/>
+                    </a:lnR>
+                    <a:lnT w="12700" cap="flat" cmpd="sng" algn="ctr">
+                      <a:solidFill>
+                        <a:srgbClr val="000000"/>
+                      </a:solidFill>
+                      <a:prstDash val="solid"/>
+                      <a:round/>
+                      <a:headEnd type="none" w="med" len="med"/>
+                      <a:tailEnd type="none" w="med" len="med"/>
+                    </a:lnT>
+                    <a:lnB w="12700" cap="flat" cmpd="sng" algn="ctr">
+                      <a:solidFill>
+                        <a:srgbClr val="000000"/>
+                      </a:solidFill>
+                      <a:prstDash val="solid"/>
+                      <a:round/>
+                      <a:headEnd type="none" w="med" len="med"/>
+                      <a:tailEnd type="none" w="med" len="med"/>
+                    </a:lnB>
+                    <a:lnTlToBr>
+                      <a:noFill/>
+                    </a:lnTlToBr>
+                    <a:lnBlToTr>
+                      <a:noFill/>
+                    </a:lnBlToTr>
+                    <a:noFill/>
+                  </a:tcPr>
+                </a:tc>
+                <a:tc>
+                  <a:txBody>
+                    <a:bodyPr/>
+                    <a:lstStyle/>
+                    <a:p>
+                      <a:pPr marL="0" marR="0" lvl="0" indent="0" algn="l" defTabSz="914400" rtl="0" eaLnBrk="1" fontAlgn="base" latinLnBrk="0" hangingPunct="1">
+                        <a:lnSpc>
+                          <a:spcPct val="100000"/>
+                        </a:lnSpc>
+                        <a:spcBef>
+                          <a:spcPct val="20000"/>
+                        </a:spcBef>
+                        <a:spcAft>
+                          <a:spcPct val="0"/>
+                        </a:spcAft>
+                        <a:buClrTx/>
+                        <a:buSzTx/>
+                        <a:buFontTx/>
+                        <a:buNone/>
+                        <a:tabLst/>
+                      </a:pPr>
+                      <a:endParaRPr kumimoji="0" lang="ru-RU" sz="1000" b="0" i="0" u="none" strike="noStrike" cap="none" normalizeH="0" baseline="0" dirty="0">
+                        <a:ln>
+                          <a:noFill/>
+                        </a:ln>
+                        <a:solidFill>
+                          <a:schemeClr val="tx1"/>
+                        </a:solidFill>
+                        <a:effectLst/>
+                        <a:latin typeface="Arial" charset="0"/>
+                      </a:endParaRPr>
+                    </a:p>
+                  </a:txBody>
+                  <a:tcPr marL="71962" marR="71962" marT="17991" marB="35979" horzOverflow="overflow">
+                    <a:lnL w="12700" cap="flat" cmpd="sng" algn="ctr">
+                      <a:solidFill>
+                        <a:srgbClr val="000000"/>
+                      </a:solidFill>
+                      <a:prstDash val="solid"/>
+                      <a:round/>
+                      <a:headEnd type="none" w="med" len="med"/>
+                      <a:tailEnd type="none" w="med" len="med"/>
+                    </a:lnL>
+                    <a:lnR w="12700" cap="flat" cmpd="sng" algn="ctr">
+                      <a:solidFill>
+                        <a:srgbClr val="000000"/>
+                      </a:solidFill>
+                      <a:prstDash val="solid"/>
+                      <a:round/>
+                      <a:headEnd type="none" w="med" len="med"/>
+                      <a:tailEnd type="none" w="med" len="med"/>
+                    </a:lnR>
+                    <a:lnT w="12700" cap="flat" cmpd="sng" algn="ctr">
+                      <a:solidFill>
+                        <a:srgbClr val="000000"/>
+                      </a:solidFill>
+                      <a:prstDash val="solid"/>
+                      <a:round/>
+                      <a:headEnd type="none" w="med" len="med"/>
+                      <a:tailEnd type="none" w="med" len="med"/>
+                    </a:lnT>
+                    <a:lnB w="12700" cap="flat" cmpd="sng" algn="ctr">
+                      <a:solidFill>
+                        <a:srgbClr val="000000"/>
+                      </a:solidFill>
+                      <a:prstDash val="solid"/>
+                      <a:round/>
+                      <a:headEnd type="none" w="med" len="med"/>
+                      <a:tailEnd type="none" w="med" len="med"/>
+                    </a:lnB>
+                    <a:lnTlToBr>
+                      <a:noFill/>
+                    </a:lnTlToBr>
+                    <a:lnBlToTr>
+                      <a:noFill/>
+                    </a:lnBlToTr>
+                    <a:noFill/>
+                  </a:tcPr>
+                </a:tc>
+                <a:extLst>
+                  <a:ext uri="{0D108BD9-81ED-4DB2-BD59-A6C34878D82A}">
+                    <a16:rowId xmlns:a16="http://schemas.microsoft.com/office/drawing/2014/main" val="10001"/>
+                  </a:ext>
+                </a:extLst>
+              </a:tr>
+            </a:tbl>
+          </a:graphicData>
+        </a:graphic>
+      </p:graphicFrame>
+      <p:sp>
+        <p:nvSpPr>
+          <p:cNvPr id="8" name="Line 158"/>
+          <p:cNvSpPr>
+            <a:spLocks noChangeShapeType="1"/>
+          </p:cNvSpPr>
+          <p:nvPr/>
         </p:nvSpPr>
-        <p:spPr/>
+        <p:spPr bwMode="auto">
+          <a:xfrm>
+            <a:off x="193675" y="188913"/>
+            <a:ext cx="8785225" cy="0"/>
+          </a:xfrm>
+          <a:prstGeom prst="line">
+            <a:avLst/>
+          </a:prstGeom>
+          <a:noFill/>
+          <a:ln w="12700" cap="sq">
+            <a:solidFill>
+              <a:schemeClr val="tx1"/>
+            </a:solidFill>
+            <a:round/>
+            <a:headEnd/>
+            <a:tailEnd/>
+          </a:ln>
+        </p:spPr>
+        <p:txBody>
+          <a:bodyPr/>
+          <a:lstStyle/>
+          <a:p>
+            <a:endParaRPr lang="ru-RU"/>
+          </a:p>
+        </p:txBody>
+      </p:sp>
+      <p:sp>
+        <p:nvSpPr>
+          <p:cNvPr id="9" name="Line 159"/>
+          <p:cNvSpPr>
+            <a:spLocks noChangeShapeType="1"/>
+          </p:cNvSpPr>
+          <p:nvPr/>
+        </p:nvSpPr>
+        <p:spPr bwMode="auto">
+          <a:xfrm>
+            <a:off x="193675" y="6669088"/>
+            <a:ext cx="8785225" cy="0"/>
+          </a:xfrm>
+          <a:prstGeom prst="line">
+            <a:avLst/>
+          </a:prstGeom>
+          <a:noFill/>
+          <a:ln w="12700" cap="sq">
+            <a:solidFill>
+              <a:schemeClr val="tx1"/>
+            </a:solidFill>
+            <a:round/>
+            <a:headEnd/>
+            <a:tailEnd/>
+          </a:ln>
+        </p:spPr>
         <p:txBody>
           <a:bodyPr/>
           <a:lstStyle/>
@@ -20152,7 +21236,7 @@
     </p:spTree>
     <p:extLst>
       <p:ext uri="{BB962C8B-B14F-4D97-AF65-F5344CB8AC3E}">
-        <p14:creationId xmlns:p14="http://schemas.microsoft.com/office/powerpoint/2010/main" val="4208945475"/>
+        <p14:creationId xmlns:p14="http://schemas.microsoft.com/office/powerpoint/2010/main" val="3575411339"/>
       </p:ext>
     </p:extLst>
   </p:cSld>

--- a/Технологическая практика/Презентация отчета.pptx
+++ b/Технологическая практика/Презентация отчета.pptx
@@ -21233,6 +21233,311 @@
           </a:p>
         </p:txBody>
       </p:sp>
+      <p:pic>
+        <p:nvPicPr>
+          <p:cNvPr id="10" name="Рисунок 9">
+            <a:extLst>
+              <a:ext uri="{FF2B5EF4-FFF2-40B4-BE49-F238E27FC236}">
+                <a16:creationId xmlns:a16="http://schemas.microsoft.com/office/drawing/2014/main" id="{E254B16D-4C41-4853-B27E-7B734632D166}"/>
+              </a:ext>
+            </a:extLst>
+          </p:cNvPr>
+          <p:cNvPicPr>
+            <a:picLocks noChangeAspect="1"/>
+          </p:cNvPicPr>
+          <p:nvPr/>
+        </p:nvPicPr>
+        <p:blipFill>
+          <a:blip r:embed="rId2"/>
+          <a:stretch>
+            <a:fillRect/>
+          </a:stretch>
+        </p:blipFill>
+        <p:spPr>
+          <a:xfrm>
+            <a:off x="6004916" y="3914579"/>
+            <a:ext cx="2153461" cy="1242613"/>
+          </a:xfrm>
+          <a:prstGeom prst="rect">
+            <a:avLst/>
+          </a:prstGeom>
+        </p:spPr>
+      </p:pic>
+      <p:pic>
+        <p:nvPicPr>
+          <p:cNvPr id="11" name="Рисунок 10">
+            <a:extLst>
+              <a:ext uri="{FF2B5EF4-FFF2-40B4-BE49-F238E27FC236}">
+                <a16:creationId xmlns:a16="http://schemas.microsoft.com/office/drawing/2014/main" id="{A601425D-1D49-4B53-8321-EAF7589AA402}"/>
+              </a:ext>
+            </a:extLst>
+          </p:cNvPr>
+          <p:cNvPicPr>
+            <a:picLocks noChangeAspect="1"/>
+          </p:cNvPicPr>
+          <p:nvPr/>
+        </p:nvPicPr>
+        <p:blipFill>
+          <a:blip r:embed="rId3"/>
+          <a:stretch>
+            <a:fillRect/>
+          </a:stretch>
+        </p:blipFill>
+        <p:spPr>
+          <a:xfrm>
+            <a:off x="867423" y="3920498"/>
+            <a:ext cx="4558552" cy="1162896"/>
+          </a:xfrm>
+          <a:prstGeom prst="rect">
+            <a:avLst/>
+          </a:prstGeom>
+        </p:spPr>
+      </p:pic>
+      <p:pic>
+        <p:nvPicPr>
+          <p:cNvPr id="12" name="Рисунок 11">
+            <a:extLst>
+              <a:ext uri="{FF2B5EF4-FFF2-40B4-BE49-F238E27FC236}">
+                <a16:creationId xmlns:a16="http://schemas.microsoft.com/office/drawing/2014/main" id="{28C6AE44-A56A-4CAA-85E3-8AB8CFE56534}"/>
+              </a:ext>
+            </a:extLst>
+          </p:cNvPr>
+          <p:cNvPicPr>
+            <a:picLocks noChangeAspect="1"/>
+          </p:cNvPicPr>
+          <p:nvPr/>
+        </p:nvPicPr>
+        <p:blipFill>
+          <a:blip r:embed="rId4"/>
+          <a:stretch>
+            <a:fillRect/>
+          </a:stretch>
+        </p:blipFill>
+        <p:spPr>
+          <a:xfrm>
+            <a:off x="6012806" y="1078019"/>
+            <a:ext cx="2145571" cy="1482613"/>
+          </a:xfrm>
+          <a:prstGeom prst="rect">
+            <a:avLst/>
+          </a:prstGeom>
+        </p:spPr>
+      </p:pic>
+      <p:sp>
+        <p:nvSpPr>
+          <p:cNvPr id="13" name="TextBox 12">
+            <a:extLst>
+              <a:ext uri="{FF2B5EF4-FFF2-40B4-BE49-F238E27FC236}">
+                <a16:creationId xmlns:a16="http://schemas.microsoft.com/office/drawing/2014/main" id="{2834E5C4-C2A0-4577-A39A-B853DAD98B66}"/>
+              </a:ext>
+            </a:extLst>
+          </p:cNvPr>
+          <p:cNvSpPr txBox="1"/>
+          <p:nvPr/>
+        </p:nvSpPr>
+        <p:spPr>
+          <a:xfrm>
+            <a:off x="5964838" y="5237192"/>
+            <a:ext cx="2592288" cy="338554"/>
+          </a:xfrm>
+          <a:prstGeom prst="rect">
+            <a:avLst/>
+          </a:prstGeom>
+          <a:noFill/>
+        </p:spPr>
+        <p:txBody>
+          <a:bodyPr wrap="square">
+            <a:spAutoFit/>
+          </a:bodyPr>
+          <a:lstStyle/>
+          <a:p>
+            <a:r>
+              <a:rPr lang="ru-RU" sz="1600" dirty="0"/>
+              <a:t>4. </a:t>
+            </a:r>
+            <a:r>
+              <a:rPr lang="ru-RU" sz="1600" dirty="0">
+                <a:solidFill>
+                  <a:srgbClr val="000000"/>
+                </a:solidFill>
+                <a:effectLst/>
+                <a:ea typeface="Times New Roman" panose="02020603050405020304" pitchFamily="18" charset="0"/>
+              </a:rPr>
+              <a:t>Форма авторизации</a:t>
+            </a:r>
+            <a:endParaRPr lang="ru-RU" sz="1600" dirty="0"/>
+          </a:p>
+        </p:txBody>
+      </p:sp>
+      <p:sp>
+        <p:nvSpPr>
+          <p:cNvPr id="14" name="TextBox 13">
+            <a:extLst>
+              <a:ext uri="{FF2B5EF4-FFF2-40B4-BE49-F238E27FC236}">
+                <a16:creationId xmlns:a16="http://schemas.microsoft.com/office/drawing/2014/main" id="{FB5108F1-31FD-4030-AAC9-0BA7DAA6741C}"/>
+              </a:ext>
+            </a:extLst>
+          </p:cNvPr>
+          <p:cNvSpPr txBox="1"/>
+          <p:nvPr/>
+        </p:nvSpPr>
+        <p:spPr>
+          <a:xfrm>
+            <a:off x="5868144" y="2623216"/>
+            <a:ext cx="2476540" cy="584775"/>
+          </a:xfrm>
+          <a:prstGeom prst="rect">
+            <a:avLst/>
+          </a:prstGeom>
+          <a:noFill/>
+        </p:spPr>
+        <p:txBody>
+          <a:bodyPr wrap="square">
+            <a:spAutoFit/>
+          </a:bodyPr>
+          <a:lstStyle/>
+          <a:p>
+            <a:r>
+              <a:rPr lang="ru-RU" sz="1600" dirty="0"/>
+              <a:t>2. </a:t>
+            </a:r>
+            <a:r>
+              <a:rPr lang="ru-RU" sz="1600" dirty="0">
+                <a:solidFill>
+                  <a:srgbClr val="000000"/>
+                </a:solidFill>
+                <a:effectLst/>
+                <a:ea typeface="Times New Roman" panose="02020603050405020304" pitchFamily="18" charset="0"/>
+              </a:rPr>
+              <a:t>Форма редактирования почтового сервера</a:t>
+            </a:r>
+            <a:endParaRPr lang="ru-RU" sz="1600" dirty="0"/>
+          </a:p>
+        </p:txBody>
+      </p:sp>
+      <p:sp>
+        <p:nvSpPr>
+          <p:cNvPr id="15" name="TextBox 14">
+            <a:extLst>
+              <a:ext uri="{FF2B5EF4-FFF2-40B4-BE49-F238E27FC236}">
+                <a16:creationId xmlns:a16="http://schemas.microsoft.com/office/drawing/2014/main" id="{9D4774EC-4F94-489B-B13A-BEC8CBBB5FCD}"/>
+              </a:ext>
+            </a:extLst>
+          </p:cNvPr>
+          <p:cNvSpPr txBox="1"/>
+          <p:nvPr/>
+        </p:nvSpPr>
+        <p:spPr>
+          <a:xfrm>
+            <a:off x="1459003" y="5237192"/>
+            <a:ext cx="3240508" cy="338554"/>
+          </a:xfrm>
+          <a:prstGeom prst="rect">
+            <a:avLst/>
+          </a:prstGeom>
+          <a:noFill/>
+        </p:spPr>
+        <p:txBody>
+          <a:bodyPr wrap="square">
+            <a:spAutoFit/>
+          </a:bodyPr>
+          <a:lstStyle/>
+          <a:p>
+            <a:r>
+              <a:rPr lang="ru-RU" sz="1600" dirty="0"/>
+              <a:t>3. </a:t>
+            </a:r>
+            <a:r>
+              <a:rPr lang="ru-RU" sz="1600" dirty="0">
+                <a:solidFill>
+                  <a:srgbClr val="000000"/>
+                </a:solidFill>
+                <a:effectLst/>
+                <a:latin typeface="Times New Roman" panose="02020603050405020304" pitchFamily="18" charset="0"/>
+                <a:ea typeface="Times New Roman" panose="02020603050405020304" pitchFamily="18" charset="0"/>
+              </a:rPr>
+              <a:t>Таблица просмотра писем</a:t>
+            </a:r>
+            <a:endParaRPr lang="ru-RU" sz="1600" dirty="0"/>
+          </a:p>
+        </p:txBody>
+      </p:sp>
+      <p:pic>
+        <p:nvPicPr>
+          <p:cNvPr id="16" name="Рисунок 15">
+            <a:extLst>
+              <a:ext uri="{FF2B5EF4-FFF2-40B4-BE49-F238E27FC236}">
+                <a16:creationId xmlns:a16="http://schemas.microsoft.com/office/drawing/2014/main" id="{0BC8799D-67EA-4FFF-AFC3-E8BA17BA7794}"/>
+              </a:ext>
+            </a:extLst>
+          </p:cNvPr>
+          <p:cNvPicPr>
+            <a:picLocks noChangeAspect="1"/>
+          </p:cNvPicPr>
+          <p:nvPr/>
+        </p:nvPicPr>
+        <p:blipFill>
+          <a:blip r:embed="rId5"/>
+          <a:stretch>
+            <a:fillRect/>
+          </a:stretch>
+        </p:blipFill>
+        <p:spPr>
+          <a:xfrm>
+            <a:off x="799981" y="1078019"/>
+            <a:ext cx="4558552" cy="1545197"/>
+          </a:xfrm>
+          <a:prstGeom prst="rect">
+            <a:avLst/>
+          </a:prstGeom>
+        </p:spPr>
+      </p:pic>
+      <p:sp>
+        <p:nvSpPr>
+          <p:cNvPr id="17" name="TextBox 16">
+            <a:extLst>
+              <a:ext uri="{FF2B5EF4-FFF2-40B4-BE49-F238E27FC236}">
+                <a16:creationId xmlns:a16="http://schemas.microsoft.com/office/drawing/2014/main" id="{89A2DA44-9C2D-4B71-971E-E5AB6747A6FB}"/>
+              </a:ext>
+            </a:extLst>
+          </p:cNvPr>
+          <p:cNvSpPr txBox="1"/>
+          <p:nvPr/>
+        </p:nvSpPr>
+        <p:spPr>
+          <a:xfrm>
+            <a:off x="1395997" y="2640392"/>
+            <a:ext cx="3501404" cy="584775"/>
+          </a:xfrm>
+          <a:prstGeom prst="rect">
+            <a:avLst/>
+          </a:prstGeom>
+          <a:noFill/>
+        </p:spPr>
+        <p:txBody>
+          <a:bodyPr wrap="square">
+            <a:spAutoFit/>
+          </a:bodyPr>
+          <a:lstStyle/>
+          <a:p>
+            <a:r>
+              <a:rPr lang="ru-RU" sz="1600" dirty="0"/>
+              <a:t>1. </a:t>
+            </a:r>
+            <a:r>
+              <a:rPr lang="ru-RU" sz="1600" dirty="0">
+                <a:solidFill>
+                  <a:srgbClr val="000000"/>
+                </a:solidFill>
+                <a:effectLst/>
+                <a:ea typeface="Times New Roman" panose="02020603050405020304" pitchFamily="18" charset="0"/>
+              </a:rPr>
+              <a:t>Форма добавления учетной записи, выбор хоста</a:t>
+            </a:r>
+            <a:endParaRPr lang="ru-RU" sz="1600" dirty="0"/>
+          </a:p>
+        </p:txBody>
+      </p:sp>
     </p:spTree>
     <p:extLst>
       <p:ext uri="{BB962C8B-B14F-4D97-AF65-F5344CB8AC3E}">
@@ -21452,11 +21757,6 @@
               <a:rPr lang="ru-RU" dirty="0"/>
               <a:t>3 степени</a:t>
             </a:r>
-            <a:r>
-              <a:rPr lang="en-US" dirty="0"/>
-              <a:t>;</a:t>
-            </a:r>
-            <a:endParaRPr lang="ru-RU" dirty="0"/>
           </a:p>
           <a:p>
             <a:pPr marL="177800" indent="-177800">
